--- a/carrier/산출물/통신 중개 서버 개발 설명서.pptx
+++ b/carrier/산출물/통신 중개 서버 개발 설명서.pptx
@@ -8,9 +8,14 @@
     <p:sldId id="256" r:id="rId2"/>
     <p:sldId id="257" r:id="rId3"/>
     <p:sldId id="259" r:id="rId4"/>
-    <p:sldId id="260" r:id="rId5"/>
-    <p:sldId id="261" r:id="rId6"/>
-    <p:sldId id="262" r:id="rId7"/>
+    <p:sldId id="263" r:id="rId5"/>
+    <p:sldId id="264" r:id="rId6"/>
+    <p:sldId id="265" r:id="rId7"/>
+    <p:sldId id="266" r:id="rId8"/>
+    <p:sldId id="267" r:id="rId9"/>
+    <p:sldId id="260" r:id="rId10"/>
+    <p:sldId id="261" r:id="rId11"/>
+    <p:sldId id="262" r:id="rId12"/>
   </p:sldIdLst>
   <p:sldSz cx="12192000" cy="6858000"/>
   <p:notesSz cx="6858000" cy="9144000"/>
@@ -3050,6 +3055,1955 @@
   <p:clrMapOvr>
     <a:masterClrMapping/>
   </p:clrMapOvr>
+  <p:timing>
+    <p:tnLst>
+      <p:par>
+        <p:cTn id="1" dur="indefinite" restart="never" nodeType="tmRoot"/>
+      </p:par>
+    </p:tnLst>
+  </p:timing>
+</p:sld>
+</file>
+
+<file path=ppt/slides/slide10.xml><?xml version="1.0" encoding="utf-8"?>
+<p:sld xmlns:a="http://schemas.openxmlformats.org/drawingml/2006/main" xmlns:r="http://schemas.openxmlformats.org/officeDocument/2006/relationships" xmlns:p="http://schemas.openxmlformats.org/presentationml/2006/main">
+  <p:cSld>
+    <p:spTree>
+      <p:nvGrpSpPr>
+        <p:cNvPr id="1" name=""/>
+        <p:cNvGrpSpPr/>
+        <p:nvPr/>
+      </p:nvGrpSpPr>
+      <p:grpSpPr>
+        <a:xfrm>
+          <a:off x="0" y="0"/>
+          <a:ext cx="0" cy="0"/>
+          <a:chOff x="0" y="0"/>
+          <a:chExt cx="0" cy="0"/>
+        </a:xfrm>
+      </p:grpSpPr>
+      <p:sp>
+        <p:nvSpPr>
+          <p:cNvPr id="2" name="제목 1"/>
+          <p:cNvSpPr>
+            <a:spLocks noGrp="1"/>
+          </p:cNvSpPr>
+          <p:nvPr>
+            <p:ph type="title"/>
+          </p:nvPr>
+        </p:nvSpPr>
+        <p:spPr>
+          <a:xfrm>
+            <a:off x="838200" y="365125"/>
+            <a:ext cx="10398211" cy="359805"/>
+          </a:xfrm>
+        </p:spPr>
+        <p:txBody>
+          <a:bodyPr>
+            <a:noAutofit/>
+          </a:bodyPr>
+          <a:lstStyle/>
+          <a:p>
+            <a:r>
+              <a:rPr lang="en-US" altLang="ko-KR" sz="2800" b="1" dirty="0" smtClean="0"/>
+              <a:t>4. </a:t>
+            </a:r>
+            <a:r>
+              <a:rPr lang="ko-KR" altLang="en-US" sz="2800" b="1" dirty="0" smtClean="0"/>
+              <a:t>흐름도</a:t>
+            </a:r>
+            <a:endParaRPr lang="ko-KR" altLang="en-US" sz="2800" b="1" dirty="0"/>
+          </a:p>
+        </p:txBody>
+      </p:sp>
+      <p:sp>
+        <p:nvSpPr>
+          <p:cNvPr id="13" name="직사각형 12"/>
+          <p:cNvSpPr/>
+          <p:nvPr/>
+        </p:nvSpPr>
+        <p:spPr>
+          <a:xfrm>
+            <a:off x="150403" y="1062532"/>
+            <a:ext cx="1978632" cy="330358"/>
+          </a:xfrm>
+          <a:prstGeom prst="rect">
+            <a:avLst/>
+          </a:prstGeom>
+          <a:noFill/>
+          <a:ln w="38100">
+            <a:solidFill>
+              <a:schemeClr val="tx1"/>
+            </a:solidFill>
+          </a:ln>
+        </p:spPr>
+        <p:style>
+          <a:lnRef idx="2">
+            <a:schemeClr val="accent1">
+              <a:shade val="50000"/>
+            </a:schemeClr>
+          </a:lnRef>
+          <a:fillRef idx="1">
+            <a:schemeClr val="accent1"/>
+          </a:fillRef>
+          <a:effectRef idx="0">
+            <a:schemeClr val="accent1"/>
+          </a:effectRef>
+          <a:fontRef idx="minor">
+            <a:schemeClr val="lt1"/>
+          </a:fontRef>
+        </p:style>
+        <p:txBody>
+          <a:bodyPr rtlCol="0" anchor="ctr"/>
+          <a:lstStyle/>
+          <a:p>
+            <a:pPr algn="ctr"/>
+            <a:r>
+              <a:rPr lang="en-US" altLang="ko-KR" sz="1200" b="1" dirty="0" smtClean="0">
+                <a:solidFill>
+                  <a:schemeClr val="tx1"/>
+                </a:solidFill>
+              </a:rPr>
+              <a:t>Spring Boot Application</a:t>
+            </a:r>
+            <a:endParaRPr lang="ko-KR" altLang="en-US" sz="1200" b="1" dirty="0">
+              <a:solidFill>
+                <a:schemeClr val="tx1"/>
+              </a:solidFill>
+            </a:endParaRPr>
+          </a:p>
+        </p:txBody>
+      </p:sp>
+      <p:sp>
+        <p:nvSpPr>
+          <p:cNvPr id="14" name="직사각형 13"/>
+          <p:cNvSpPr/>
+          <p:nvPr/>
+        </p:nvSpPr>
+        <p:spPr>
+          <a:xfrm>
+            <a:off x="2285838" y="1062532"/>
+            <a:ext cx="1055053" cy="330358"/>
+          </a:xfrm>
+          <a:prstGeom prst="rect">
+            <a:avLst/>
+          </a:prstGeom>
+          <a:noFill/>
+          <a:ln w="38100">
+            <a:solidFill>
+              <a:schemeClr val="tx1"/>
+            </a:solidFill>
+          </a:ln>
+        </p:spPr>
+        <p:style>
+          <a:lnRef idx="2">
+            <a:schemeClr val="accent1">
+              <a:shade val="50000"/>
+            </a:schemeClr>
+          </a:lnRef>
+          <a:fillRef idx="1">
+            <a:schemeClr val="accent1"/>
+          </a:fillRef>
+          <a:effectRef idx="0">
+            <a:schemeClr val="accent1"/>
+          </a:effectRef>
+          <a:fontRef idx="minor">
+            <a:schemeClr val="lt1"/>
+          </a:fontRef>
+        </p:style>
+        <p:txBody>
+          <a:bodyPr rtlCol="0" anchor="ctr"/>
+          <a:lstStyle/>
+          <a:p>
+            <a:pPr algn="ctr"/>
+            <a:r>
+              <a:rPr lang="en-US" altLang="ko-KR" sz="1200" b="1" dirty="0" smtClean="0">
+                <a:solidFill>
+                  <a:schemeClr val="tx1"/>
+                </a:solidFill>
+              </a:rPr>
+              <a:t>Carrier(</a:t>
+            </a:r>
+            <a:r>
+              <a:rPr lang="ko-KR" altLang="en-US" sz="1200" b="1" dirty="0" smtClean="0">
+                <a:solidFill>
+                  <a:schemeClr val="tx1"/>
+                </a:solidFill>
+              </a:rPr>
+              <a:t>가칭</a:t>
+            </a:r>
+            <a:r>
+              <a:rPr lang="en-US" altLang="ko-KR" sz="1200" b="1" dirty="0" smtClean="0">
+                <a:solidFill>
+                  <a:schemeClr val="tx1"/>
+                </a:solidFill>
+              </a:rPr>
+              <a:t>)</a:t>
+            </a:r>
+            <a:endParaRPr lang="ko-KR" altLang="en-US" sz="1200" b="1" dirty="0">
+              <a:solidFill>
+                <a:schemeClr val="tx1"/>
+              </a:solidFill>
+            </a:endParaRPr>
+          </a:p>
+        </p:txBody>
+      </p:sp>
+      <p:sp>
+        <p:nvSpPr>
+          <p:cNvPr id="15" name="직사각형 14"/>
+          <p:cNvSpPr/>
+          <p:nvPr/>
+        </p:nvSpPr>
+        <p:spPr>
+          <a:xfrm>
+            <a:off x="3497694" y="1062681"/>
+            <a:ext cx="1077447" cy="330358"/>
+          </a:xfrm>
+          <a:prstGeom prst="rect">
+            <a:avLst/>
+          </a:prstGeom>
+          <a:noFill/>
+          <a:ln w="38100">
+            <a:solidFill>
+              <a:schemeClr val="tx1"/>
+            </a:solidFill>
+          </a:ln>
+        </p:spPr>
+        <p:style>
+          <a:lnRef idx="2">
+            <a:schemeClr val="accent1">
+              <a:shade val="50000"/>
+            </a:schemeClr>
+          </a:lnRef>
+          <a:fillRef idx="1">
+            <a:schemeClr val="accent1"/>
+          </a:fillRef>
+          <a:effectRef idx="0">
+            <a:schemeClr val="accent1"/>
+          </a:effectRef>
+          <a:fontRef idx="minor">
+            <a:schemeClr val="lt1"/>
+          </a:fontRef>
+        </p:style>
+        <p:txBody>
+          <a:bodyPr rtlCol="0" anchor="ctr"/>
+          <a:lstStyle/>
+          <a:p>
+            <a:pPr algn="ctr"/>
+            <a:r>
+              <a:rPr lang="en-US" altLang="ko-KR" sz="1200" b="1" dirty="0" smtClean="0">
+                <a:solidFill>
+                  <a:schemeClr val="tx1"/>
+                </a:solidFill>
+              </a:rPr>
+              <a:t>Loader(</a:t>
+            </a:r>
+            <a:r>
+              <a:rPr lang="ko-KR" altLang="en-US" sz="1200" b="1" dirty="0" smtClean="0">
+                <a:solidFill>
+                  <a:schemeClr val="tx1"/>
+                </a:solidFill>
+              </a:rPr>
+              <a:t>가칭</a:t>
+            </a:r>
+            <a:r>
+              <a:rPr lang="en-US" altLang="ko-KR" sz="1200" b="1" dirty="0" smtClean="0">
+                <a:solidFill>
+                  <a:schemeClr val="tx1"/>
+                </a:solidFill>
+              </a:rPr>
+              <a:t>)</a:t>
+            </a:r>
+            <a:endParaRPr lang="ko-KR" altLang="en-US" sz="1200" b="1" dirty="0">
+              <a:solidFill>
+                <a:schemeClr val="tx1"/>
+              </a:solidFill>
+            </a:endParaRPr>
+          </a:p>
+        </p:txBody>
+      </p:sp>
+      <p:sp>
+        <p:nvSpPr>
+          <p:cNvPr id="16" name="직사각형 15"/>
+          <p:cNvSpPr/>
+          <p:nvPr/>
+        </p:nvSpPr>
+        <p:spPr>
+          <a:xfrm>
+            <a:off x="10026781" y="1062532"/>
+            <a:ext cx="1978632" cy="517644"/>
+          </a:xfrm>
+          <a:prstGeom prst="rect">
+            <a:avLst/>
+          </a:prstGeom>
+          <a:noFill/>
+          <a:ln w="38100">
+            <a:solidFill>
+              <a:schemeClr val="tx1"/>
+            </a:solidFill>
+          </a:ln>
+        </p:spPr>
+        <p:style>
+          <a:lnRef idx="2">
+            <a:schemeClr val="accent1">
+              <a:shade val="50000"/>
+            </a:schemeClr>
+          </a:lnRef>
+          <a:fillRef idx="1">
+            <a:schemeClr val="accent1"/>
+          </a:fillRef>
+          <a:effectRef idx="0">
+            <a:schemeClr val="accent1"/>
+          </a:effectRef>
+          <a:fontRef idx="minor">
+            <a:schemeClr val="lt1"/>
+          </a:fontRef>
+        </p:style>
+        <p:txBody>
+          <a:bodyPr rtlCol="0" anchor="ctr"/>
+          <a:lstStyle/>
+          <a:p>
+            <a:pPr algn="ctr"/>
+            <a:r>
+              <a:rPr lang="en-US" altLang="ko-KR" sz="1200" b="1" dirty="0" smtClean="0">
+                <a:solidFill>
+                  <a:schemeClr val="tx1"/>
+                </a:solidFill>
+              </a:rPr>
+              <a:t>Spring Boot Application</a:t>
+            </a:r>
+          </a:p>
+          <a:p>
+            <a:pPr algn="ctr"/>
+            <a:r>
+              <a:rPr lang="en-US" altLang="ko-KR" sz="1200" b="1" dirty="0" smtClean="0">
+                <a:solidFill>
+                  <a:schemeClr val="tx1"/>
+                </a:solidFill>
+              </a:rPr>
+              <a:t>Configuration(</a:t>
+            </a:r>
+            <a:r>
+              <a:rPr lang="ko-KR" altLang="en-US" sz="1200" b="1" dirty="0" smtClean="0">
+                <a:solidFill>
+                  <a:schemeClr val="tx1"/>
+                </a:solidFill>
+              </a:rPr>
+              <a:t>전문 서버</a:t>
+            </a:r>
+            <a:r>
+              <a:rPr lang="en-US" altLang="ko-KR" sz="1200" b="1" dirty="0" smtClean="0">
+                <a:solidFill>
+                  <a:schemeClr val="tx1"/>
+                </a:solidFill>
+              </a:rPr>
+              <a:t>)</a:t>
+            </a:r>
+            <a:endParaRPr lang="ko-KR" altLang="en-US" sz="1200" b="1" dirty="0">
+              <a:solidFill>
+                <a:schemeClr val="tx1"/>
+              </a:solidFill>
+            </a:endParaRPr>
+          </a:p>
+        </p:txBody>
+      </p:sp>
+      <p:cxnSp>
+        <p:nvCxnSpPr>
+          <p:cNvPr id="7" name="직선 연결선 6"/>
+          <p:cNvCxnSpPr>
+            <a:stCxn id="16" idx="2"/>
+          </p:cNvCxnSpPr>
+          <p:nvPr/>
+        </p:nvCxnSpPr>
+        <p:spPr>
+          <a:xfrm>
+            <a:off x="11016097" y="1580176"/>
+            <a:ext cx="0" cy="5188945"/>
+          </a:xfrm>
+          <a:prstGeom prst="line">
+            <a:avLst/>
+          </a:prstGeom>
+          <a:ln w="38100">
+            <a:solidFill>
+              <a:schemeClr val="tx1"/>
+            </a:solidFill>
+          </a:ln>
+        </p:spPr>
+        <p:style>
+          <a:lnRef idx="1">
+            <a:schemeClr val="accent1"/>
+          </a:lnRef>
+          <a:fillRef idx="0">
+            <a:schemeClr val="accent1"/>
+          </a:fillRef>
+          <a:effectRef idx="0">
+            <a:schemeClr val="accent1"/>
+          </a:effectRef>
+          <a:fontRef idx="minor">
+            <a:schemeClr val="tx1"/>
+          </a:fontRef>
+        </p:style>
+      </p:cxnSp>
+      <p:cxnSp>
+        <p:nvCxnSpPr>
+          <p:cNvPr id="19" name="직선 연결선 18"/>
+          <p:cNvCxnSpPr/>
+          <p:nvPr/>
+        </p:nvCxnSpPr>
+        <p:spPr>
+          <a:xfrm>
+            <a:off x="1139719" y="1392890"/>
+            <a:ext cx="0" cy="5188945"/>
+          </a:xfrm>
+          <a:prstGeom prst="line">
+            <a:avLst/>
+          </a:prstGeom>
+          <a:ln w="38100">
+            <a:solidFill>
+              <a:schemeClr val="tx1"/>
+            </a:solidFill>
+          </a:ln>
+        </p:spPr>
+        <p:style>
+          <a:lnRef idx="1">
+            <a:schemeClr val="accent1"/>
+          </a:lnRef>
+          <a:fillRef idx="0">
+            <a:schemeClr val="accent1"/>
+          </a:fillRef>
+          <a:effectRef idx="0">
+            <a:schemeClr val="accent1"/>
+          </a:effectRef>
+          <a:fontRef idx="minor">
+            <a:schemeClr val="tx1"/>
+          </a:fontRef>
+        </p:style>
+      </p:cxnSp>
+      <p:cxnSp>
+        <p:nvCxnSpPr>
+          <p:cNvPr id="20" name="직선 연결선 19"/>
+          <p:cNvCxnSpPr/>
+          <p:nvPr/>
+        </p:nvCxnSpPr>
+        <p:spPr>
+          <a:xfrm>
+            <a:off x="2791329" y="1392890"/>
+            <a:ext cx="0" cy="5188945"/>
+          </a:xfrm>
+          <a:prstGeom prst="line">
+            <a:avLst/>
+          </a:prstGeom>
+          <a:ln w="38100">
+            <a:solidFill>
+              <a:schemeClr val="tx1"/>
+            </a:solidFill>
+          </a:ln>
+        </p:spPr>
+        <p:style>
+          <a:lnRef idx="1">
+            <a:schemeClr val="accent1"/>
+          </a:lnRef>
+          <a:fillRef idx="0">
+            <a:schemeClr val="accent1"/>
+          </a:fillRef>
+          <a:effectRef idx="0">
+            <a:schemeClr val="accent1"/>
+          </a:effectRef>
+          <a:fontRef idx="minor">
+            <a:schemeClr val="tx1"/>
+          </a:fontRef>
+        </p:style>
+      </p:cxnSp>
+      <p:cxnSp>
+        <p:nvCxnSpPr>
+          <p:cNvPr id="21" name="직선 연결선 20"/>
+          <p:cNvCxnSpPr/>
+          <p:nvPr/>
+        </p:nvCxnSpPr>
+        <p:spPr>
+          <a:xfrm>
+            <a:off x="4025220" y="1393039"/>
+            <a:ext cx="0" cy="5188945"/>
+          </a:xfrm>
+          <a:prstGeom prst="line">
+            <a:avLst/>
+          </a:prstGeom>
+          <a:ln w="38100">
+            <a:solidFill>
+              <a:schemeClr val="tx1"/>
+            </a:solidFill>
+          </a:ln>
+        </p:spPr>
+        <p:style>
+          <a:lnRef idx="1">
+            <a:schemeClr val="accent1"/>
+          </a:lnRef>
+          <a:fillRef idx="0">
+            <a:schemeClr val="accent1"/>
+          </a:fillRef>
+          <a:effectRef idx="0">
+            <a:schemeClr val="accent1"/>
+          </a:effectRef>
+          <a:fontRef idx="minor">
+            <a:schemeClr val="tx1"/>
+          </a:fontRef>
+        </p:style>
+      </p:cxnSp>
+      <p:sp>
+        <p:nvSpPr>
+          <p:cNvPr id="22" name="직사각형 21"/>
+          <p:cNvSpPr/>
+          <p:nvPr/>
+        </p:nvSpPr>
+        <p:spPr>
+          <a:xfrm>
+            <a:off x="4724969" y="1062532"/>
+            <a:ext cx="1278878" cy="330358"/>
+          </a:xfrm>
+          <a:prstGeom prst="rect">
+            <a:avLst/>
+          </a:prstGeom>
+          <a:noFill/>
+          <a:ln w="38100">
+            <a:solidFill>
+              <a:schemeClr val="tx1"/>
+            </a:solidFill>
+          </a:ln>
+        </p:spPr>
+        <p:style>
+          <a:lnRef idx="2">
+            <a:schemeClr val="accent1">
+              <a:shade val="50000"/>
+            </a:schemeClr>
+          </a:lnRef>
+          <a:fillRef idx="1">
+            <a:schemeClr val="accent1"/>
+          </a:fillRef>
+          <a:effectRef idx="0">
+            <a:schemeClr val="accent1"/>
+          </a:effectRef>
+          <a:fontRef idx="minor">
+            <a:schemeClr val="lt1"/>
+          </a:fontRef>
+        </p:style>
+        <p:txBody>
+          <a:bodyPr rtlCol="0" anchor="ctr"/>
+          <a:lstStyle/>
+          <a:p>
+            <a:pPr algn="ctr"/>
+            <a:r>
+              <a:rPr lang="en-US" altLang="ko-KR" sz="1200" b="1" dirty="0" smtClean="0">
+                <a:solidFill>
+                  <a:schemeClr val="tx1"/>
+                </a:solidFill>
+              </a:rPr>
+              <a:t>Handler(</a:t>
+            </a:r>
+            <a:r>
+              <a:rPr lang="ko-KR" altLang="en-US" sz="1200" b="1" dirty="0" smtClean="0">
+                <a:solidFill>
+                  <a:schemeClr val="tx1"/>
+                </a:solidFill>
+              </a:rPr>
+              <a:t>가칭</a:t>
+            </a:r>
+            <a:r>
+              <a:rPr lang="en-US" altLang="ko-KR" sz="1200" b="1" dirty="0" smtClean="0">
+                <a:solidFill>
+                  <a:schemeClr val="tx1"/>
+                </a:solidFill>
+              </a:rPr>
+              <a:t>)</a:t>
+            </a:r>
+            <a:endParaRPr lang="ko-KR" altLang="en-US" sz="1200" b="1" dirty="0">
+              <a:solidFill>
+                <a:schemeClr val="tx1"/>
+              </a:solidFill>
+            </a:endParaRPr>
+          </a:p>
+        </p:txBody>
+      </p:sp>
+      <p:cxnSp>
+        <p:nvCxnSpPr>
+          <p:cNvPr id="23" name="직선 연결선 22"/>
+          <p:cNvCxnSpPr/>
+          <p:nvPr/>
+        </p:nvCxnSpPr>
+        <p:spPr>
+          <a:xfrm>
+            <a:off x="5318595" y="1392741"/>
+            <a:ext cx="0" cy="5188945"/>
+          </a:xfrm>
+          <a:prstGeom prst="line">
+            <a:avLst/>
+          </a:prstGeom>
+          <a:ln w="38100">
+            <a:solidFill>
+              <a:schemeClr val="tx1"/>
+            </a:solidFill>
+          </a:ln>
+        </p:spPr>
+        <p:style>
+          <a:lnRef idx="1">
+            <a:schemeClr val="accent1"/>
+          </a:lnRef>
+          <a:fillRef idx="0">
+            <a:schemeClr val="accent1"/>
+          </a:fillRef>
+          <a:effectRef idx="0">
+            <a:schemeClr val="accent1"/>
+          </a:effectRef>
+          <a:fontRef idx="minor">
+            <a:schemeClr val="tx1"/>
+          </a:fontRef>
+        </p:style>
+      </p:cxnSp>
+      <p:sp>
+        <p:nvSpPr>
+          <p:cNvPr id="27" name="직사각형 26"/>
+          <p:cNvSpPr/>
+          <p:nvPr/>
+        </p:nvSpPr>
+        <p:spPr>
+          <a:xfrm>
+            <a:off x="6162857" y="1062532"/>
+            <a:ext cx="1495727" cy="330358"/>
+          </a:xfrm>
+          <a:prstGeom prst="rect">
+            <a:avLst/>
+          </a:prstGeom>
+          <a:noFill/>
+          <a:ln w="38100">
+            <a:solidFill>
+              <a:schemeClr val="tx1"/>
+            </a:solidFill>
+          </a:ln>
+        </p:spPr>
+        <p:style>
+          <a:lnRef idx="2">
+            <a:schemeClr val="accent1">
+              <a:shade val="50000"/>
+            </a:schemeClr>
+          </a:lnRef>
+          <a:fillRef idx="1">
+            <a:schemeClr val="accent1"/>
+          </a:fillRef>
+          <a:effectRef idx="0">
+            <a:schemeClr val="accent1"/>
+          </a:effectRef>
+          <a:fontRef idx="minor">
+            <a:schemeClr val="lt1"/>
+          </a:fontRef>
+        </p:style>
+        <p:txBody>
+          <a:bodyPr rtlCol="0" anchor="ctr"/>
+          <a:lstStyle/>
+          <a:p>
+            <a:pPr algn="ctr"/>
+            <a:r>
+              <a:rPr lang="en-US" altLang="ko-KR" sz="1200" b="1" dirty="0" err="1" smtClean="0">
+                <a:solidFill>
+                  <a:schemeClr val="tx1"/>
+                </a:solidFill>
+              </a:rPr>
+              <a:t>MessageInfo</a:t>
+            </a:r>
+            <a:r>
+              <a:rPr lang="en-US" altLang="ko-KR" sz="1200" b="1" dirty="0" smtClean="0">
+                <a:solidFill>
+                  <a:schemeClr val="tx1"/>
+                </a:solidFill>
+              </a:rPr>
+              <a:t>(</a:t>
+            </a:r>
+            <a:r>
+              <a:rPr lang="ko-KR" altLang="en-US" sz="1200" b="1" dirty="0" smtClean="0">
+                <a:solidFill>
+                  <a:schemeClr val="tx1"/>
+                </a:solidFill>
+              </a:rPr>
+              <a:t>가칭</a:t>
+            </a:r>
+            <a:r>
+              <a:rPr lang="en-US" altLang="ko-KR" sz="1200" b="1" dirty="0" smtClean="0">
+                <a:solidFill>
+                  <a:schemeClr val="tx1"/>
+                </a:solidFill>
+              </a:rPr>
+              <a:t>)</a:t>
+            </a:r>
+            <a:endParaRPr lang="ko-KR" altLang="en-US" sz="1200" b="1" dirty="0">
+              <a:solidFill>
+                <a:schemeClr val="tx1"/>
+              </a:solidFill>
+            </a:endParaRPr>
+          </a:p>
+        </p:txBody>
+      </p:sp>
+      <p:cxnSp>
+        <p:nvCxnSpPr>
+          <p:cNvPr id="28" name="직선 연결선 27"/>
+          <p:cNvCxnSpPr/>
+          <p:nvPr/>
+        </p:nvCxnSpPr>
+        <p:spPr>
+          <a:xfrm>
+            <a:off x="6910720" y="1392890"/>
+            <a:ext cx="0" cy="5188945"/>
+          </a:xfrm>
+          <a:prstGeom prst="line">
+            <a:avLst/>
+          </a:prstGeom>
+          <a:ln w="38100">
+            <a:solidFill>
+              <a:schemeClr val="tx1"/>
+            </a:solidFill>
+          </a:ln>
+        </p:spPr>
+        <p:style>
+          <a:lnRef idx="1">
+            <a:schemeClr val="accent1"/>
+          </a:lnRef>
+          <a:fillRef idx="0">
+            <a:schemeClr val="accent1"/>
+          </a:fillRef>
+          <a:effectRef idx="0">
+            <a:schemeClr val="accent1"/>
+          </a:effectRef>
+          <a:fontRef idx="minor">
+            <a:schemeClr val="tx1"/>
+          </a:fontRef>
+        </p:style>
+      </p:cxnSp>
+      <p:sp>
+        <p:nvSpPr>
+          <p:cNvPr id="29" name="직사각형 28"/>
+          <p:cNvSpPr/>
+          <p:nvPr/>
+        </p:nvSpPr>
+        <p:spPr>
+          <a:xfrm>
+            <a:off x="7775079" y="1062532"/>
+            <a:ext cx="1195432" cy="330358"/>
+          </a:xfrm>
+          <a:prstGeom prst="rect">
+            <a:avLst/>
+          </a:prstGeom>
+          <a:noFill/>
+          <a:ln w="38100">
+            <a:solidFill>
+              <a:schemeClr val="tx1"/>
+            </a:solidFill>
+          </a:ln>
+        </p:spPr>
+        <p:style>
+          <a:lnRef idx="2">
+            <a:schemeClr val="accent1">
+              <a:shade val="50000"/>
+            </a:schemeClr>
+          </a:lnRef>
+          <a:fillRef idx="1">
+            <a:schemeClr val="accent1"/>
+          </a:fillRef>
+          <a:effectRef idx="0">
+            <a:schemeClr val="accent1"/>
+          </a:effectRef>
+          <a:fontRef idx="minor">
+            <a:schemeClr val="lt1"/>
+          </a:fontRef>
+        </p:style>
+        <p:txBody>
+          <a:bodyPr rtlCol="0" anchor="ctr"/>
+          <a:lstStyle/>
+          <a:p>
+            <a:pPr algn="ctr"/>
+            <a:r>
+              <a:rPr lang="en-US" altLang="ko-KR" sz="1200" b="1" dirty="0" smtClean="0">
+                <a:solidFill>
+                  <a:schemeClr val="tx1"/>
+                </a:solidFill>
+              </a:rPr>
+              <a:t>Service(</a:t>
+            </a:r>
+            <a:r>
+              <a:rPr lang="ko-KR" altLang="en-US" sz="1200" b="1" dirty="0" smtClean="0">
+                <a:solidFill>
+                  <a:schemeClr val="tx1"/>
+                </a:solidFill>
+              </a:rPr>
+              <a:t>가칭</a:t>
+            </a:r>
+            <a:r>
+              <a:rPr lang="en-US" altLang="ko-KR" sz="1200" b="1" dirty="0" smtClean="0">
+                <a:solidFill>
+                  <a:schemeClr val="tx1"/>
+                </a:solidFill>
+              </a:rPr>
+              <a:t>)</a:t>
+            </a:r>
+            <a:endParaRPr lang="ko-KR" altLang="en-US" sz="1200" b="1" dirty="0">
+              <a:solidFill>
+                <a:schemeClr val="tx1"/>
+              </a:solidFill>
+            </a:endParaRPr>
+          </a:p>
+        </p:txBody>
+      </p:sp>
+      <p:cxnSp>
+        <p:nvCxnSpPr>
+          <p:cNvPr id="30" name="직선 연결선 29"/>
+          <p:cNvCxnSpPr/>
+          <p:nvPr/>
+        </p:nvCxnSpPr>
+        <p:spPr>
+          <a:xfrm>
+            <a:off x="8324638" y="1392741"/>
+            <a:ext cx="0" cy="5188945"/>
+          </a:xfrm>
+          <a:prstGeom prst="line">
+            <a:avLst/>
+          </a:prstGeom>
+          <a:ln w="38100">
+            <a:solidFill>
+              <a:schemeClr val="tx1"/>
+            </a:solidFill>
+          </a:ln>
+        </p:spPr>
+        <p:style>
+          <a:lnRef idx="1">
+            <a:schemeClr val="accent1"/>
+          </a:lnRef>
+          <a:fillRef idx="0">
+            <a:schemeClr val="accent1"/>
+          </a:fillRef>
+          <a:effectRef idx="0">
+            <a:schemeClr val="accent1"/>
+          </a:effectRef>
+          <a:fontRef idx="minor">
+            <a:schemeClr val="tx1"/>
+          </a:fontRef>
+        </p:style>
+      </p:cxnSp>
+      <p:grpSp>
+        <p:nvGrpSpPr>
+          <p:cNvPr id="12" name="그룹 11"/>
+          <p:cNvGrpSpPr/>
+          <p:nvPr/>
+        </p:nvGrpSpPr>
+        <p:grpSpPr>
+          <a:xfrm>
+            <a:off x="1120842" y="2010579"/>
+            <a:ext cx="1692522" cy="276999"/>
+            <a:chOff x="1143732" y="1236222"/>
+            <a:chExt cx="1692522" cy="276999"/>
+          </a:xfrm>
+        </p:grpSpPr>
+        <p:cxnSp>
+          <p:nvCxnSpPr>
+            <p:cNvPr id="31" name="직선 화살표 연결선 30"/>
+            <p:cNvCxnSpPr/>
+            <p:nvPr/>
+          </p:nvCxnSpPr>
+          <p:spPr>
+            <a:xfrm>
+              <a:off x="1143732" y="1476112"/>
+              <a:ext cx="1692522" cy="1"/>
+            </a:xfrm>
+            <a:prstGeom prst="straightConnector1">
+              <a:avLst/>
+            </a:prstGeom>
+            <a:ln w="34925">
+              <a:solidFill>
+                <a:schemeClr val="tx1"/>
+              </a:solidFill>
+              <a:headEnd w="lg" len="lg"/>
+              <a:tailEnd type="triangle"/>
+            </a:ln>
+          </p:spPr>
+          <p:style>
+            <a:lnRef idx="1">
+              <a:schemeClr val="accent1"/>
+            </a:lnRef>
+            <a:fillRef idx="0">
+              <a:schemeClr val="accent1"/>
+            </a:fillRef>
+            <a:effectRef idx="0">
+              <a:schemeClr val="accent1"/>
+            </a:effectRef>
+            <a:fontRef idx="minor">
+              <a:schemeClr val="tx1"/>
+            </a:fontRef>
+          </p:style>
+        </p:cxnSp>
+        <p:sp>
+          <p:nvSpPr>
+            <p:cNvPr id="11" name="TextBox 10"/>
+            <p:cNvSpPr txBox="1"/>
+            <p:nvPr/>
+          </p:nvSpPr>
+          <p:spPr>
+            <a:xfrm>
+              <a:off x="1221456" y="1236222"/>
+              <a:ext cx="1398084" cy="276999"/>
+            </a:xfrm>
+            <a:prstGeom prst="rect">
+              <a:avLst/>
+            </a:prstGeom>
+            <a:noFill/>
+          </p:spPr>
+          <p:txBody>
+            <a:bodyPr wrap="square" rtlCol="0">
+              <a:spAutoFit/>
+            </a:bodyPr>
+            <a:lstStyle/>
+            <a:p>
+              <a:r>
+                <a:rPr lang="en-US" altLang="ko-KR" sz="1200" b="1" dirty="0" err="1" smtClean="0"/>
+                <a:t>startAll</a:t>
+              </a:r>
+              <a:endParaRPr lang="ko-KR" altLang="en-US" sz="1200" b="1" dirty="0"/>
+            </a:p>
+          </p:txBody>
+        </p:sp>
+      </p:grpSp>
+      <p:grpSp>
+        <p:nvGrpSpPr>
+          <p:cNvPr id="46" name="그룹 45"/>
+          <p:cNvGrpSpPr/>
+          <p:nvPr/>
+        </p:nvGrpSpPr>
+        <p:grpSpPr>
+          <a:xfrm>
+            <a:off x="1145490" y="1465716"/>
+            <a:ext cx="1228120" cy="472037"/>
+            <a:chOff x="1145490" y="1465716"/>
+            <a:chExt cx="2800806" cy="472037"/>
+          </a:xfrm>
+        </p:grpSpPr>
+        <p:cxnSp>
+          <p:nvCxnSpPr>
+            <p:cNvPr id="18" name="꺾인 연결선 17"/>
+            <p:cNvCxnSpPr/>
+            <p:nvPr/>
+          </p:nvCxnSpPr>
+          <p:spPr>
+            <a:xfrm>
+              <a:off x="1145490" y="1705605"/>
+              <a:ext cx="460722" cy="232148"/>
+            </a:xfrm>
+            <a:prstGeom prst="bentConnector3">
+              <a:avLst>
+                <a:gd name="adj1" fmla="val 191254"/>
+              </a:avLst>
+            </a:prstGeom>
+            <a:ln w="25400">
+              <a:solidFill>
+                <a:schemeClr val="tx1"/>
+              </a:solidFill>
+              <a:tailEnd type="triangle"/>
+            </a:ln>
+          </p:spPr>
+          <p:style>
+            <a:lnRef idx="1">
+              <a:schemeClr val="accent1"/>
+            </a:lnRef>
+            <a:fillRef idx="0">
+              <a:schemeClr val="accent1"/>
+            </a:fillRef>
+            <a:effectRef idx="0">
+              <a:schemeClr val="accent1"/>
+            </a:effectRef>
+            <a:fontRef idx="minor">
+              <a:schemeClr val="tx1"/>
+            </a:fontRef>
+          </p:style>
+        </p:cxnSp>
+        <p:sp>
+          <p:nvSpPr>
+            <p:cNvPr id="44" name="TextBox 43"/>
+            <p:cNvSpPr txBox="1"/>
+            <p:nvPr/>
+          </p:nvSpPr>
+          <p:spPr>
+            <a:xfrm>
+              <a:off x="1158599" y="1465716"/>
+              <a:ext cx="2787697" cy="261610"/>
+            </a:xfrm>
+            <a:prstGeom prst="rect">
+              <a:avLst/>
+            </a:prstGeom>
+            <a:noFill/>
+          </p:spPr>
+          <p:txBody>
+            <a:bodyPr wrap="square" rtlCol="0">
+              <a:spAutoFit/>
+            </a:bodyPr>
+            <a:lstStyle/>
+            <a:p>
+              <a:r>
+                <a:rPr lang="en-US" altLang="ko-KR" sz="1100" b="1" dirty="0" err="1" smtClean="0"/>
+                <a:t>init</a:t>
+              </a:r>
+              <a:endParaRPr lang="ko-KR" altLang="en-US" sz="1100" b="1" dirty="0"/>
+            </a:p>
+          </p:txBody>
+        </p:sp>
+      </p:grpSp>
+      <p:grpSp>
+        <p:nvGrpSpPr>
+          <p:cNvPr id="47" name="그룹 46"/>
+          <p:cNvGrpSpPr/>
+          <p:nvPr/>
+        </p:nvGrpSpPr>
+        <p:grpSpPr>
+          <a:xfrm>
+            <a:off x="2770191" y="2351860"/>
+            <a:ext cx="8245905" cy="276999"/>
+            <a:chOff x="1143732" y="1236222"/>
+            <a:chExt cx="1692522" cy="276999"/>
+          </a:xfrm>
+        </p:grpSpPr>
+        <p:cxnSp>
+          <p:nvCxnSpPr>
+            <p:cNvPr id="48" name="직선 화살표 연결선 47"/>
+            <p:cNvCxnSpPr/>
+            <p:nvPr/>
+          </p:nvCxnSpPr>
+          <p:spPr>
+            <a:xfrm>
+              <a:off x="1143732" y="1476112"/>
+              <a:ext cx="1692522" cy="1"/>
+            </a:xfrm>
+            <a:prstGeom prst="straightConnector1">
+              <a:avLst/>
+            </a:prstGeom>
+            <a:ln w="34925">
+              <a:solidFill>
+                <a:schemeClr val="tx1"/>
+              </a:solidFill>
+              <a:headEnd w="lg" len="lg"/>
+              <a:tailEnd type="triangle"/>
+            </a:ln>
+          </p:spPr>
+          <p:style>
+            <a:lnRef idx="1">
+              <a:schemeClr val="accent1"/>
+            </a:lnRef>
+            <a:fillRef idx="0">
+              <a:schemeClr val="accent1"/>
+            </a:fillRef>
+            <a:effectRef idx="0">
+              <a:schemeClr val="accent1"/>
+            </a:effectRef>
+            <a:fontRef idx="minor">
+              <a:schemeClr val="tx1"/>
+            </a:fontRef>
+          </p:style>
+        </p:cxnSp>
+        <p:sp>
+          <p:nvSpPr>
+            <p:cNvPr id="49" name="TextBox 48"/>
+            <p:cNvSpPr txBox="1"/>
+            <p:nvPr/>
+          </p:nvSpPr>
+          <p:spPr>
+            <a:xfrm>
+              <a:off x="1221456" y="1236222"/>
+              <a:ext cx="1398084" cy="276999"/>
+            </a:xfrm>
+            <a:prstGeom prst="rect">
+              <a:avLst/>
+            </a:prstGeom>
+            <a:noFill/>
+          </p:spPr>
+          <p:txBody>
+            <a:bodyPr wrap="square" rtlCol="0">
+              <a:spAutoFit/>
+            </a:bodyPr>
+            <a:lstStyle/>
+            <a:p>
+              <a:r>
+                <a:rPr lang="en-US" altLang="ko-KR" sz="1200" b="1" dirty="0" err="1" smtClean="0"/>
+                <a:t>getServerInfo</a:t>
+              </a:r>
+              <a:r>
+                <a:rPr lang="en-US" altLang="ko-KR" sz="1200" b="1" dirty="0" smtClean="0"/>
+                <a:t> and Load </a:t>
+              </a:r>
+              <a:endParaRPr lang="ko-KR" altLang="en-US" sz="1200" b="1" dirty="0"/>
+            </a:p>
+          </p:txBody>
+        </p:sp>
+      </p:grpSp>
+      <p:grpSp>
+        <p:nvGrpSpPr>
+          <p:cNvPr id="50" name="그룹 49"/>
+          <p:cNvGrpSpPr/>
+          <p:nvPr/>
+        </p:nvGrpSpPr>
+        <p:grpSpPr>
+          <a:xfrm>
+            <a:off x="2812468" y="2693141"/>
+            <a:ext cx="8245905" cy="276999"/>
+            <a:chOff x="1143732" y="1236222"/>
+            <a:chExt cx="1692522" cy="276999"/>
+          </a:xfrm>
+        </p:grpSpPr>
+        <p:cxnSp>
+          <p:nvCxnSpPr>
+            <p:cNvPr id="51" name="직선 화살표 연결선 50"/>
+            <p:cNvCxnSpPr/>
+            <p:nvPr/>
+          </p:nvCxnSpPr>
+          <p:spPr>
+            <a:xfrm>
+              <a:off x="1143732" y="1476112"/>
+              <a:ext cx="1692522" cy="1"/>
+            </a:xfrm>
+            <a:prstGeom prst="straightConnector1">
+              <a:avLst/>
+            </a:prstGeom>
+            <a:ln w="34925">
+              <a:solidFill>
+                <a:schemeClr val="tx1"/>
+              </a:solidFill>
+              <a:headEnd w="lg" len="lg"/>
+              <a:tailEnd type="triangle"/>
+            </a:ln>
+          </p:spPr>
+          <p:style>
+            <a:lnRef idx="1">
+              <a:schemeClr val="accent1"/>
+            </a:lnRef>
+            <a:fillRef idx="0">
+              <a:schemeClr val="accent1"/>
+            </a:fillRef>
+            <a:effectRef idx="0">
+              <a:schemeClr val="accent1"/>
+            </a:effectRef>
+            <a:fontRef idx="minor">
+              <a:schemeClr val="tx1"/>
+            </a:fontRef>
+          </p:style>
+        </p:cxnSp>
+        <p:sp>
+          <p:nvSpPr>
+            <p:cNvPr id="52" name="TextBox 51"/>
+            <p:cNvSpPr txBox="1"/>
+            <p:nvPr/>
+          </p:nvSpPr>
+          <p:spPr>
+            <a:xfrm>
+              <a:off x="1221456" y="1236222"/>
+              <a:ext cx="1398084" cy="276999"/>
+            </a:xfrm>
+            <a:prstGeom prst="rect">
+              <a:avLst/>
+            </a:prstGeom>
+            <a:noFill/>
+          </p:spPr>
+          <p:txBody>
+            <a:bodyPr wrap="square" rtlCol="0">
+              <a:spAutoFit/>
+            </a:bodyPr>
+            <a:lstStyle/>
+            <a:p>
+              <a:r>
+                <a:rPr lang="en-US" altLang="ko-KR" sz="1200" b="1" dirty="0" err="1" smtClean="0"/>
+                <a:t>getMessageInfo</a:t>
+              </a:r>
+              <a:r>
+                <a:rPr lang="en-US" altLang="ko-KR" sz="1200" b="1" dirty="0" smtClean="0"/>
+                <a:t> and Load </a:t>
+              </a:r>
+              <a:endParaRPr lang="ko-KR" altLang="en-US" sz="1200" b="1" dirty="0"/>
+            </a:p>
+          </p:txBody>
+        </p:sp>
+      </p:grpSp>
+      <p:grpSp>
+        <p:nvGrpSpPr>
+          <p:cNvPr id="55" name="그룹 54"/>
+          <p:cNvGrpSpPr/>
+          <p:nvPr/>
+        </p:nvGrpSpPr>
+        <p:grpSpPr>
+          <a:xfrm>
+            <a:off x="2812467" y="3033935"/>
+            <a:ext cx="8245905" cy="276999"/>
+            <a:chOff x="1143732" y="1236222"/>
+            <a:chExt cx="1692522" cy="276999"/>
+          </a:xfrm>
+        </p:grpSpPr>
+        <p:cxnSp>
+          <p:nvCxnSpPr>
+            <p:cNvPr id="56" name="직선 화살표 연결선 55"/>
+            <p:cNvCxnSpPr/>
+            <p:nvPr/>
+          </p:nvCxnSpPr>
+          <p:spPr>
+            <a:xfrm>
+              <a:off x="1143732" y="1476112"/>
+              <a:ext cx="1692522" cy="1"/>
+            </a:xfrm>
+            <a:prstGeom prst="straightConnector1">
+              <a:avLst/>
+            </a:prstGeom>
+            <a:ln w="34925">
+              <a:solidFill>
+                <a:schemeClr val="tx1"/>
+              </a:solidFill>
+              <a:headEnd w="lg" len="lg"/>
+              <a:tailEnd type="triangle"/>
+            </a:ln>
+          </p:spPr>
+          <p:style>
+            <a:lnRef idx="1">
+              <a:schemeClr val="accent1"/>
+            </a:lnRef>
+            <a:fillRef idx="0">
+              <a:schemeClr val="accent1"/>
+            </a:fillRef>
+            <a:effectRef idx="0">
+              <a:schemeClr val="accent1"/>
+            </a:effectRef>
+            <a:fontRef idx="minor">
+              <a:schemeClr val="tx1"/>
+            </a:fontRef>
+          </p:style>
+        </p:cxnSp>
+        <p:sp>
+          <p:nvSpPr>
+            <p:cNvPr id="57" name="TextBox 56"/>
+            <p:cNvSpPr txBox="1"/>
+            <p:nvPr/>
+          </p:nvSpPr>
+          <p:spPr>
+            <a:xfrm>
+              <a:off x="1221456" y="1236222"/>
+              <a:ext cx="1398084" cy="276999"/>
+            </a:xfrm>
+            <a:prstGeom prst="rect">
+              <a:avLst/>
+            </a:prstGeom>
+            <a:noFill/>
+          </p:spPr>
+          <p:txBody>
+            <a:bodyPr wrap="square" rtlCol="0">
+              <a:spAutoFit/>
+            </a:bodyPr>
+            <a:lstStyle/>
+            <a:p>
+              <a:r>
+                <a:rPr lang="en-US" altLang="ko-KR" sz="1200" b="1" dirty="0" err="1" smtClean="0"/>
+                <a:t>getHandlerInfo</a:t>
+              </a:r>
+              <a:r>
+                <a:rPr lang="en-US" altLang="ko-KR" sz="1200" b="1" dirty="0" smtClean="0"/>
+                <a:t> and Load </a:t>
+              </a:r>
+              <a:endParaRPr lang="ko-KR" altLang="en-US" sz="1200" b="1" dirty="0"/>
+            </a:p>
+          </p:txBody>
+        </p:sp>
+      </p:grpSp>
+      <p:grpSp>
+        <p:nvGrpSpPr>
+          <p:cNvPr id="61" name="그룹 60"/>
+          <p:cNvGrpSpPr/>
+          <p:nvPr/>
+        </p:nvGrpSpPr>
+        <p:grpSpPr>
+          <a:xfrm>
+            <a:off x="2772827" y="3411837"/>
+            <a:ext cx="1446435" cy="769441"/>
+            <a:chOff x="1145490" y="1465716"/>
+            <a:chExt cx="2800806" cy="769441"/>
+          </a:xfrm>
+        </p:grpSpPr>
+        <p:cxnSp>
+          <p:nvCxnSpPr>
+            <p:cNvPr id="62" name="꺾인 연결선 61"/>
+            <p:cNvCxnSpPr/>
+            <p:nvPr/>
+          </p:nvCxnSpPr>
+          <p:spPr>
+            <a:xfrm>
+              <a:off x="1145490" y="1705605"/>
+              <a:ext cx="460722" cy="232148"/>
+            </a:xfrm>
+            <a:prstGeom prst="bentConnector3">
+              <a:avLst>
+                <a:gd name="adj1" fmla="val 191254"/>
+              </a:avLst>
+            </a:prstGeom>
+            <a:ln w="25400">
+              <a:solidFill>
+                <a:schemeClr val="tx1"/>
+              </a:solidFill>
+              <a:tailEnd type="triangle"/>
+            </a:ln>
+          </p:spPr>
+          <p:style>
+            <a:lnRef idx="1">
+              <a:schemeClr val="accent1"/>
+            </a:lnRef>
+            <a:fillRef idx="0">
+              <a:schemeClr val="accent1"/>
+            </a:fillRef>
+            <a:effectRef idx="0">
+              <a:schemeClr val="accent1"/>
+            </a:effectRef>
+            <a:fontRef idx="minor">
+              <a:schemeClr val="tx1"/>
+            </a:fontRef>
+          </p:style>
+        </p:cxnSp>
+        <p:sp>
+          <p:nvSpPr>
+            <p:cNvPr id="63" name="TextBox 62"/>
+            <p:cNvSpPr txBox="1"/>
+            <p:nvPr/>
+          </p:nvSpPr>
+          <p:spPr>
+            <a:xfrm>
+              <a:off x="1158599" y="1465716"/>
+              <a:ext cx="2787697" cy="769441"/>
+            </a:xfrm>
+            <a:prstGeom prst="rect">
+              <a:avLst/>
+            </a:prstGeom>
+            <a:noFill/>
+          </p:spPr>
+          <p:txBody>
+            <a:bodyPr wrap="square" rtlCol="0">
+              <a:spAutoFit/>
+            </a:bodyPr>
+            <a:lstStyle/>
+            <a:p>
+              <a:r>
+                <a:rPr lang="en-US" altLang="ko-KR" sz="1100" b="1" dirty="0" smtClean="0"/>
+                <a:t>For each ()-&gt;{</a:t>
+              </a:r>
+            </a:p>
+            <a:p>
+              <a:r>
+                <a:rPr lang="en-US" altLang="ko-KR" sz="1100" b="1" dirty="0"/>
+                <a:t> </a:t>
+              </a:r>
+              <a:r>
+                <a:rPr lang="en-US" altLang="ko-KR" sz="1100" b="1" dirty="0" smtClean="0"/>
+                <a:t>       start(server)</a:t>
+              </a:r>
+            </a:p>
+            <a:p>
+              <a:r>
+                <a:rPr lang="en-US" altLang="ko-KR" sz="1100" b="1" dirty="0"/>
+                <a:t> </a:t>
+              </a:r>
+              <a:r>
+                <a:rPr lang="en-US" altLang="ko-KR" sz="1100" b="1" dirty="0" smtClean="0"/>
+                <a:t>       }</a:t>
+              </a:r>
+              <a:endParaRPr lang="ko-KR" altLang="en-US" sz="1100" b="1" dirty="0"/>
+            </a:p>
+          </p:txBody>
+        </p:sp>
+      </p:grpSp>
+      <p:grpSp>
+        <p:nvGrpSpPr>
+          <p:cNvPr id="64" name="그룹 63"/>
+          <p:cNvGrpSpPr/>
+          <p:nvPr/>
+        </p:nvGrpSpPr>
+        <p:grpSpPr>
+          <a:xfrm>
+            <a:off x="2772390" y="5546303"/>
+            <a:ext cx="1228120" cy="472037"/>
+            <a:chOff x="1145490" y="1465716"/>
+            <a:chExt cx="2800806" cy="472037"/>
+          </a:xfrm>
+        </p:grpSpPr>
+        <p:cxnSp>
+          <p:nvCxnSpPr>
+            <p:cNvPr id="65" name="꺾인 연결선 64"/>
+            <p:cNvCxnSpPr/>
+            <p:nvPr/>
+          </p:nvCxnSpPr>
+          <p:spPr>
+            <a:xfrm>
+              <a:off x="1145490" y="1705605"/>
+              <a:ext cx="460722" cy="232148"/>
+            </a:xfrm>
+            <a:prstGeom prst="bentConnector3">
+              <a:avLst>
+                <a:gd name="adj1" fmla="val 191254"/>
+              </a:avLst>
+            </a:prstGeom>
+            <a:ln w="25400">
+              <a:solidFill>
+                <a:schemeClr val="tx1"/>
+              </a:solidFill>
+              <a:tailEnd type="triangle"/>
+            </a:ln>
+          </p:spPr>
+          <p:style>
+            <a:lnRef idx="1">
+              <a:schemeClr val="accent1"/>
+            </a:lnRef>
+            <a:fillRef idx="0">
+              <a:schemeClr val="accent1"/>
+            </a:fillRef>
+            <a:effectRef idx="0">
+              <a:schemeClr val="accent1"/>
+            </a:effectRef>
+            <a:fontRef idx="minor">
+              <a:schemeClr val="tx1"/>
+            </a:fontRef>
+          </p:style>
+        </p:cxnSp>
+        <p:sp>
+          <p:nvSpPr>
+            <p:cNvPr id="66" name="TextBox 65"/>
+            <p:cNvSpPr txBox="1"/>
+            <p:nvPr/>
+          </p:nvSpPr>
+          <p:spPr>
+            <a:xfrm>
+              <a:off x="1158599" y="1465716"/>
+              <a:ext cx="2787697" cy="430887"/>
+            </a:xfrm>
+            <a:prstGeom prst="rect">
+              <a:avLst/>
+            </a:prstGeom>
+            <a:noFill/>
+          </p:spPr>
+          <p:txBody>
+            <a:bodyPr wrap="square" rtlCol="0">
+              <a:spAutoFit/>
+            </a:bodyPr>
+            <a:lstStyle/>
+            <a:p>
+              <a:r>
+                <a:rPr lang="en-US" altLang="ko-KR" sz="1100" b="1" dirty="0" smtClean="0"/>
+                <a:t>while(true) monitoring</a:t>
+              </a:r>
+              <a:endParaRPr lang="ko-KR" altLang="en-US" sz="1100" b="1" dirty="0"/>
+            </a:p>
+          </p:txBody>
+        </p:sp>
+      </p:grpSp>
+      <p:grpSp>
+        <p:nvGrpSpPr>
+          <p:cNvPr id="67" name="그룹 66"/>
+          <p:cNvGrpSpPr/>
+          <p:nvPr/>
+        </p:nvGrpSpPr>
+        <p:grpSpPr>
+          <a:xfrm>
+            <a:off x="269918" y="3973911"/>
+            <a:ext cx="2487646" cy="461665"/>
+            <a:chOff x="1143732" y="1236222"/>
+            <a:chExt cx="1692522" cy="461665"/>
+          </a:xfrm>
+        </p:grpSpPr>
+        <p:cxnSp>
+          <p:nvCxnSpPr>
+            <p:cNvPr id="68" name="직선 화살표 연결선 67"/>
+            <p:cNvCxnSpPr/>
+            <p:nvPr/>
+          </p:nvCxnSpPr>
+          <p:spPr>
+            <a:xfrm>
+              <a:off x="1143732" y="1476112"/>
+              <a:ext cx="1692522" cy="1"/>
+            </a:xfrm>
+            <a:prstGeom prst="straightConnector1">
+              <a:avLst/>
+            </a:prstGeom>
+            <a:ln w="34925">
+              <a:solidFill>
+                <a:schemeClr val="tx1"/>
+              </a:solidFill>
+              <a:prstDash val="sysDash"/>
+              <a:headEnd w="lg" len="lg"/>
+              <a:tailEnd type="triangle"/>
+            </a:ln>
+          </p:spPr>
+          <p:style>
+            <a:lnRef idx="1">
+              <a:schemeClr val="accent1"/>
+            </a:lnRef>
+            <a:fillRef idx="0">
+              <a:schemeClr val="accent1"/>
+            </a:fillRef>
+            <a:effectRef idx="0">
+              <a:schemeClr val="accent1"/>
+            </a:effectRef>
+            <a:fontRef idx="minor">
+              <a:schemeClr val="tx1"/>
+            </a:fontRef>
+          </p:style>
+        </p:cxnSp>
+        <p:sp>
+          <p:nvSpPr>
+            <p:cNvPr id="69" name="TextBox 68"/>
+            <p:cNvSpPr txBox="1"/>
+            <p:nvPr/>
+          </p:nvSpPr>
+          <p:spPr>
+            <a:xfrm>
+              <a:off x="1221456" y="1236222"/>
+              <a:ext cx="1398084" cy="461665"/>
+            </a:xfrm>
+            <a:prstGeom prst="rect">
+              <a:avLst/>
+            </a:prstGeom>
+            <a:noFill/>
+          </p:spPr>
+          <p:txBody>
+            <a:bodyPr wrap="square" rtlCol="0">
+              <a:spAutoFit/>
+            </a:bodyPr>
+            <a:lstStyle/>
+            <a:p>
+              <a:r>
+                <a:rPr lang="en-US" altLang="ko-KR" sz="1200" b="1" dirty="0" smtClean="0"/>
+                <a:t>If send </a:t>
+              </a:r>
+              <a:r>
+                <a:rPr lang="en-US" altLang="ko-KR" sz="1200" b="1" dirty="0" err="1" smtClean="0"/>
+                <a:t>messag</a:t>
+              </a:r>
+              <a:r>
+                <a:rPr lang="en-US" altLang="ko-KR" sz="1200" b="1" dirty="0" smtClean="0"/>
+                <a:t> form external server</a:t>
+              </a:r>
+              <a:endParaRPr lang="ko-KR" altLang="en-US" sz="1200" b="1" dirty="0"/>
+            </a:p>
+          </p:txBody>
+        </p:sp>
+      </p:grpSp>
+      <p:grpSp>
+        <p:nvGrpSpPr>
+          <p:cNvPr id="70" name="그룹 69"/>
+          <p:cNvGrpSpPr/>
+          <p:nvPr/>
+        </p:nvGrpSpPr>
+        <p:grpSpPr>
+          <a:xfrm>
+            <a:off x="2803062" y="4243346"/>
+            <a:ext cx="2487646" cy="461665"/>
+            <a:chOff x="1143732" y="1236222"/>
+            <a:chExt cx="1692522" cy="461665"/>
+          </a:xfrm>
+        </p:grpSpPr>
+        <p:cxnSp>
+          <p:nvCxnSpPr>
+            <p:cNvPr id="71" name="직선 화살표 연결선 70"/>
+            <p:cNvCxnSpPr/>
+            <p:nvPr/>
+          </p:nvCxnSpPr>
+          <p:spPr>
+            <a:xfrm>
+              <a:off x="1143732" y="1476112"/>
+              <a:ext cx="1692522" cy="1"/>
+            </a:xfrm>
+            <a:prstGeom prst="straightConnector1">
+              <a:avLst/>
+            </a:prstGeom>
+            <a:ln w="34925">
+              <a:solidFill>
+                <a:schemeClr val="tx1"/>
+              </a:solidFill>
+              <a:prstDash val="sysDash"/>
+              <a:headEnd w="lg" len="lg"/>
+              <a:tailEnd type="triangle"/>
+            </a:ln>
+          </p:spPr>
+          <p:style>
+            <a:lnRef idx="1">
+              <a:schemeClr val="accent1"/>
+            </a:lnRef>
+            <a:fillRef idx="0">
+              <a:schemeClr val="accent1"/>
+            </a:fillRef>
+            <a:effectRef idx="0">
+              <a:schemeClr val="accent1"/>
+            </a:effectRef>
+            <a:fontRef idx="minor">
+              <a:schemeClr val="tx1"/>
+            </a:fontRef>
+          </p:style>
+        </p:cxnSp>
+        <p:sp>
+          <p:nvSpPr>
+            <p:cNvPr id="72" name="TextBox 71"/>
+            <p:cNvSpPr txBox="1"/>
+            <p:nvPr/>
+          </p:nvSpPr>
+          <p:spPr>
+            <a:xfrm>
+              <a:off x="1221456" y="1236222"/>
+              <a:ext cx="1398084" cy="461665"/>
+            </a:xfrm>
+            <a:prstGeom prst="rect">
+              <a:avLst/>
+            </a:prstGeom>
+            <a:noFill/>
+          </p:spPr>
+          <p:txBody>
+            <a:bodyPr wrap="square" rtlCol="0">
+              <a:spAutoFit/>
+            </a:bodyPr>
+            <a:lstStyle/>
+            <a:p>
+              <a:r>
+                <a:rPr lang="en-US" altLang="ko-KR" sz="1200" b="1" dirty="0" smtClean="0"/>
+                <a:t>Find handler and execute handler</a:t>
+              </a:r>
+              <a:endParaRPr lang="ko-KR" altLang="en-US" sz="1200" b="1" dirty="0"/>
+            </a:p>
+          </p:txBody>
+        </p:sp>
+      </p:grpSp>
+      <p:grpSp>
+        <p:nvGrpSpPr>
+          <p:cNvPr id="73" name="그룹 72"/>
+          <p:cNvGrpSpPr/>
+          <p:nvPr/>
+        </p:nvGrpSpPr>
+        <p:grpSpPr>
+          <a:xfrm>
+            <a:off x="5318595" y="4490934"/>
+            <a:ext cx="1578111" cy="646331"/>
+            <a:chOff x="1143732" y="1236222"/>
+            <a:chExt cx="1692522" cy="646331"/>
+          </a:xfrm>
+        </p:grpSpPr>
+        <p:cxnSp>
+          <p:nvCxnSpPr>
+            <p:cNvPr id="74" name="직선 화살표 연결선 73"/>
+            <p:cNvCxnSpPr/>
+            <p:nvPr/>
+          </p:nvCxnSpPr>
+          <p:spPr>
+            <a:xfrm>
+              <a:off x="1143732" y="1476112"/>
+              <a:ext cx="1692522" cy="1"/>
+            </a:xfrm>
+            <a:prstGeom prst="straightConnector1">
+              <a:avLst/>
+            </a:prstGeom>
+            <a:ln w="34925">
+              <a:solidFill>
+                <a:schemeClr val="tx1"/>
+              </a:solidFill>
+              <a:prstDash val="sysDash"/>
+              <a:headEnd w="lg" len="lg"/>
+              <a:tailEnd type="triangle"/>
+            </a:ln>
+          </p:spPr>
+          <p:style>
+            <a:lnRef idx="1">
+              <a:schemeClr val="accent1"/>
+            </a:lnRef>
+            <a:fillRef idx="0">
+              <a:schemeClr val="accent1"/>
+            </a:fillRef>
+            <a:effectRef idx="0">
+              <a:schemeClr val="accent1"/>
+            </a:effectRef>
+            <a:fontRef idx="minor">
+              <a:schemeClr val="tx1"/>
+            </a:fontRef>
+          </p:style>
+        </p:cxnSp>
+        <p:sp>
+          <p:nvSpPr>
+            <p:cNvPr id="75" name="TextBox 74"/>
+            <p:cNvSpPr txBox="1"/>
+            <p:nvPr/>
+          </p:nvSpPr>
+          <p:spPr>
+            <a:xfrm>
+              <a:off x="1221456" y="1236222"/>
+              <a:ext cx="1398084" cy="646331"/>
+            </a:xfrm>
+            <a:prstGeom prst="rect">
+              <a:avLst/>
+            </a:prstGeom>
+            <a:noFill/>
+          </p:spPr>
+          <p:txBody>
+            <a:bodyPr wrap="square" rtlCol="0">
+              <a:spAutoFit/>
+            </a:bodyPr>
+            <a:lstStyle/>
+            <a:p>
+              <a:r>
+                <a:rPr lang="en-US" altLang="ko-KR" sz="1200" b="1" dirty="0" smtClean="0"/>
+                <a:t>Parse and create message info</a:t>
+              </a:r>
+              <a:endParaRPr lang="ko-KR" altLang="en-US" sz="1200" b="1" dirty="0"/>
+            </a:p>
+          </p:txBody>
+        </p:sp>
+      </p:grpSp>
+      <p:grpSp>
+        <p:nvGrpSpPr>
+          <p:cNvPr id="76" name="그룹 75"/>
+          <p:cNvGrpSpPr/>
+          <p:nvPr/>
+        </p:nvGrpSpPr>
+        <p:grpSpPr>
+          <a:xfrm>
+            <a:off x="5332609" y="5144457"/>
+            <a:ext cx="2992029" cy="276999"/>
+            <a:chOff x="1143732" y="1236222"/>
+            <a:chExt cx="1692522" cy="276999"/>
+          </a:xfrm>
+        </p:grpSpPr>
+        <p:cxnSp>
+          <p:nvCxnSpPr>
+            <p:cNvPr id="77" name="직선 화살표 연결선 76"/>
+            <p:cNvCxnSpPr/>
+            <p:nvPr/>
+          </p:nvCxnSpPr>
+          <p:spPr>
+            <a:xfrm>
+              <a:off x="1143732" y="1476112"/>
+              <a:ext cx="1692522" cy="1"/>
+            </a:xfrm>
+            <a:prstGeom prst="straightConnector1">
+              <a:avLst/>
+            </a:prstGeom>
+            <a:ln w="34925">
+              <a:solidFill>
+                <a:schemeClr val="tx1"/>
+              </a:solidFill>
+              <a:prstDash val="sysDash"/>
+              <a:headEnd w="lg" len="lg"/>
+              <a:tailEnd type="triangle"/>
+            </a:ln>
+          </p:spPr>
+          <p:style>
+            <a:lnRef idx="1">
+              <a:schemeClr val="accent1"/>
+            </a:lnRef>
+            <a:fillRef idx="0">
+              <a:schemeClr val="accent1"/>
+            </a:fillRef>
+            <a:effectRef idx="0">
+              <a:schemeClr val="accent1"/>
+            </a:effectRef>
+            <a:fontRef idx="minor">
+              <a:schemeClr val="tx1"/>
+            </a:fontRef>
+          </p:style>
+        </p:cxnSp>
+        <p:sp>
+          <p:nvSpPr>
+            <p:cNvPr id="78" name="TextBox 77"/>
+            <p:cNvSpPr txBox="1"/>
+            <p:nvPr/>
+          </p:nvSpPr>
+          <p:spPr>
+            <a:xfrm>
+              <a:off x="1221456" y="1236222"/>
+              <a:ext cx="1398084" cy="276999"/>
+            </a:xfrm>
+            <a:prstGeom prst="rect">
+              <a:avLst/>
+            </a:prstGeom>
+            <a:noFill/>
+          </p:spPr>
+          <p:txBody>
+            <a:bodyPr wrap="square" rtlCol="0">
+              <a:spAutoFit/>
+            </a:bodyPr>
+            <a:lstStyle/>
+            <a:p>
+              <a:r>
+                <a:rPr lang="en-US" altLang="ko-KR" sz="1200" b="1" dirty="0" smtClean="0"/>
+                <a:t>Find service and call service</a:t>
+              </a:r>
+              <a:endParaRPr lang="ko-KR" altLang="en-US" sz="1200" b="1" dirty="0"/>
+            </a:p>
+          </p:txBody>
+        </p:sp>
+      </p:grpSp>
+    </p:spTree>
+    <p:extLst>
+      <p:ext uri="{BB962C8B-B14F-4D97-AF65-F5344CB8AC3E}">
+        <p14:creationId xmlns:p14="http://schemas.microsoft.com/office/powerpoint/2010/main" val="3476305248"/>
+      </p:ext>
+    </p:extLst>
+  </p:cSld>
+  <p:clrMapOvr>
+    <a:masterClrMapping/>
+  </p:clrMapOvr>
+  <p:timing>
+    <p:tnLst>
+      <p:par>
+        <p:cTn id="1" dur="indefinite" restart="never" nodeType="tmRoot"/>
+      </p:par>
+    </p:tnLst>
+  </p:timing>
+</p:sld>
+</file>
+
+<file path=ppt/slides/slide11.xml><?xml version="1.0" encoding="utf-8"?>
+<p:sld xmlns:a="http://schemas.openxmlformats.org/drawingml/2006/main" xmlns:r="http://schemas.openxmlformats.org/officeDocument/2006/relationships" xmlns:p="http://schemas.openxmlformats.org/presentationml/2006/main">
+  <p:cSld>
+    <p:spTree>
+      <p:nvGrpSpPr>
+        <p:cNvPr id="1" name=""/>
+        <p:cNvGrpSpPr/>
+        <p:nvPr/>
+      </p:nvGrpSpPr>
+      <p:grpSpPr>
+        <a:xfrm>
+          <a:off x="0" y="0"/>
+          <a:ext cx="0" cy="0"/>
+          <a:chOff x="0" y="0"/>
+          <a:chExt cx="0" cy="0"/>
+        </a:xfrm>
+      </p:grpSpPr>
+      <p:sp>
+        <p:nvSpPr>
+          <p:cNvPr id="2" name="제목 1"/>
+          <p:cNvSpPr>
+            <a:spLocks noGrp="1"/>
+          </p:cNvSpPr>
+          <p:nvPr>
+            <p:ph type="title"/>
+          </p:nvPr>
+        </p:nvSpPr>
+        <p:spPr>
+          <a:xfrm>
+            <a:off x="838200" y="365125"/>
+            <a:ext cx="10398211" cy="359805"/>
+          </a:xfrm>
+        </p:spPr>
+        <p:txBody>
+          <a:bodyPr>
+            <a:noAutofit/>
+          </a:bodyPr>
+          <a:lstStyle/>
+          <a:p>
+            <a:r>
+              <a:rPr lang="en-US" altLang="ko-KR" sz="2800" b="1" dirty="0" smtClean="0"/>
+              <a:t>5. </a:t>
+            </a:r>
+            <a:r>
+              <a:rPr lang="ko-KR" altLang="en-US" sz="2800" b="1" dirty="0" smtClean="0"/>
+              <a:t>환경</a:t>
+            </a:r>
+            <a:endParaRPr lang="ko-KR" altLang="en-US" sz="2800" b="1" dirty="0"/>
+          </a:p>
+        </p:txBody>
+      </p:sp>
+      <p:sp>
+        <p:nvSpPr>
+          <p:cNvPr id="3" name="TextBox 2"/>
+          <p:cNvSpPr txBox="1"/>
+          <p:nvPr/>
+        </p:nvSpPr>
+        <p:spPr>
+          <a:xfrm>
+            <a:off x="662473" y="989045"/>
+            <a:ext cx="10573938" cy="1015663"/>
+          </a:xfrm>
+          <a:prstGeom prst="rect">
+            <a:avLst/>
+          </a:prstGeom>
+          <a:noFill/>
+        </p:spPr>
+        <p:txBody>
+          <a:bodyPr wrap="square" rtlCol="0">
+            <a:spAutoFit/>
+          </a:bodyPr>
+          <a:lstStyle/>
+          <a:p>
+            <a:pPr marL="285750" indent="-285750">
+              <a:buFont typeface="Arial" panose="020B0604020202020204" pitchFamily="34" charset="0"/>
+              <a:buChar char="•"/>
+            </a:pPr>
+            <a:r>
+              <a:rPr lang="en-US" altLang="ko-KR" sz="1200" b="1" dirty="0" smtClean="0"/>
+              <a:t>JDK 11 </a:t>
+            </a:r>
+            <a:r>
+              <a:rPr lang="ko-KR" altLang="en-US" sz="1200" b="1" dirty="0" smtClean="0"/>
+              <a:t>버전</a:t>
+            </a:r>
+            <a:endParaRPr lang="en-US" altLang="ko-KR" sz="1200" b="1" dirty="0" smtClean="0"/>
+          </a:p>
+          <a:p>
+            <a:pPr marL="285750" indent="-285750">
+              <a:buFont typeface="Arial" panose="020B0604020202020204" pitchFamily="34" charset="0"/>
+              <a:buChar char="•"/>
+            </a:pPr>
+            <a:r>
+              <a:rPr lang="en-US" altLang="ko-KR" sz="1200" b="1" dirty="0" smtClean="0"/>
+              <a:t>Spring Boot 2.3.2 RELEASE</a:t>
+            </a:r>
+          </a:p>
+          <a:p>
+            <a:pPr marL="285750" indent="-285750">
+              <a:buFont typeface="Arial" panose="020B0604020202020204" pitchFamily="34" charset="0"/>
+              <a:buChar char="•"/>
+            </a:pPr>
+            <a:r>
+              <a:rPr lang="en-US" altLang="ko-KR" sz="1200" b="1" dirty="0" err="1" smtClean="0"/>
+              <a:t>Netty</a:t>
+            </a:r>
+            <a:r>
+              <a:rPr lang="en-US" altLang="ko-KR" sz="1200" b="1" dirty="0" smtClean="0"/>
+              <a:t> 4.2.30.Final</a:t>
+            </a:r>
+          </a:p>
+          <a:p>
+            <a:pPr marL="285750" indent="-285750">
+              <a:buFont typeface="Arial" panose="020B0604020202020204" pitchFamily="34" charset="0"/>
+              <a:buChar char="•"/>
+            </a:pPr>
+            <a:r>
+              <a:rPr lang="en-US" altLang="ko-KR" sz="1200" b="1" dirty="0" err="1" smtClean="0"/>
+              <a:t>Gson</a:t>
+            </a:r>
+            <a:r>
+              <a:rPr lang="en-US" altLang="ko-KR" sz="1200" b="1" dirty="0" smtClean="0"/>
+              <a:t> 2.8.6</a:t>
+            </a:r>
+          </a:p>
+          <a:p>
+            <a:pPr marL="285750" indent="-285750">
+              <a:buFont typeface="Arial" panose="020B0604020202020204" pitchFamily="34" charset="0"/>
+              <a:buChar char="•"/>
+            </a:pPr>
+            <a:r>
+              <a:rPr lang="en-US" altLang="ko-KR" sz="1200" b="1" dirty="0" err="1" smtClean="0"/>
+              <a:t>okHttp</a:t>
+            </a:r>
+            <a:r>
+              <a:rPr lang="en-US" altLang="ko-KR" sz="1200" b="1" dirty="0" smtClean="0"/>
+              <a:t> 4.7.2</a:t>
+            </a:r>
+          </a:p>
+        </p:txBody>
+      </p:sp>
+    </p:spTree>
+    <p:extLst>
+      <p:ext uri="{BB962C8B-B14F-4D97-AF65-F5344CB8AC3E}">
+        <p14:creationId xmlns:p14="http://schemas.microsoft.com/office/powerpoint/2010/main" val="3778153848"/>
+      </p:ext>
+    </p:extLst>
+  </p:cSld>
+  <p:clrMapOvr>
+    <a:masterClrMapping/>
+  </p:clrMapOvr>
 </p:sld>
 </file>
 
@@ -3817,6 +5771,13 @@
   <p:clrMapOvr>
     <a:masterClrMapping/>
   </p:clrMapOvr>
+  <p:timing>
+    <p:tnLst>
+      <p:par>
+        <p:cTn id="1" dur="indefinite" restart="never" nodeType="tmRoot"/>
+      </p:par>
+    </p:tnLst>
+  </p:timing>
 </p:sld>
 </file>
 
@@ -4709,10 +6670,4169 @@
   <p:clrMapOvr>
     <a:masterClrMapping/>
   </p:clrMapOvr>
+  <p:timing>
+    <p:tnLst>
+      <p:par>
+        <p:cTn id="1" dur="indefinite" restart="never" nodeType="tmRoot"/>
+      </p:par>
+    </p:tnLst>
+  </p:timing>
 </p:sld>
 </file>
 
 <file path=ppt/slides/slide4.xml><?xml version="1.0" encoding="utf-8"?>
+<p:sld xmlns:a="http://schemas.openxmlformats.org/drawingml/2006/main" xmlns:r="http://schemas.openxmlformats.org/officeDocument/2006/relationships" xmlns:p="http://schemas.openxmlformats.org/presentationml/2006/main">
+  <p:cSld>
+    <p:spTree>
+      <p:nvGrpSpPr>
+        <p:cNvPr id="1" name=""/>
+        <p:cNvGrpSpPr/>
+        <p:nvPr/>
+      </p:nvGrpSpPr>
+      <p:grpSpPr>
+        <a:xfrm>
+          <a:off x="0" y="0"/>
+          <a:ext cx="0" cy="0"/>
+          <a:chOff x="0" y="0"/>
+          <a:chExt cx="0" cy="0"/>
+        </a:xfrm>
+      </p:grpSpPr>
+      <p:sp>
+        <p:nvSpPr>
+          <p:cNvPr id="2" name="제목 1"/>
+          <p:cNvSpPr>
+            <a:spLocks noGrp="1"/>
+          </p:cNvSpPr>
+          <p:nvPr>
+            <p:ph type="title"/>
+          </p:nvPr>
+        </p:nvSpPr>
+        <p:spPr>
+          <a:xfrm>
+            <a:off x="838200" y="365125"/>
+            <a:ext cx="10398211" cy="359805"/>
+          </a:xfrm>
+        </p:spPr>
+        <p:txBody>
+          <a:bodyPr>
+            <a:noAutofit/>
+          </a:bodyPr>
+          <a:lstStyle/>
+          <a:p>
+            <a:r>
+              <a:rPr lang="en-US" altLang="ko-KR" sz="2800" b="1" dirty="0" smtClean="0"/>
+              <a:t>2. </a:t>
+            </a:r>
+            <a:r>
+              <a:rPr lang="ko-KR" altLang="en-US" sz="2800" b="1" dirty="0" smtClean="0"/>
+              <a:t>서비스 구성도 </a:t>
+            </a:r>
+            <a:r>
+              <a:rPr lang="en-US" altLang="ko-KR" sz="2800" b="1" dirty="0" smtClean="0"/>
+              <a:t>– </a:t>
+            </a:r>
+            <a:r>
+              <a:rPr lang="ko-KR" altLang="en-US" sz="2800" b="1" dirty="0" smtClean="0"/>
+              <a:t>전문</a:t>
+            </a:r>
+            <a:r>
+              <a:rPr lang="en-US" altLang="ko-KR" sz="2800" b="1" dirty="0" smtClean="0"/>
+              <a:t>/</a:t>
+            </a:r>
+            <a:r>
+              <a:rPr lang="ko-KR" altLang="en-US" sz="2800" b="1" dirty="0" smtClean="0"/>
+              <a:t>서버</a:t>
+            </a:r>
+            <a:r>
+              <a:rPr lang="en-US" altLang="ko-KR" sz="2800" b="1" dirty="0" smtClean="0"/>
+              <a:t>/</a:t>
+            </a:r>
+            <a:r>
+              <a:rPr lang="ko-KR" altLang="en-US" sz="2800" b="1" dirty="0" err="1" smtClean="0"/>
+              <a:t>핸들러</a:t>
+            </a:r>
+            <a:r>
+              <a:rPr lang="ko-KR" altLang="en-US" sz="2800" b="1" dirty="0" smtClean="0"/>
+              <a:t> 구성 </a:t>
+            </a:r>
+            <a:r>
+              <a:rPr lang="en-US" altLang="ko-KR" sz="2800" b="1" dirty="0" smtClean="0"/>
+              <a:t>(XML </a:t>
+            </a:r>
+            <a:r>
+              <a:rPr lang="ko-KR" altLang="en-US" sz="2800" b="1" dirty="0" smtClean="0"/>
+              <a:t>포맷</a:t>
+            </a:r>
+            <a:r>
+              <a:rPr lang="en-US" altLang="ko-KR" sz="2800" b="1" dirty="0" smtClean="0"/>
+              <a:t>)</a:t>
+            </a:r>
+            <a:endParaRPr lang="ko-KR" altLang="en-US" sz="2800" b="1" dirty="0"/>
+          </a:p>
+        </p:txBody>
+      </p:sp>
+      <p:graphicFrame>
+        <p:nvGraphicFramePr>
+          <p:cNvPr id="7" name="표 6"/>
+          <p:cNvGraphicFramePr>
+            <a:graphicFrameLocks noGrp="1"/>
+          </p:cNvGraphicFramePr>
+          <p:nvPr>
+            <p:extLst>
+              <p:ext uri="{D42A27DB-BD31-4B8C-83A1-F6EECF244321}">
+                <p14:modId xmlns:p14="http://schemas.microsoft.com/office/powerpoint/2010/main" val="3961846444"/>
+              </p:ext>
+            </p:extLst>
+          </p:nvPr>
+        </p:nvGraphicFramePr>
+        <p:xfrm>
+          <a:off x="977641" y="831633"/>
+          <a:ext cx="10415037" cy="5887720"/>
+        </p:xfrm>
+        <a:graphic>
+          <a:graphicData uri="http://schemas.openxmlformats.org/drawingml/2006/table">
+            <a:tbl>
+              <a:tblPr firstRow="1" bandRow="1">
+                <a:tableStyleId>{5C22544A-7EE6-4342-B048-85BDC9FD1C3A}</a:tableStyleId>
+              </a:tblPr>
+              <a:tblGrid>
+                <a:gridCol w="3471679"/>
+                <a:gridCol w="3471679"/>
+                <a:gridCol w="3471679"/>
+              </a:tblGrid>
+              <a:tr h="370840">
+                <a:tc>
+                  <a:txBody>
+                    <a:bodyPr/>
+                    <a:lstStyle/>
+                    <a:p>
+                      <a:pPr latinLnBrk="1"/>
+                      <a:endParaRPr lang="ko-KR" altLang="en-US" dirty="0"/>
+                    </a:p>
+                  </a:txBody>
+                  <a:tcPr/>
+                </a:tc>
+                <a:tc>
+                  <a:txBody>
+                    <a:bodyPr/>
+                    <a:lstStyle/>
+                    <a:p>
+                      <a:pPr latinLnBrk="1"/>
+                      <a:endParaRPr lang="ko-KR" altLang="en-US"/>
+                    </a:p>
+                  </a:txBody>
+                  <a:tcPr/>
+                </a:tc>
+                <a:tc>
+                  <a:txBody>
+                    <a:bodyPr/>
+                    <a:lstStyle/>
+                    <a:p>
+                      <a:pPr latinLnBrk="1"/>
+                      <a:endParaRPr lang="ko-KR" altLang="en-US" dirty="0"/>
+                    </a:p>
+                  </a:txBody>
+                  <a:tcPr/>
+                </a:tc>
+              </a:tr>
+              <a:tr h="370840">
+                <a:tc rowSpan="5">
+                  <a:txBody>
+                    <a:bodyPr/>
+                    <a:lstStyle/>
+                    <a:p>
+                      <a:pPr latinLnBrk="1"/>
+                      <a:r>
+                        <a:rPr lang="en-US" altLang="ko-KR" dirty="0" smtClean="0"/>
+                        <a:t>Server</a:t>
+                      </a:r>
+                      <a:endParaRPr lang="ko-KR" altLang="en-US" dirty="0"/>
+                    </a:p>
+                  </a:txBody>
+                  <a:tcPr/>
+                </a:tc>
+                <a:tc>
+                  <a:txBody>
+                    <a:bodyPr/>
+                    <a:lstStyle/>
+                    <a:p>
+                      <a:pPr latinLnBrk="1"/>
+                      <a:r>
+                        <a:rPr lang="en-US" altLang="ko-KR" dirty="0" err="1" smtClean="0"/>
+                        <a:t>serverName</a:t>
+                      </a:r>
+                      <a:endParaRPr lang="ko-KR" altLang="en-US" dirty="0"/>
+                    </a:p>
+                  </a:txBody>
+                  <a:tcPr/>
+                </a:tc>
+                <a:tc>
+                  <a:txBody>
+                    <a:bodyPr/>
+                    <a:lstStyle/>
+                    <a:p>
+                      <a:pPr latinLnBrk="1"/>
+                      <a:r>
+                        <a:rPr lang="ko-KR" altLang="en-US" sz="1600" dirty="0" smtClean="0"/>
+                        <a:t>서버 이름</a:t>
+                      </a:r>
+                      <a:endParaRPr lang="ko-KR" altLang="en-US" sz="1600" dirty="0"/>
+                    </a:p>
+                  </a:txBody>
+                  <a:tcPr/>
+                </a:tc>
+              </a:tr>
+              <a:tr h="370840">
+                <a:tc vMerge="1">
+                  <a:txBody>
+                    <a:bodyPr/>
+                    <a:lstStyle/>
+                    <a:p>
+                      <a:pPr latinLnBrk="1"/>
+                      <a:endParaRPr lang="ko-KR" altLang="en-US" dirty="0"/>
+                    </a:p>
+                  </a:txBody>
+                  <a:tcPr/>
+                </a:tc>
+                <a:tc>
+                  <a:txBody>
+                    <a:bodyPr/>
+                    <a:lstStyle/>
+                    <a:p>
+                      <a:pPr latinLnBrk="1"/>
+                      <a:r>
+                        <a:rPr lang="en-US" altLang="ko-KR" dirty="0" err="1" smtClean="0"/>
+                        <a:t>ip</a:t>
+                      </a:r>
+                      <a:endParaRPr lang="ko-KR" altLang="en-US" dirty="0"/>
+                    </a:p>
+                  </a:txBody>
+                  <a:tcPr/>
+                </a:tc>
+                <a:tc>
+                  <a:txBody>
+                    <a:bodyPr/>
+                    <a:lstStyle/>
+                    <a:p>
+                      <a:pPr latinLnBrk="1"/>
+                      <a:r>
+                        <a:rPr lang="ko-KR" altLang="en-US" sz="1600" dirty="0" err="1" smtClean="0"/>
+                        <a:t>아이피</a:t>
+                      </a:r>
+                      <a:endParaRPr lang="ko-KR" altLang="en-US" sz="1600" dirty="0"/>
+                    </a:p>
+                  </a:txBody>
+                  <a:tcPr/>
+                </a:tc>
+              </a:tr>
+              <a:tr h="370840">
+                <a:tc vMerge="1">
+                  <a:txBody>
+                    <a:bodyPr/>
+                    <a:lstStyle/>
+                    <a:p>
+                      <a:pPr latinLnBrk="1"/>
+                      <a:endParaRPr lang="ko-KR" altLang="en-US" dirty="0"/>
+                    </a:p>
+                  </a:txBody>
+                  <a:tcPr/>
+                </a:tc>
+                <a:tc>
+                  <a:txBody>
+                    <a:bodyPr/>
+                    <a:lstStyle/>
+                    <a:p>
+                      <a:pPr latinLnBrk="1"/>
+                      <a:r>
+                        <a:rPr lang="en-US" altLang="ko-KR" dirty="0" smtClean="0"/>
+                        <a:t>port</a:t>
+                      </a:r>
+                      <a:endParaRPr lang="ko-KR" altLang="en-US" dirty="0"/>
+                    </a:p>
+                  </a:txBody>
+                  <a:tcPr/>
+                </a:tc>
+                <a:tc>
+                  <a:txBody>
+                    <a:bodyPr/>
+                    <a:lstStyle/>
+                    <a:p>
+                      <a:pPr latinLnBrk="1"/>
+                      <a:r>
+                        <a:rPr lang="ko-KR" altLang="en-US" sz="1600" dirty="0" smtClean="0"/>
+                        <a:t>포트</a:t>
+                      </a:r>
+                      <a:endParaRPr lang="ko-KR" altLang="en-US" sz="1600" dirty="0"/>
+                    </a:p>
+                  </a:txBody>
+                  <a:tcPr/>
+                </a:tc>
+              </a:tr>
+              <a:tr h="370840">
+                <a:tc vMerge="1">
+                  <a:txBody>
+                    <a:bodyPr/>
+                    <a:lstStyle/>
+                    <a:p>
+                      <a:pPr latinLnBrk="1"/>
+                      <a:endParaRPr lang="ko-KR" altLang="en-US" dirty="0"/>
+                    </a:p>
+                  </a:txBody>
+                  <a:tcPr/>
+                </a:tc>
+                <a:tc>
+                  <a:txBody>
+                    <a:bodyPr/>
+                    <a:lstStyle/>
+                    <a:p>
+                      <a:pPr latinLnBrk="1"/>
+                      <a:r>
+                        <a:rPr lang="en-US" altLang="ko-KR" dirty="0" smtClean="0"/>
+                        <a:t>enable</a:t>
+                      </a:r>
+                      <a:endParaRPr lang="ko-KR" altLang="en-US" dirty="0"/>
+                    </a:p>
+                  </a:txBody>
+                  <a:tcPr/>
+                </a:tc>
+                <a:tc>
+                  <a:txBody>
+                    <a:bodyPr/>
+                    <a:lstStyle/>
+                    <a:p>
+                      <a:pPr latinLnBrk="1"/>
+                      <a:r>
+                        <a:rPr lang="ko-KR" altLang="en-US" sz="1600" dirty="0" smtClean="0"/>
+                        <a:t>사용 여부</a:t>
+                      </a:r>
+                      <a:endParaRPr lang="ko-KR" altLang="en-US" sz="1600" dirty="0"/>
+                    </a:p>
+                  </a:txBody>
+                  <a:tcPr/>
+                </a:tc>
+              </a:tr>
+              <a:tr h="370840">
+                <a:tc vMerge="1">
+                  <a:txBody>
+                    <a:bodyPr/>
+                    <a:lstStyle/>
+                    <a:p>
+                      <a:pPr latinLnBrk="1"/>
+                      <a:endParaRPr lang="ko-KR" altLang="en-US" dirty="0"/>
+                    </a:p>
+                  </a:txBody>
+                  <a:tcPr/>
+                </a:tc>
+                <a:tc>
+                  <a:txBody>
+                    <a:bodyPr/>
+                    <a:lstStyle/>
+                    <a:p>
+                      <a:pPr latinLnBrk="1"/>
+                      <a:r>
+                        <a:rPr lang="en-US" altLang="ko-KR" dirty="0" err="1" smtClean="0"/>
+                        <a:t>handlerName</a:t>
+                      </a:r>
+                      <a:endParaRPr lang="ko-KR" altLang="en-US" dirty="0"/>
+                    </a:p>
+                  </a:txBody>
+                  <a:tcPr/>
+                </a:tc>
+                <a:tc>
+                  <a:txBody>
+                    <a:bodyPr/>
+                    <a:lstStyle/>
+                    <a:p>
+                      <a:pPr latinLnBrk="1"/>
+                      <a:r>
+                        <a:rPr lang="ko-KR" altLang="en-US" sz="1600" dirty="0" err="1" smtClean="0"/>
+                        <a:t>핸들러</a:t>
+                      </a:r>
+                      <a:r>
+                        <a:rPr lang="ko-KR" altLang="en-US" sz="1600" dirty="0" smtClean="0"/>
+                        <a:t> 이름</a:t>
+                      </a:r>
+                      <a:endParaRPr lang="ko-KR" altLang="en-US" sz="1600" dirty="0"/>
+                    </a:p>
+                  </a:txBody>
+                  <a:tcPr/>
+                </a:tc>
+              </a:tr>
+              <a:tr h="370840">
+                <a:tc rowSpan="5">
+                  <a:txBody>
+                    <a:bodyPr/>
+                    <a:lstStyle/>
+                    <a:p>
+                      <a:pPr latinLnBrk="1"/>
+                      <a:r>
+                        <a:rPr lang="en-US" altLang="ko-KR" dirty="0" smtClean="0"/>
+                        <a:t>Handler</a:t>
+                      </a:r>
+                      <a:endParaRPr lang="ko-KR" altLang="en-US" dirty="0"/>
+                    </a:p>
+                  </a:txBody>
+                  <a:tcPr/>
+                </a:tc>
+                <a:tc>
+                  <a:txBody>
+                    <a:bodyPr/>
+                    <a:lstStyle/>
+                    <a:p>
+                      <a:pPr latinLnBrk="1"/>
+                      <a:r>
+                        <a:rPr lang="en-US" altLang="ko-KR" dirty="0" err="1" smtClean="0"/>
+                        <a:t>handlerName</a:t>
+                      </a:r>
+                      <a:endParaRPr lang="ko-KR" altLang="en-US" dirty="0"/>
+                    </a:p>
+                  </a:txBody>
+                  <a:tcPr/>
+                </a:tc>
+                <a:tc>
+                  <a:txBody>
+                    <a:bodyPr/>
+                    <a:lstStyle/>
+                    <a:p>
+                      <a:pPr latinLnBrk="1"/>
+                      <a:r>
+                        <a:rPr lang="ko-KR" altLang="en-US" sz="1600" dirty="0" err="1" smtClean="0"/>
+                        <a:t>핸들러</a:t>
+                      </a:r>
+                      <a:r>
+                        <a:rPr lang="ko-KR" altLang="en-US" sz="1600" dirty="0" smtClean="0"/>
+                        <a:t> 이름</a:t>
+                      </a:r>
+                      <a:endParaRPr lang="ko-KR" altLang="en-US" sz="1600" dirty="0"/>
+                    </a:p>
+                  </a:txBody>
+                  <a:tcPr/>
+                </a:tc>
+              </a:tr>
+              <a:tr h="0">
+                <a:tc vMerge="1">
+                  <a:txBody>
+                    <a:bodyPr/>
+                    <a:lstStyle/>
+                    <a:p>
+                      <a:pPr latinLnBrk="1"/>
+                      <a:endParaRPr lang="ko-KR" altLang="en-US" dirty="0"/>
+                    </a:p>
+                  </a:txBody>
+                  <a:tcPr/>
+                </a:tc>
+                <a:tc>
+                  <a:txBody>
+                    <a:bodyPr/>
+                    <a:lstStyle/>
+                    <a:p>
+                      <a:pPr latinLnBrk="1"/>
+                      <a:r>
+                        <a:rPr lang="en-US" altLang="ko-KR" dirty="0" err="1" smtClean="0"/>
+                        <a:t>messageName</a:t>
+                      </a:r>
+                      <a:endParaRPr lang="ko-KR" altLang="en-US" dirty="0"/>
+                    </a:p>
+                  </a:txBody>
+                  <a:tcPr/>
+                </a:tc>
+                <a:tc>
+                  <a:txBody>
+                    <a:bodyPr/>
+                    <a:lstStyle/>
+                    <a:p>
+                      <a:pPr latinLnBrk="1"/>
+                      <a:r>
+                        <a:rPr lang="ko-KR" altLang="en-US" sz="1600" dirty="0" smtClean="0"/>
+                        <a:t>메시지 이름</a:t>
+                      </a:r>
+                      <a:endParaRPr lang="ko-KR" altLang="en-US" sz="1600" dirty="0"/>
+                    </a:p>
+                  </a:txBody>
+                  <a:tcPr/>
+                </a:tc>
+              </a:tr>
+              <a:tr h="328676">
+                <a:tc vMerge="1">
+                  <a:txBody>
+                    <a:bodyPr/>
+                    <a:lstStyle/>
+                    <a:p>
+                      <a:pPr latinLnBrk="1"/>
+                      <a:endParaRPr lang="ko-KR" altLang="en-US" dirty="0"/>
+                    </a:p>
+                  </a:txBody>
+                  <a:tcPr/>
+                </a:tc>
+                <a:tc>
+                  <a:txBody>
+                    <a:bodyPr/>
+                    <a:lstStyle/>
+                    <a:p>
+                      <a:pPr latinLnBrk="1"/>
+                      <a:r>
+                        <a:rPr lang="en-US" altLang="ko-KR" dirty="0" smtClean="0"/>
+                        <a:t>enable</a:t>
+                      </a:r>
+                      <a:endParaRPr lang="ko-KR" altLang="en-US" dirty="0"/>
+                    </a:p>
+                  </a:txBody>
+                  <a:tcPr/>
+                </a:tc>
+                <a:tc>
+                  <a:txBody>
+                    <a:bodyPr/>
+                    <a:lstStyle/>
+                    <a:p>
+                      <a:pPr latinLnBrk="1"/>
+                      <a:r>
+                        <a:rPr lang="ko-KR" altLang="en-US" sz="1600" dirty="0" smtClean="0"/>
+                        <a:t>사용 여부</a:t>
+                      </a:r>
+                      <a:endParaRPr lang="ko-KR" altLang="en-US" sz="1600" dirty="0"/>
+                    </a:p>
+                  </a:txBody>
+                  <a:tcPr/>
+                </a:tc>
+              </a:tr>
+              <a:tr h="291592">
+                <a:tc vMerge="1">
+                  <a:txBody>
+                    <a:bodyPr/>
+                    <a:lstStyle/>
+                    <a:p>
+                      <a:pPr latinLnBrk="1"/>
+                      <a:endParaRPr lang="ko-KR" altLang="en-US" dirty="0"/>
+                    </a:p>
+                  </a:txBody>
+                  <a:tcPr/>
+                </a:tc>
+                <a:tc>
+                  <a:txBody>
+                    <a:bodyPr/>
+                    <a:lstStyle/>
+                    <a:p>
+                      <a:pPr latinLnBrk="1"/>
+                      <a:r>
+                        <a:rPr lang="en-US" altLang="ko-KR" dirty="0" err="1" smtClean="0"/>
+                        <a:t>handlerClass</a:t>
+                      </a:r>
+                      <a:endParaRPr lang="ko-KR" altLang="en-US" dirty="0"/>
+                    </a:p>
+                  </a:txBody>
+                  <a:tcPr/>
+                </a:tc>
+                <a:tc>
+                  <a:txBody>
+                    <a:bodyPr/>
+                    <a:lstStyle/>
+                    <a:p>
+                      <a:pPr latinLnBrk="1"/>
+                      <a:r>
+                        <a:rPr lang="ko-KR" altLang="en-US" sz="1600" dirty="0" err="1" smtClean="0"/>
+                        <a:t>핸들러</a:t>
+                      </a:r>
+                      <a:r>
+                        <a:rPr lang="ko-KR" altLang="en-US" sz="1600" dirty="0" smtClean="0"/>
+                        <a:t> 클래스 이름</a:t>
+                      </a:r>
+                      <a:r>
+                        <a:rPr lang="en-US" altLang="ko-KR" sz="1600" dirty="0" smtClean="0"/>
+                        <a:t>(</a:t>
+                      </a:r>
+                      <a:r>
+                        <a:rPr lang="ko-KR" altLang="en-US" sz="1600" dirty="0" smtClean="0"/>
+                        <a:t>패키지포함</a:t>
+                      </a:r>
+                      <a:r>
+                        <a:rPr lang="en-US" altLang="ko-KR" sz="1600" dirty="0" smtClean="0"/>
+                        <a:t>)</a:t>
+                      </a:r>
+                      <a:endParaRPr lang="ko-KR" altLang="en-US" sz="1600" dirty="0"/>
+                    </a:p>
+                  </a:txBody>
+                  <a:tcPr/>
+                </a:tc>
+              </a:tr>
+              <a:tr h="254508">
+                <a:tc vMerge="1">
+                  <a:txBody>
+                    <a:bodyPr/>
+                    <a:lstStyle/>
+                    <a:p>
+                      <a:pPr latinLnBrk="1"/>
+                      <a:endParaRPr lang="ko-KR" altLang="en-US" dirty="0"/>
+                    </a:p>
+                  </a:txBody>
+                  <a:tcPr/>
+                </a:tc>
+                <a:tc>
+                  <a:txBody>
+                    <a:bodyPr/>
+                    <a:lstStyle/>
+                    <a:p>
+                      <a:pPr latinLnBrk="1"/>
+                      <a:r>
+                        <a:rPr lang="en-US" altLang="ko-KR" dirty="0" err="1" smtClean="0"/>
+                        <a:t>businessClass</a:t>
+                      </a:r>
+                      <a:endParaRPr lang="ko-KR" altLang="en-US" dirty="0"/>
+                    </a:p>
+                  </a:txBody>
+                  <a:tcPr/>
+                </a:tc>
+                <a:tc>
+                  <a:txBody>
+                    <a:bodyPr/>
+                    <a:lstStyle/>
+                    <a:p>
+                      <a:pPr latinLnBrk="1"/>
+                      <a:r>
+                        <a:rPr lang="ko-KR" altLang="en-US" sz="1600" dirty="0" smtClean="0"/>
+                        <a:t>서비스 클래스 이름</a:t>
+                      </a:r>
+                      <a:r>
+                        <a:rPr lang="en-US" altLang="ko-KR" sz="1600" dirty="0" smtClean="0"/>
+                        <a:t>(</a:t>
+                      </a:r>
+                      <a:r>
+                        <a:rPr lang="ko-KR" altLang="en-US" sz="1600" dirty="0" smtClean="0"/>
+                        <a:t>패키지포함</a:t>
+                      </a:r>
+                      <a:r>
+                        <a:rPr lang="en-US" altLang="ko-KR" sz="1600" dirty="0" smtClean="0"/>
+                        <a:t>)</a:t>
+                      </a:r>
+                      <a:endParaRPr lang="ko-KR" altLang="en-US" sz="1600" dirty="0"/>
+                    </a:p>
+                  </a:txBody>
+                  <a:tcPr/>
+                </a:tc>
+              </a:tr>
+              <a:tr h="217424">
+                <a:tc rowSpan="5">
+                  <a:txBody>
+                    <a:bodyPr/>
+                    <a:lstStyle/>
+                    <a:p>
+                      <a:pPr latinLnBrk="1"/>
+                      <a:r>
+                        <a:rPr lang="en-US" altLang="ko-KR" dirty="0" smtClean="0"/>
+                        <a:t>Message</a:t>
+                      </a:r>
+                      <a:endParaRPr lang="ko-KR" altLang="en-US" dirty="0"/>
+                    </a:p>
+                  </a:txBody>
+                  <a:tcPr/>
+                </a:tc>
+                <a:tc>
+                  <a:txBody>
+                    <a:bodyPr/>
+                    <a:lstStyle/>
+                    <a:p>
+                      <a:pPr latinLnBrk="1"/>
+                      <a:r>
+                        <a:rPr lang="en-US" altLang="ko-KR" dirty="0" smtClean="0"/>
+                        <a:t>forward</a:t>
+                      </a:r>
+                      <a:endParaRPr lang="ko-KR" altLang="en-US" dirty="0"/>
+                    </a:p>
+                  </a:txBody>
+                  <a:tcPr/>
+                </a:tc>
+                <a:tc>
+                  <a:txBody>
+                    <a:bodyPr/>
+                    <a:lstStyle/>
+                    <a:p>
+                      <a:pPr latinLnBrk="1"/>
+                      <a:r>
+                        <a:rPr lang="ko-KR" altLang="en-US" sz="1600" dirty="0" smtClean="0"/>
+                        <a:t>전문 </a:t>
+                      </a:r>
+                      <a:r>
+                        <a:rPr lang="ko-KR" altLang="en-US" sz="1600" dirty="0" err="1" smtClean="0"/>
+                        <a:t>포워딩</a:t>
+                      </a:r>
+                      <a:r>
+                        <a:rPr lang="ko-KR" altLang="en-US" sz="1600" dirty="0" smtClean="0"/>
+                        <a:t> 시</a:t>
+                      </a:r>
+                      <a:r>
+                        <a:rPr lang="en-US" altLang="ko-KR" sz="1600" dirty="0" smtClean="0"/>
+                        <a:t>, </a:t>
+                      </a:r>
+                      <a:r>
+                        <a:rPr lang="ko-KR" altLang="en-US" sz="1600" dirty="0" err="1" smtClean="0"/>
+                        <a:t>포워딩</a:t>
+                      </a:r>
+                      <a:r>
+                        <a:rPr lang="ko-KR" altLang="en-US" sz="1600" dirty="0" smtClean="0"/>
+                        <a:t> 전문이름</a:t>
+                      </a:r>
+                      <a:endParaRPr lang="ko-KR" altLang="en-US" sz="1600" dirty="0"/>
+                    </a:p>
+                  </a:txBody>
+                  <a:tcPr/>
+                </a:tc>
+              </a:tr>
+              <a:tr h="182880">
+                <a:tc vMerge="1">
+                  <a:txBody>
+                    <a:bodyPr/>
+                    <a:lstStyle/>
+                    <a:p>
+                      <a:pPr latinLnBrk="1"/>
+                      <a:endParaRPr lang="ko-KR" altLang="en-US" dirty="0"/>
+                    </a:p>
+                  </a:txBody>
+                  <a:tcPr/>
+                </a:tc>
+                <a:tc>
+                  <a:txBody>
+                    <a:bodyPr/>
+                    <a:lstStyle/>
+                    <a:p>
+                      <a:pPr latinLnBrk="1"/>
+                      <a:r>
+                        <a:rPr lang="en-US" altLang="ko-KR" dirty="0" smtClean="0"/>
+                        <a:t>name</a:t>
+                      </a:r>
+                      <a:endParaRPr lang="ko-KR" altLang="en-US" dirty="0"/>
+                    </a:p>
+                  </a:txBody>
+                  <a:tcPr/>
+                </a:tc>
+                <a:tc>
+                  <a:txBody>
+                    <a:bodyPr/>
+                    <a:lstStyle/>
+                    <a:p>
+                      <a:pPr latinLnBrk="1"/>
+                      <a:r>
+                        <a:rPr lang="ko-KR" altLang="en-US" sz="1600" dirty="0" smtClean="0"/>
+                        <a:t>전문이름</a:t>
+                      </a:r>
+                      <a:endParaRPr lang="ko-KR" altLang="en-US" sz="1600" dirty="0"/>
+                    </a:p>
+                  </a:txBody>
+                  <a:tcPr/>
+                </a:tc>
+              </a:tr>
+              <a:tr h="182880">
+                <a:tc vMerge="1">
+                  <a:txBody>
+                    <a:bodyPr/>
+                    <a:lstStyle/>
+                    <a:p>
+                      <a:pPr latinLnBrk="1"/>
+                      <a:endParaRPr lang="ko-KR" altLang="en-US"/>
+                    </a:p>
+                  </a:txBody>
+                  <a:tcPr/>
+                </a:tc>
+                <a:tc>
+                  <a:txBody>
+                    <a:bodyPr/>
+                    <a:lstStyle/>
+                    <a:p>
+                      <a:pPr marL="0" marR="0" indent="0" algn="l" defTabSz="914400" rtl="0" eaLnBrk="1" fontAlgn="auto" latinLnBrk="1" hangingPunct="1">
+                        <a:lnSpc>
+                          <a:spcPct val="100000"/>
+                        </a:lnSpc>
+                        <a:spcBef>
+                          <a:spcPts val="0"/>
+                        </a:spcBef>
+                        <a:spcAft>
+                          <a:spcPts val="0"/>
+                        </a:spcAft>
+                        <a:buClrTx/>
+                        <a:buSzTx/>
+                        <a:buFontTx/>
+                        <a:buNone/>
+                        <a:tabLst/>
+                        <a:defRPr/>
+                      </a:pPr>
+                      <a:r>
+                        <a:rPr lang="en-US" altLang="ko-KR" dirty="0" smtClean="0"/>
+                        <a:t>request</a:t>
+                      </a:r>
+                      <a:endParaRPr lang="ko-KR" altLang="en-US" dirty="0" smtClean="0"/>
+                    </a:p>
+                  </a:txBody>
+                  <a:tcPr/>
+                </a:tc>
+                <a:tc>
+                  <a:txBody>
+                    <a:bodyPr/>
+                    <a:lstStyle/>
+                    <a:p>
+                      <a:pPr latinLnBrk="1"/>
+                      <a:r>
+                        <a:rPr lang="ko-KR" altLang="en-US" sz="1600" dirty="0" smtClean="0"/>
+                        <a:t>요청 전문 </a:t>
+                      </a:r>
+                      <a:r>
+                        <a:rPr lang="en-US" altLang="ko-KR" sz="1600" dirty="0" smtClean="0"/>
+                        <a:t>(</a:t>
+                      </a:r>
+                      <a:r>
+                        <a:rPr lang="ko-KR" altLang="en-US" sz="1600" dirty="0" smtClean="0"/>
+                        <a:t>하위 요소 있음</a:t>
+                      </a:r>
+                      <a:r>
+                        <a:rPr lang="en-US" altLang="ko-KR" sz="1600" dirty="0" smtClean="0"/>
+                        <a:t>)</a:t>
+                      </a:r>
+                      <a:endParaRPr lang="ko-KR" altLang="en-US" sz="1600" dirty="0"/>
+                    </a:p>
+                  </a:txBody>
+                  <a:tcPr/>
+                </a:tc>
+              </a:tr>
+              <a:tr h="182880">
+                <a:tc vMerge="1">
+                  <a:txBody>
+                    <a:bodyPr/>
+                    <a:lstStyle/>
+                    <a:p>
+                      <a:pPr latinLnBrk="1"/>
+                      <a:endParaRPr lang="ko-KR" altLang="en-US" dirty="0"/>
+                    </a:p>
+                  </a:txBody>
+                  <a:tcPr/>
+                </a:tc>
+                <a:tc>
+                  <a:txBody>
+                    <a:bodyPr/>
+                    <a:lstStyle/>
+                    <a:p>
+                      <a:pPr latinLnBrk="1"/>
+                      <a:r>
+                        <a:rPr lang="en-US" altLang="ko-KR" dirty="0" smtClean="0"/>
+                        <a:t>response</a:t>
+                      </a:r>
+                      <a:endParaRPr lang="ko-KR" altLang="en-US" dirty="0"/>
+                    </a:p>
+                  </a:txBody>
+                  <a:tcPr/>
+                </a:tc>
+                <a:tc>
+                  <a:txBody>
+                    <a:bodyPr/>
+                    <a:lstStyle/>
+                    <a:p>
+                      <a:pPr marL="0" marR="0" indent="0" algn="l" defTabSz="914400" rtl="0" eaLnBrk="1" fontAlgn="auto" latinLnBrk="1" hangingPunct="1">
+                        <a:lnSpc>
+                          <a:spcPct val="100000"/>
+                        </a:lnSpc>
+                        <a:spcBef>
+                          <a:spcPts val="0"/>
+                        </a:spcBef>
+                        <a:spcAft>
+                          <a:spcPts val="0"/>
+                        </a:spcAft>
+                        <a:buClrTx/>
+                        <a:buSzTx/>
+                        <a:buFontTx/>
+                        <a:buNone/>
+                        <a:tabLst/>
+                        <a:defRPr/>
+                      </a:pPr>
+                      <a:r>
+                        <a:rPr lang="ko-KR" altLang="en-US" sz="1600" dirty="0" smtClean="0"/>
+                        <a:t>응답 전문 </a:t>
+                      </a:r>
+                      <a:r>
+                        <a:rPr lang="en-US" altLang="ko-KR" sz="1600" dirty="0" smtClean="0"/>
+                        <a:t>(</a:t>
+                      </a:r>
+                      <a:r>
+                        <a:rPr lang="ko-KR" altLang="en-US" sz="1600" dirty="0" smtClean="0"/>
+                        <a:t>하위 요소 있음</a:t>
+                      </a:r>
+                      <a:r>
+                        <a:rPr lang="en-US" altLang="ko-KR" sz="1600" dirty="0" smtClean="0"/>
+                        <a:t>)</a:t>
+                      </a:r>
+                      <a:endParaRPr lang="ko-KR" altLang="en-US" sz="1600" dirty="0" smtClean="0"/>
+                    </a:p>
+                  </a:txBody>
+                  <a:tcPr/>
+                </a:tc>
+              </a:tr>
+              <a:tr h="182880">
+                <a:tc vMerge="1">
+                  <a:txBody>
+                    <a:bodyPr/>
+                    <a:lstStyle/>
+                    <a:p>
+                      <a:pPr latinLnBrk="1"/>
+                      <a:endParaRPr lang="ko-KR" altLang="en-US"/>
+                    </a:p>
+                  </a:txBody>
+                  <a:tcPr/>
+                </a:tc>
+                <a:tc>
+                  <a:txBody>
+                    <a:bodyPr/>
+                    <a:lstStyle/>
+                    <a:p>
+                      <a:pPr latinLnBrk="1"/>
+                      <a:r>
+                        <a:rPr lang="en-US" altLang="ko-KR" dirty="0" smtClean="0"/>
+                        <a:t>error (*)</a:t>
+                      </a:r>
+                      <a:endParaRPr lang="ko-KR" altLang="en-US" dirty="0"/>
+                    </a:p>
+                  </a:txBody>
+                  <a:tcPr/>
+                </a:tc>
+                <a:tc>
+                  <a:txBody>
+                    <a:bodyPr/>
+                    <a:lstStyle/>
+                    <a:p>
+                      <a:pPr marL="0" marR="0" indent="0" algn="l" defTabSz="914400" rtl="0" eaLnBrk="1" fontAlgn="auto" latinLnBrk="1" hangingPunct="1">
+                        <a:lnSpc>
+                          <a:spcPct val="100000"/>
+                        </a:lnSpc>
+                        <a:spcBef>
+                          <a:spcPts val="0"/>
+                        </a:spcBef>
+                        <a:spcAft>
+                          <a:spcPts val="0"/>
+                        </a:spcAft>
+                        <a:buClrTx/>
+                        <a:buSzTx/>
+                        <a:buFontTx/>
+                        <a:buNone/>
+                        <a:tabLst/>
+                        <a:defRPr/>
+                      </a:pPr>
+                      <a:r>
+                        <a:rPr lang="ko-KR" altLang="en-US" sz="1600" dirty="0" smtClean="0"/>
+                        <a:t>오류 전문 </a:t>
+                      </a:r>
+                      <a:r>
+                        <a:rPr lang="en-US" altLang="ko-KR" sz="1600" dirty="0" smtClean="0"/>
+                        <a:t>(</a:t>
+                      </a:r>
+                      <a:r>
+                        <a:rPr lang="ko-KR" altLang="en-US" sz="1600" dirty="0" smtClean="0"/>
+                        <a:t>하위 요소 있음</a:t>
+                      </a:r>
+                      <a:r>
+                        <a:rPr lang="en-US" altLang="ko-KR" sz="1600" dirty="0" smtClean="0"/>
+                        <a:t>)</a:t>
+                      </a:r>
+                      <a:endParaRPr lang="ko-KR" altLang="en-US" sz="1600" dirty="0" smtClean="0"/>
+                    </a:p>
+                  </a:txBody>
+                  <a:tcPr/>
+                </a:tc>
+              </a:tr>
+            </a:tbl>
+          </a:graphicData>
+        </a:graphic>
+      </p:graphicFrame>
+    </p:spTree>
+    <p:extLst>
+      <p:ext uri="{BB962C8B-B14F-4D97-AF65-F5344CB8AC3E}">
+        <p14:creationId xmlns:p14="http://schemas.microsoft.com/office/powerpoint/2010/main" val="2836203085"/>
+      </p:ext>
+    </p:extLst>
+  </p:cSld>
+  <p:clrMapOvr>
+    <a:masterClrMapping/>
+  </p:clrMapOvr>
+  <p:timing>
+    <p:tnLst>
+      <p:par>
+        <p:cTn id="1" dur="indefinite" restart="never" nodeType="tmRoot"/>
+      </p:par>
+    </p:tnLst>
+  </p:timing>
+</p:sld>
+</file>
+
+<file path=ppt/slides/slide5.xml><?xml version="1.0" encoding="utf-8"?>
+<p:sld xmlns:a="http://schemas.openxmlformats.org/drawingml/2006/main" xmlns:r="http://schemas.openxmlformats.org/officeDocument/2006/relationships" xmlns:p="http://schemas.openxmlformats.org/presentationml/2006/main">
+  <p:cSld>
+    <p:spTree>
+      <p:nvGrpSpPr>
+        <p:cNvPr id="1" name=""/>
+        <p:cNvGrpSpPr/>
+        <p:nvPr/>
+      </p:nvGrpSpPr>
+      <p:grpSpPr>
+        <a:xfrm>
+          <a:off x="0" y="0"/>
+          <a:ext cx="0" cy="0"/>
+          <a:chOff x="0" y="0"/>
+          <a:chExt cx="0" cy="0"/>
+        </a:xfrm>
+      </p:grpSpPr>
+      <p:graphicFrame>
+        <p:nvGraphicFramePr>
+          <p:cNvPr id="4" name="표 3"/>
+          <p:cNvGraphicFramePr>
+            <a:graphicFrameLocks noGrp="1"/>
+          </p:cNvGraphicFramePr>
+          <p:nvPr>
+            <p:extLst>
+              <p:ext uri="{D42A27DB-BD31-4B8C-83A1-F6EECF244321}">
+                <p14:modId xmlns:p14="http://schemas.microsoft.com/office/powerpoint/2010/main" val="2520715012"/>
+              </p:ext>
+            </p:extLst>
+          </p:nvPr>
+        </p:nvGraphicFramePr>
+        <p:xfrm>
+          <a:off x="576424" y="598370"/>
+          <a:ext cx="11236132" cy="4267200"/>
+        </p:xfrm>
+        <a:graphic>
+          <a:graphicData uri="http://schemas.openxmlformats.org/drawingml/2006/table">
+            <a:tbl>
+              <a:tblPr firstRow="1" bandRow="1">
+                <a:tableStyleId>{5C22544A-7EE6-4342-B048-85BDC9FD1C3A}</a:tableStyleId>
+              </a:tblPr>
+              <a:tblGrid>
+                <a:gridCol w="2232090"/>
+                <a:gridCol w="2629332"/>
+                <a:gridCol w="2629332"/>
+                <a:gridCol w="1872689"/>
+                <a:gridCol w="1872689"/>
+              </a:tblGrid>
+              <a:tr h="0">
+                <a:tc rowSpan="14">
+                  <a:txBody>
+                    <a:bodyPr/>
+                    <a:lstStyle/>
+                    <a:p>
+                      <a:pPr latinLnBrk="1"/>
+                      <a:r>
+                        <a:rPr lang="en-US" altLang="ko-KR" sz="3600" dirty="0" smtClean="0"/>
+                        <a:t>request</a:t>
+                      </a:r>
+                      <a:endParaRPr lang="ko-KR" altLang="en-US" sz="3600" dirty="0"/>
+                    </a:p>
+                  </a:txBody>
+                  <a:tcPr/>
+                </a:tc>
+                <a:tc>
+                  <a:txBody>
+                    <a:bodyPr/>
+                    <a:lstStyle/>
+                    <a:p>
+                      <a:pPr latinLnBrk="1"/>
+                      <a:r>
+                        <a:rPr lang="en-US" altLang="ko-KR" sz="1400" dirty="0" smtClean="0"/>
+                        <a:t>repeat</a:t>
+                      </a:r>
+                      <a:endParaRPr lang="ko-KR" altLang="en-US" sz="1400" dirty="0"/>
+                    </a:p>
+                  </a:txBody>
+                  <a:tcPr/>
+                </a:tc>
+                <a:tc>
+                  <a:txBody>
+                    <a:bodyPr/>
+                    <a:lstStyle/>
+                    <a:p>
+                      <a:pPr latinLnBrk="1"/>
+                      <a:endParaRPr lang="ko-KR" altLang="en-US" sz="1400" dirty="0"/>
+                    </a:p>
+                  </a:txBody>
+                  <a:tcPr/>
+                </a:tc>
+                <a:tc gridSpan="2">
+                  <a:txBody>
+                    <a:bodyPr/>
+                    <a:lstStyle/>
+                    <a:p>
+                      <a:pPr latinLnBrk="1"/>
+                      <a:r>
+                        <a:rPr lang="ko-KR" altLang="en-US" sz="1400" dirty="0" smtClean="0"/>
+                        <a:t>반복 여부</a:t>
+                      </a:r>
+                      <a:endParaRPr lang="ko-KR" altLang="en-US" sz="1400" dirty="0"/>
+                    </a:p>
+                  </a:txBody>
+                  <a:tcPr/>
+                </a:tc>
+                <a:tc hMerge="1">
+                  <a:txBody>
+                    <a:bodyPr/>
+                    <a:lstStyle/>
+                    <a:p>
+                      <a:pPr latinLnBrk="1"/>
+                      <a:endParaRPr lang="ko-KR" altLang="en-US"/>
+                    </a:p>
+                  </a:txBody>
+                  <a:tcPr/>
+                </a:tc>
+              </a:tr>
+              <a:tr h="254000">
+                <a:tc vMerge="1">
+                  <a:txBody>
+                    <a:bodyPr/>
+                    <a:lstStyle/>
+                    <a:p>
+                      <a:pPr latinLnBrk="1"/>
+                      <a:endParaRPr lang="ko-KR" altLang="en-US"/>
+                    </a:p>
+                  </a:txBody>
+                  <a:tcPr/>
+                </a:tc>
+                <a:tc>
+                  <a:txBody>
+                    <a:bodyPr/>
+                    <a:lstStyle/>
+                    <a:p>
+                      <a:pPr latinLnBrk="1"/>
+                      <a:r>
+                        <a:rPr lang="en-US" altLang="ko-KR" sz="1400" dirty="0" err="1" smtClean="0"/>
+                        <a:t>repeatVariable</a:t>
+                      </a:r>
+                      <a:endParaRPr lang="ko-KR" altLang="en-US" sz="1400" dirty="0"/>
+                    </a:p>
+                  </a:txBody>
+                  <a:tcPr/>
+                </a:tc>
+                <a:tc>
+                  <a:txBody>
+                    <a:bodyPr/>
+                    <a:lstStyle/>
+                    <a:p>
+                      <a:pPr latinLnBrk="1"/>
+                      <a:endParaRPr lang="ko-KR" altLang="en-US" sz="1400" dirty="0"/>
+                    </a:p>
+                  </a:txBody>
+                  <a:tcPr/>
+                </a:tc>
+                <a:tc gridSpan="2">
+                  <a:txBody>
+                    <a:bodyPr/>
+                    <a:lstStyle/>
+                    <a:p>
+                      <a:pPr latinLnBrk="1"/>
+                      <a:r>
+                        <a:rPr lang="ko-KR" altLang="en-US" sz="1400" dirty="0" smtClean="0"/>
+                        <a:t>반복 횟수 변수 이름</a:t>
+                      </a:r>
+                      <a:endParaRPr lang="ko-KR" altLang="en-US" sz="1400" dirty="0"/>
+                    </a:p>
+                  </a:txBody>
+                  <a:tcPr/>
+                </a:tc>
+                <a:tc hMerge="1">
+                  <a:txBody>
+                    <a:bodyPr/>
+                    <a:lstStyle/>
+                    <a:p>
+                      <a:pPr latinLnBrk="1"/>
+                      <a:endParaRPr lang="ko-KR" altLang="en-US"/>
+                    </a:p>
+                  </a:txBody>
+                  <a:tcPr/>
+                </a:tc>
+              </a:tr>
+              <a:tr h="203200">
+                <a:tc vMerge="1">
+                  <a:txBody>
+                    <a:bodyPr/>
+                    <a:lstStyle/>
+                    <a:p>
+                      <a:pPr latinLnBrk="1"/>
+                      <a:endParaRPr lang="ko-KR" altLang="en-US"/>
+                    </a:p>
+                  </a:txBody>
+                  <a:tcPr/>
+                </a:tc>
+                <a:tc>
+                  <a:txBody>
+                    <a:bodyPr/>
+                    <a:lstStyle/>
+                    <a:p>
+                      <a:pPr latinLnBrk="1"/>
+                      <a:r>
+                        <a:rPr lang="en-US" altLang="ko-KR" sz="1400" dirty="0" err="1" smtClean="0"/>
+                        <a:t>transferType</a:t>
+                      </a:r>
+                      <a:endParaRPr lang="ko-KR" altLang="en-US" sz="1400" dirty="0"/>
+                    </a:p>
+                  </a:txBody>
+                  <a:tcPr/>
+                </a:tc>
+                <a:tc>
+                  <a:txBody>
+                    <a:bodyPr/>
+                    <a:lstStyle/>
+                    <a:p>
+                      <a:pPr latinLnBrk="1"/>
+                      <a:endParaRPr lang="ko-KR" altLang="en-US" sz="1400" dirty="0"/>
+                    </a:p>
+                  </a:txBody>
+                  <a:tcPr/>
+                </a:tc>
+                <a:tc gridSpan="2">
+                  <a:txBody>
+                    <a:bodyPr/>
+                    <a:lstStyle/>
+                    <a:p>
+                      <a:pPr latinLnBrk="1"/>
+                      <a:r>
+                        <a:rPr lang="en-US" altLang="ko-KR" sz="1400" dirty="0" smtClean="0"/>
+                        <a:t>VO </a:t>
+                      </a:r>
+                      <a:r>
+                        <a:rPr lang="ko-KR" altLang="en-US" sz="1400" dirty="0" smtClean="0"/>
+                        <a:t>사용시 </a:t>
+                      </a:r>
+                      <a:r>
+                        <a:rPr lang="en-US" altLang="ko-KR" sz="1400" dirty="0" smtClean="0"/>
+                        <a:t>( </a:t>
+                      </a:r>
+                      <a:r>
+                        <a:rPr lang="ko-KR" altLang="en-US" sz="1400" dirty="0" err="1" smtClean="0"/>
+                        <a:t>사용안함</a:t>
+                      </a:r>
+                      <a:r>
+                        <a:rPr lang="ko-KR" altLang="en-US" sz="1400" dirty="0" smtClean="0"/>
+                        <a:t> </a:t>
+                      </a:r>
+                      <a:r>
+                        <a:rPr lang="en-US" altLang="ko-KR" sz="1400" dirty="0" smtClean="0"/>
+                        <a:t>)</a:t>
+                      </a:r>
+                      <a:endParaRPr lang="ko-KR" altLang="en-US" sz="1400" dirty="0"/>
+                    </a:p>
+                  </a:txBody>
+                  <a:tcPr/>
+                </a:tc>
+                <a:tc hMerge="1">
+                  <a:txBody>
+                    <a:bodyPr/>
+                    <a:lstStyle/>
+                    <a:p>
+                      <a:pPr latinLnBrk="1"/>
+                      <a:endParaRPr lang="ko-KR" altLang="en-US"/>
+                    </a:p>
+                  </a:txBody>
+                  <a:tcPr/>
+                </a:tc>
+              </a:tr>
+              <a:tr h="152400">
+                <a:tc vMerge="1">
+                  <a:txBody>
+                    <a:bodyPr/>
+                    <a:lstStyle/>
+                    <a:p>
+                      <a:pPr latinLnBrk="1"/>
+                      <a:endParaRPr lang="ko-KR" altLang="en-US"/>
+                    </a:p>
+                  </a:txBody>
+                  <a:tcPr/>
+                </a:tc>
+                <a:tc>
+                  <a:txBody>
+                    <a:bodyPr/>
+                    <a:lstStyle/>
+                    <a:p>
+                      <a:pPr latinLnBrk="1"/>
+                      <a:r>
+                        <a:rPr lang="en-US" altLang="ko-KR" sz="1400" dirty="0" err="1" smtClean="0"/>
+                        <a:t>securityClass</a:t>
+                      </a:r>
+                      <a:endParaRPr lang="ko-KR" altLang="en-US" sz="1400" dirty="0"/>
+                    </a:p>
+                  </a:txBody>
+                  <a:tcPr/>
+                </a:tc>
+                <a:tc>
+                  <a:txBody>
+                    <a:bodyPr/>
+                    <a:lstStyle/>
+                    <a:p>
+                      <a:pPr latinLnBrk="1"/>
+                      <a:endParaRPr lang="ko-KR" altLang="en-US" sz="1400" dirty="0"/>
+                    </a:p>
+                  </a:txBody>
+                  <a:tcPr/>
+                </a:tc>
+                <a:tc gridSpan="2">
+                  <a:txBody>
+                    <a:bodyPr/>
+                    <a:lstStyle/>
+                    <a:p>
+                      <a:pPr latinLnBrk="1"/>
+                      <a:r>
+                        <a:rPr lang="ko-KR" altLang="en-US" sz="1400" dirty="0" smtClean="0"/>
+                        <a:t>암</a:t>
+                      </a:r>
+                      <a:r>
+                        <a:rPr lang="en-US" altLang="ko-KR" sz="1400" dirty="0" smtClean="0"/>
+                        <a:t>/</a:t>
+                      </a:r>
+                      <a:r>
+                        <a:rPr lang="ko-KR" altLang="en-US" sz="1400" dirty="0" err="1" smtClean="0"/>
+                        <a:t>복호화</a:t>
+                      </a:r>
+                      <a:r>
+                        <a:rPr lang="ko-KR" altLang="en-US" sz="1400" dirty="0" smtClean="0"/>
+                        <a:t> 클래스</a:t>
+                      </a:r>
+                      <a:endParaRPr lang="ko-KR" altLang="en-US" sz="1400" dirty="0"/>
+                    </a:p>
+                  </a:txBody>
+                  <a:tcPr/>
+                </a:tc>
+                <a:tc hMerge="1">
+                  <a:txBody>
+                    <a:bodyPr/>
+                    <a:lstStyle/>
+                    <a:p>
+                      <a:pPr latinLnBrk="1"/>
+                      <a:endParaRPr lang="ko-KR" altLang="en-US"/>
+                    </a:p>
+                  </a:txBody>
+                  <a:tcPr/>
+                </a:tc>
+              </a:tr>
+              <a:tr h="0">
+                <a:tc vMerge="1">
+                  <a:txBody>
+                    <a:bodyPr/>
+                    <a:lstStyle/>
+                    <a:p>
+                      <a:pPr latinLnBrk="1"/>
+                      <a:endParaRPr lang="ko-KR" altLang="en-US"/>
+                    </a:p>
+                  </a:txBody>
+                  <a:tcPr/>
+                </a:tc>
+                <a:tc>
+                  <a:txBody>
+                    <a:bodyPr/>
+                    <a:lstStyle/>
+                    <a:p>
+                      <a:pPr latinLnBrk="1"/>
+                      <a:r>
+                        <a:rPr lang="en-US" altLang="ko-KR" sz="1400" dirty="0" smtClean="0"/>
+                        <a:t>path</a:t>
+                      </a:r>
+                      <a:endParaRPr lang="ko-KR" altLang="en-US" sz="1400" dirty="0"/>
+                    </a:p>
+                  </a:txBody>
+                  <a:tcPr/>
+                </a:tc>
+                <a:tc>
+                  <a:txBody>
+                    <a:bodyPr/>
+                    <a:lstStyle/>
+                    <a:p>
+                      <a:pPr latinLnBrk="1"/>
+                      <a:endParaRPr lang="ko-KR" altLang="en-US" sz="1400" dirty="0"/>
+                    </a:p>
+                  </a:txBody>
+                  <a:tcPr/>
+                </a:tc>
+                <a:tc gridSpan="2">
+                  <a:txBody>
+                    <a:bodyPr/>
+                    <a:lstStyle/>
+                    <a:p>
+                      <a:pPr latinLnBrk="1"/>
+                      <a:r>
+                        <a:rPr lang="ko-KR" altLang="en-US" sz="1400" dirty="0" smtClean="0"/>
+                        <a:t>저장 위치 </a:t>
+                      </a:r>
+                      <a:r>
+                        <a:rPr lang="en-US" altLang="ko-KR" sz="1400" dirty="0" smtClean="0"/>
+                        <a:t>( </a:t>
+                      </a:r>
+                      <a:r>
+                        <a:rPr lang="ko-KR" altLang="en-US" sz="1400" dirty="0" err="1" smtClean="0"/>
+                        <a:t>사용안함</a:t>
+                      </a:r>
+                      <a:r>
+                        <a:rPr lang="ko-KR" altLang="en-US" sz="1400" dirty="0" smtClean="0"/>
+                        <a:t> </a:t>
+                      </a:r>
+                      <a:r>
+                        <a:rPr lang="en-US" altLang="ko-KR" sz="1400" dirty="0" smtClean="0"/>
+                        <a:t>)</a:t>
+                      </a:r>
+                      <a:endParaRPr lang="ko-KR" altLang="en-US" sz="1400" dirty="0"/>
+                    </a:p>
+                  </a:txBody>
+                  <a:tcPr/>
+                </a:tc>
+                <a:tc hMerge="1">
+                  <a:txBody>
+                    <a:bodyPr/>
+                    <a:lstStyle/>
+                    <a:p>
+                      <a:pPr latinLnBrk="1"/>
+                      <a:endParaRPr lang="ko-KR" altLang="en-US"/>
+                    </a:p>
+                  </a:txBody>
+                  <a:tcPr/>
+                </a:tc>
+              </a:tr>
+              <a:tr h="0">
+                <a:tc vMerge="1">
+                  <a:txBody>
+                    <a:bodyPr/>
+                    <a:lstStyle/>
+                    <a:p>
+                      <a:pPr latinLnBrk="1"/>
+                      <a:endParaRPr lang="ko-KR" altLang="en-US"/>
+                    </a:p>
+                  </a:txBody>
+                  <a:tcPr/>
+                </a:tc>
+                <a:tc rowSpan="7">
+                  <a:txBody>
+                    <a:bodyPr/>
+                    <a:lstStyle/>
+                    <a:p>
+                      <a:pPr latinLnBrk="1"/>
+                      <a:r>
+                        <a:rPr lang="en-US" altLang="ko-KR" sz="1400" dirty="0" smtClean="0"/>
+                        <a:t>header</a:t>
+                      </a:r>
+                      <a:endParaRPr lang="ko-KR" altLang="en-US" sz="1400" dirty="0"/>
+                    </a:p>
+                  </a:txBody>
+                  <a:tcPr/>
+                </a:tc>
+                <a:tc rowSpan="7">
+                  <a:txBody>
+                    <a:bodyPr/>
+                    <a:lstStyle/>
+                    <a:p>
+                      <a:pPr latinLnBrk="1"/>
+                      <a:r>
+                        <a:rPr lang="en-US" altLang="ko-KR" sz="1400" dirty="0" smtClean="0"/>
+                        <a:t>field (*)</a:t>
+                      </a:r>
+                      <a:endParaRPr lang="ko-KR" altLang="en-US" sz="1400" dirty="0"/>
+                    </a:p>
+                  </a:txBody>
+                  <a:tcPr/>
+                </a:tc>
+                <a:tc>
+                  <a:txBody>
+                    <a:bodyPr/>
+                    <a:lstStyle/>
+                    <a:p>
+                      <a:pPr latinLnBrk="1"/>
+                      <a:r>
+                        <a:rPr lang="en-US" altLang="ko-KR" sz="1400" dirty="0" smtClean="0"/>
+                        <a:t>start</a:t>
+                      </a:r>
+                      <a:endParaRPr lang="ko-KR" altLang="en-US" sz="1400" dirty="0"/>
+                    </a:p>
+                  </a:txBody>
+                  <a:tcPr/>
+                </a:tc>
+                <a:tc>
+                  <a:txBody>
+                    <a:bodyPr/>
+                    <a:lstStyle/>
+                    <a:p>
+                      <a:pPr latinLnBrk="1"/>
+                      <a:r>
+                        <a:rPr lang="ko-KR" altLang="en-US" sz="1400" dirty="0" smtClean="0"/>
+                        <a:t>시작위치</a:t>
+                      </a:r>
+                      <a:endParaRPr lang="ko-KR" altLang="en-US" sz="1400" dirty="0"/>
+                    </a:p>
+                  </a:txBody>
+                  <a:tcPr/>
+                </a:tc>
+              </a:tr>
+              <a:tr h="243840">
+                <a:tc vMerge="1">
+                  <a:txBody>
+                    <a:bodyPr/>
+                    <a:lstStyle/>
+                    <a:p>
+                      <a:pPr latinLnBrk="1"/>
+                      <a:endParaRPr lang="ko-KR" altLang="en-US"/>
+                    </a:p>
+                  </a:txBody>
+                  <a:tcPr/>
+                </a:tc>
+                <a:tc vMerge="1">
+                  <a:txBody>
+                    <a:bodyPr/>
+                    <a:lstStyle/>
+                    <a:p>
+                      <a:pPr latinLnBrk="1"/>
+                      <a:endParaRPr lang="ko-KR" altLang="en-US"/>
+                    </a:p>
+                  </a:txBody>
+                  <a:tcPr/>
+                </a:tc>
+                <a:tc vMerge="1">
+                  <a:txBody>
+                    <a:bodyPr/>
+                    <a:lstStyle/>
+                    <a:p>
+                      <a:pPr latinLnBrk="1"/>
+                      <a:endParaRPr lang="ko-KR" altLang="en-US"/>
+                    </a:p>
+                  </a:txBody>
+                  <a:tcPr/>
+                </a:tc>
+                <a:tc>
+                  <a:txBody>
+                    <a:bodyPr/>
+                    <a:lstStyle/>
+                    <a:p>
+                      <a:pPr latinLnBrk="1"/>
+                      <a:r>
+                        <a:rPr lang="en-US" altLang="ko-KR" sz="1400" dirty="0" smtClean="0"/>
+                        <a:t>length</a:t>
+                      </a:r>
+                      <a:endParaRPr lang="ko-KR" altLang="en-US" sz="1400" dirty="0"/>
+                    </a:p>
+                  </a:txBody>
+                  <a:tcPr/>
+                </a:tc>
+                <a:tc>
+                  <a:txBody>
+                    <a:bodyPr/>
+                    <a:lstStyle/>
+                    <a:p>
+                      <a:pPr latinLnBrk="1"/>
+                      <a:r>
+                        <a:rPr lang="ko-KR" altLang="en-US" sz="1400" dirty="0" smtClean="0"/>
+                        <a:t>길이</a:t>
+                      </a:r>
+                      <a:endParaRPr lang="ko-KR" altLang="en-US" sz="1400" dirty="0"/>
+                    </a:p>
+                  </a:txBody>
+                  <a:tcPr/>
+                </a:tc>
+              </a:tr>
+              <a:tr h="182880">
+                <a:tc vMerge="1">
+                  <a:txBody>
+                    <a:bodyPr/>
+                    <a:lstStyle/>
+                    <a:p>
+                      <a:pPr latinLnBrk="1"/>
+                      <a:endParaRPr lang="ko-KR" altLang="en-US"/>
+                    </a:p>
+                  </a:txBody>
+                  <a:tcPr/>
+                </a:tc>
+                <a:tc vMerge="1">
+                  <a:txBody>
+                    <a:bodyPr/>
+                    <a:lstStyle/>
+                    <a:p>
+                      <a:pPr latinLnBrk="1"/>
+                      <a:endParaRPr lang="ko-KR" altLang="en-US"/>
+                    </a:p>
+                  </a:txBody>
+                  <a:tcPr/>
+                </a:tc>
+                <a:tc vMerge="1">
+                  <a:txBody>
+                    <a:bodyPr/>
+                    <a:lstStyle/>
+                    <a:p>
+                      <a:pPr latinLnBrk="1"/>
+                      <a:endParaRPr lang="ko-KR" altLang="en-US"/>
+                    </a:p>
+                  </a:txBody>
+                  <a:tcPr/>
+                </a:tc>
+                <a:tc>
+                  <a:txBody>
+                    <a:bodyPr/>
+                    <a:lstStyle/>
+                    <a:p>
+                      <a:pPr latinLnBrk="1"/>
+                      <a:r>
+                        <a:rPr lang="en-US" altLang="ko-KR" sz="1400" dirty="0" smtClean="0"/>
+                        <a:t>name</a:t>
+                      </a:r>
+                      <a:endParaRPr lang="ko-KR" altLang="en-US" sz="1400" dirty="0"/>
+                    </a:p>
+                  </a:txBody>
+                  <a:tcPr/>
+                </a:tc>
+                <a:tc>
+                  <a:txBody>
+                    <a:bodyPr/>
+                    <a:lstStyle/>
+                    <a:p>
+                      <a:pPr latinLnBrk="1"/>
+                      <a:r>
+                        <a:rPr lang="ko-KR" altLang="en-US" sz="1400" dirty="0" smtClean="0"/>
+                        <a:t>항목 이름</a:t>
+                      </a:r>
+                      <a:endParaRPr lang="ko-KR" altLang="en-US" sz="1400" dirty="0"/>
+                    </a:p>
+                  </a:txBody>
+                  <a:tcPr/>
+                </a:tc>
+              </a:tr>
+              <a:tr h="121920">
+                <a:tc vMerge="1">
+                  <a:txBody>
+                    <a:bodyPr/>
+                    <a:lstStyle/>
+                    <a:p>
+                      <a:pPr latinLnBrk="1"/>
+                      <a:endParaRPr lang="ko-KR" altLang="en-US"/>
+                    </a:p>
+                  </a:txBody>
+                  <a:tcPr/>
+                </a:tc>
+                <a:tc vMerge="1">
+                  <a:txBody>
+                    <a:bodyPr/>
+                    <a:lstStyle/>
+                    <a:p>
+                      <a:pPr latinLnBrk="1"/>
+                      <a:endParaRPr lang="ko-KR" altLang="en-US"/>
+                    </a:p>
+                  </a:txBody>
+                  <a:tcPr/>
+                </a:tc>
+                <a:tc vMerge="1">
+                  <a:txBody>
+                    <a:bodyPr/>
+                    <a:lstStyle/>
+                    <a:p>
+                      <a:pPr latinLnBrk="1"/>
+                      <a:endParaRPr lang="ko-KR" altLang="en-US"/>
+                    </a:p>
+                  </a:txBody>
+                  <a:tcPr/>
+                </a:tc>
+                <a:tc>
+                  <a:txBody>
+                    <a:bodyPr/>
+                    <a:lstStyle/>
+                    <a:p>
+                      <a:pPr latinLnBrk="1"/>
+                      <a:r>
+                        <a:rPr lang="en-US" altLang="ko-KR" sz="1400" dirty="0" err="1" smtClean="0"/>
+                        <a:t>padType</a:t>
+                      </a:r>
+                      <a:endParaRPr lang="ko-KR" altLang="en-US" sz="1400" dirty="0"/>
+                    </a:p>
+                  </a:txBody>
+                  <a:tcPr/>
+                </a:tc>
+                <a:tc>
+                  <a:txBody>
+                    <a:bodyPr/>
+                    <a:lstStyle/>
+                    <a:p>
+                      <a:pPr latinLnBrk="1"/>
+                      <a:r>
+                        <a:rPr lang="ko-KR" altLang="en-US" sz="1400" dirty="0" err="1" smtClean="0"/>
+                        <a:t>패딩</a:t>
+                      </a:r>
+                      <a:r>
+                        <a:rPr lang="ko-KR" altLang="en-US" sz="1400" dirty="0" smtClean="0"/>
+                        <a:t> 유형</a:t>
+                      </a:r>
+                      <a:endParaRPr lang="ko-KR" altLang="en-US" sz="1400" dirty="0"/>
+                    </a:p>
+                  </a:txBody>
+                  <a:tcPr/>
+                </a:tc>
+              </a:tr>
+              <a:tr h="0">
+                <a:tc vMerge="1">
+                  <a:txBody>
+                    <a:bodyPr/>
+                    <a:lstStyle/>
+                    <a:p>
+                      <a:pPr latinLnBrk="1"/>
+                      <a:endParaRPr lang="ko-KR" altLang="en-US"/>
+                    </a:p>
+                  </a:txBody>
+                  <a:tcPr/>
+                </a:tc>
+                <a:tc vMerge="1">
+                  <a:txBody>
+                    <a:bodyPr/>
+                    <a:lstStyle/>
+                    <a:p>
+                      <a:pPr latinLnBrk="1"/>
+                      <a:endParaRPr lang="ko-KR" altLang="en-US"/>
+                    </a:p>
+                  </a:txBody>
+                  <a:tcPr/>
+                </a:tc>
+                <a:tc vMerge="1">
+                  <a:txBody>
+                    <a:bodyPr/>
+                    <a:lstStyle/>
+                    <a:p>
+                      <a:pPr latinLnBrk="1"/>
+                      <a:endParaRPr lang="ko-KR" altLang="en-US"/>
+                    </a:p>
+                  </a:txBody>
+                  <a:tcPr/>
+                </a:tc>
+                <a:tc>
+                  <a:txBody>
+                    <a:bodyPr/>
+                    <a:lstStyle/>
+                    <a:p>
+                      <a:pPr latinLnBrk="1"/>
+                      <a:r>
+                        <a:rPr lang="en-US" altLang="ko-KR" sz="1400" dirty="0" err="1" smtClean="0"/>
+                        <a:t>padChar</a:t>
+                      </a:r>
+                      <a:endParaRPr lang="ko-KR" altLang="en-US" sz="1400" dirty="0"/>
+                    </a:p>
+                  </a:txBody>
+                  <a:tcPr/>
+                </a:tc>
+                <a:tc>
+                  <a:txBody>
+                    <a:bodyPr/>
+                    <a:lstStyle/>
+                    <a:p>
+                      <a:pPr latinLnBrk="1"/>
+                      <a:r>
+                        <a:rPr lang="ko-KR" altLang="en-US" sz="1400" dirty="0" err="1" smtClean="0"/>
+                        <a:t>패딩</a:t>
+                      </a:r>
+                      <a:r>
+                        <a:rPr lang="ko-KR" altLang="en-US" sz="1400" dirty="0" smtClean="0"/>
+                        <a:t> 문자</a:t>
+                      </a:r>
+                      <a:endParaRPr lang="ko-KR" altLang="en-US" sz="1400" dirty="0"/>
+                    </a:p>
+                  </a:txBody>
+                  <a:tcPr/>
+                </a:tc>
+              </a:tr>
+              <a:tr h="203200">
+                <a:tc vMerge="1">
+                  <a:txBody>
+                    <a:bodyPr/>
+                    <a:lstStyle/>
+                    <a:p>
+                      <a:pPr latinLnBrk="1"/>
+                      <a:endParaRPr lang="ko-KR" altLang="en-US"/>
+                    </a:p>
+                  </a:txBody>
+                  <a:tcPr/>
+                </a:tc>
+                <a:tc vMerge="1">
+                  <a:txBody>
+                    <a:bodyPr/>
+                    <a:lstStyle/>
+                    <a:p>
+                      <a:pPr latinLnBrk="1"/>
+                      <a:endParaRPr lang="ko-KR" altLang="en-US"/>
+                    </a:p>
+                  </a:txBody>
+                  <a:tcPr/>
+                </a:tc>
+                <a:tc vMerge="1">
+                  <a:txBody>
+                    <a:bodyPr/>
+                    <a:lstStyle/>
+                    <a:p>
+                      <a:pPr latinLnBrk="1"/>
+                      <a:endParaRPr lang="ko-KR" altLang="en-US"/>
+                    </a:p>
+                  </a:txBody>
+                  <a:tcPr/>
+                </a:tc>
+                <a:tc>
+                  <a:txBody>
+                    <a:bodyPr/>
+                    <a:lstStyle/>
+                    <a:p>
+                      <a:pPr latinLnBrk="1"/>
+                      <a:r>
+                        <a:rPr lang="en-US" altLang="ko-KR" sz="1400" dirty="0" smtClean="0"/>
+                        <a:t>encode</a:t>
+                      </a:r>
+                      <a:endParaRPr lang="ko-KR" altLang="en-US" sz="1400" dirty="0"/>
+                    </a:p>
+                  </a:txBody>
+                  <a:tcPr/>
+                </a:tc>
+                <a:tc>
+                  <a:txBody>
+                    <a:bodyPr/>
+                    <a:lstStyle/>
+                    <a:p>
+                      <a:pPr latinLnBrk="1"/>
+                      <a:r>
+                        <a:rPr lang="ko-KR" altLang="en-US" sz="1400" dirty="0" smtClean="0"/>
+                        <a:t>암호화 여부</a:t>
+                      </a:r>
+                      <a:endParaRPr lang="ko-KR" altLang="en-US" sz="1400" dirty="0"/>
+                    </a:p>
+                  </a:txBody>
+                  <a:tcPr/>
+                </a:tc>
+              </a:tr>
+              <a:tr h="0">
+                <a:tc vMerge="1">
+                  <a:txBody>
+                    <a:bodyPr/>
+                    <a:lstStyle/>
+                    <a:p>
+                      <a:pPr latinLnBrk="1"/>
+                      <a:endParaRPr lang="ko-KR" altLang="en-US"/>
+                    </a:p>
+                  </a:txBody>
+                  <a:tcPr/>
+                </a:tc>
+                <a:tc vMerge="1">
+                  <a:txBody>
+                    <a:bodyPr/>
+                    <a:lstStyle/>
+                    <a:p>
+                      <a:pPr latinLnBrk="1"/>
+                      <a:endParaRPr lang="ko-KR" altLang="en-US"/>
+                    </a:p>
+                  </a:txBody>
+                  <a:tcPr/>
+                </a:tc>
+                <a:tc vMerge="1">
+                  <a:txBody>
+                    <a:bodyPr/>
+                    <a:lstStyle/>
+                    <a:p>
+                      <a:pPr latinLnBrk="1"/>
+                      <a:endParaRPr lang="ko-KR" altLang="en-US"/>
+                    </a:p>
+                  </a:txBody>
+                  <a:tcPr/>
+                </a:tc>
+                <a:tc>
+                  <a:txBody>
+                    <a:bodyPr/>
+                    <a:lstStyle/>
+                    <a:p>
+                      <a:pPr latinLnBrk="1"/>
+                      <a:r>
+                        <a:rPr lang="en-US" altLang="ko-KR" sz="1400" dirty="0" smtClean="0"/>
+                        <a:t>decode</a:t>
+                      </a:r>
+                      <a:endParaRPr lang="ko-KR" altLang="en-US" sz="1400" dirty="0"/>
+                    </a:p>
+                  </a:txBody>
+                  <a:tcPr/>
+                </a:tc>
+                <a:tc>
+                  <a:txBody>
+                    <a:bodyPr/>
+                    <a:lstStyle/>
+                    <a:p>
+                      <a:pPr latinLnBrk="1"/>
+                      <a:r>
+                        <a:rPr lang="ko-KR" altLang="en-US" sz="1400" dirty="0" err="1" smtClean="0"/>
+                        <a:t>복호화</a:t>
+                      </a:r>
+                      <a:r>
+                        <a:rPr lang="ko-KR" altLang="en-US" sz="1400" dirty="0" smtClean="0"/>
+                        <a:t> 여부</a:t>
+                      </a:r>
+                      <a:endParaRPr lang="ko-KR" altLang="en-US" sz="1400" dirty="0"/>
+                    </a:p>
+                  </a:txBody>
+                  <a:tcPr/>
+                </a:tc>
+              </a:tr>
+              <a:tr h="159506">
+                <a:tc vMerge="1">
+                  <a:txBody>
+                    <a:bodyPr/>
+                    <a:lstStyle/>
+                    <a:p>
+                      <a:pPr latinLnBrk="1"/>
+                      <a:endParaRPr lang="ko-KR" altLang="en-US"/>
+                    </a:p>
+                  </a:txBody>
+                  <a:tcPr/>
+                </a:tc>
+                <a:tc>
+                  <a:txBody>
+                    <a:bodyPr/>
+                    <a:lstStyle/>
+                    <a:p>
+                      <a:pPr latinLnBrk="1"/>
+                      <a:r>
+                        <a:rPr lang="en-US" altLang="ko-KR" sz="1400" dirty="0" smtClean="0"/>
+                        <a:t>body</a:t>
+                      </a:r>
+                      <a:endParaRPr lang="ko-KR" altLang="en-US" sz="1400" dirty="0"/>
+                    </a:p>
+                  </a:txBody>
+                  <a:tcPr/>
+                </a:tc>
+                <a:tc>
+                  <a:txBody>
+                    <a:bodyPr/>
+                    <a:lstStyle/>
+                    <a:p>
+                      <a:pPr latinLnBrk="1"/>
+                      <a:r>
+                        <a:rPr lang="en-US" altLang="ko-KR" sz="1400" dirty="0" smtClean="0"/>
+                        <a:t>field (*)</a:t>
+                      </a:r>
+                      <a:endParaRPr lang="ko-KR" altLang="en-US" sz="1400" dirty="0"/>
+                    </a:p>
+                  </a:txBody>
+                  <a:tcPr/>
+                </a:tc>
+                <a:tc gridSpan="2">
+                  <a:txBody>
+                    <a:bodyPr/>
+                    <a:lstStyle/>
+                    <a:p>
+                      <a:pPr marL="0" marR="0" indent="0" algn="l" defTabSz="914400" rtl="0" eaLnBrk="1" fontAlgn="auto" latinLnBrk="1" hangingPunct="1">
+                        <a:lnSpc>
+                          <a:spcPct val="100000"/>
+                        </a:lnSpc>
+                        <a:spcBef>
+                          <a:spcPts val="0"/>
+                        </a:spcBef>
+                        <a:spcAft>
+                          <a:spcPts val="0"/>
+                        </a:spcAft>
+                        <a:buClrTx/>
+                        <a:buSzTx/>
+                        <a:buFontTx/>
+                        <a:buNone/>
+                        <a:tabLst/>
+                        <a:defRPr/>
+                      </a:pPr>
+                      <a:r>
+                        <a:rPr lang="ko-KR" altLang="en-US" sz="1400" dirty="0" smtClean="0"/>
+                        <a:t>상동</a:t>
+                      </a:r>
+                      <a:endParaRPr lang="ko-KR" altLang="en-US" sz="1400" dirty="0"/>
+                    </a:p>
+                  </a:txBody>
+                  <a:tcPr/>
+                </a:tc>
+                <a:tc hMerge="1">
+                  <a:txBody>
+                    <a:bodyPr/>
+                    <a:lstStyle/>
+                    <a:p>
+                      <a:pPr latinLnBrk="1"/>
+                      <a:endParaRPr lang="ko-KR" altLang="en-US"/>
+                    </a:p>
+                  </a:txBody>
+                  <a:tcPr/>
+                </a:tc>
+              </a:tr>
+              <a:tr h="0">
+                <a:tc vMerge="1">
+                  <a:txBody>
+                    <a:bodyPr/>
+                    <a:lstStyle/>
+                    <a:p>
+                      <a:pPr latinLnBrk="1"/>
+                      <a:endParaRPr lang="ko-KR" altLang="en-US"/>
+                    </a:p>
+                  </a:txBody>
+                  <a:tcPr/>
+                </a:tc>
+                <a:tc>
+                  <a:txBody>
+                    <a:bodyPr/>
+                    <a:lstStyle/>
+                    <a:p>
+                      <a:pPr latinLnBrk="1"/>
+                      <a:r>
+                        <a:rPr lang="en-US" altLang="ko-KR" sz="1400" dirty="0" smtClean="0"/>
+                        <a:t>tail</a:t>
+                      </a:r>
+                      <a:endParaRPr lang="ko-KR" altLang="en-US" sz="1400" dirty="0"/>
+                    </a:p>
+                  </a:txBody>
+                  <a:tcPr/>
+                </a:tc>
+                <a:tc>
+                  <a:txBody>
+                    <a:bodyPr/>
+                    <a:lstStyle/>
+                    <a:p>
+                      <a:pPr latinLnBrk="1"/>
+                      <a:r>
+                        <a:rPr lang="en-US" altLang="ko-KR" sz="1400" dirty="0" smtClean="0"/>
+                        <a:t>field (*)</a:t>
+                      </a:r>
+                      <a:endParaRPr lang="ko-KR" altLang="en-US" sz="1400" dirty="0"/>
+                    </a:p>
+                  </a:txBody>
+                  <a:tcPr/>
+                </a:tc>
+                <a:tc gridSpan="2">
+                  <a:txBody>
+                    <a:bodyPr/>
+                    <a:lstStyle/>
+                    <a:p>
+                      <a:pPr marL="0" marR="0" indent="0" algn="l" defTabSz="914400" rtl="0" eaLnBrk="1" fontAlgn="auto" latinLnBrk="1" hangingPunct="1">
+                        <a:lnSpc>
+                          <a:spcPct val="100000"/>
+                        </a:lnSpc>
+                        <a:spcBef>
+                          <a:spcPts val="0"/>
+                        </a:spcBef>
+                        <a:spcAft>
+                          <a:spcPts val="0"/>
+                        </a:spcAft>
+                        <a:buClrTx/>
+                        <a:buSzTx/>
+                        <a:buFontTx/>
+                        <a:buNone/>
+                        <a:tabLst/>
+                        <a:defRPr/>
+                      </a:pPr>
+                      <a:r>
+                        <a:rPr lang="ko-KR" altLang="en-US" sz="1400" dirty="0" smtClean="0"/>
+                        <a:t>상동</a:t>
+                      </a:r>
+                    </a:p>
+                  </a:txBody>
+                  <a:tcPr/>
+                </a:tc>
+                <a:tc hMerge="1">
+                  <a:txBody>
+                    <a:bodyPr/>
+                    <a:lstStyle/>
+                    <a:p>
+                      <a:pPr latinLnBrk="1"/>
+                      <a:endParaRPr lang="ko-KR" altLang="en-US"/>
+                    </a:p>
+                  </a:txBody>
+                  <a:tcPr/>
+                </a:tc>
+              </a:tr>
+            </a:tbl>
+          </a:graphicData>
+        </a:graphic>
+      </p:graphicFrame>
+    </p:spTree>
+    <p:extLst>
+      <p:ext uri="{BB962C8B-B14F-4D97-AF65-F5344CB8AC3E}">
+        <p14:creationId xmlns:p14="http://schemas.microsoft.com/office/powerpoint/2010/main" val="2086501921"/>
+      </p:ext>
+    </p:extLst>
+  </p:cSld>
+  <p:clrMapOvr>
+    <a:masterClrMapping/>
+  </p:clrMapOvr>
+  <p:timing>
+    <p:tnLst>
+      <p:par>
+        <p:cTn id="1" dur="indefinite" restart="never" nodeType="tmRoot"/>
+      </p:par>
+    </p:tnLst>
+  </p:timing>
+</p:sld>
+</file>
+
+<file path=ppt/slides/slide6.xml><?xml version="1.0" encoding="utf-8"?>
+<p:sld xmlns:a="http://schemas.openxmlformats.org/drawingml/2006/main" xmlns:r="http://schemas.openxmlformats.org/officeDocument/2006/relationships" xmlns:p="http://schemas.openxmlformats.org/presentationml/2006/main">
+  <p:cSld>
+    <p:spTree>
+      <p:nvGrpSpPr>
+        <p:cNvPr id="1" name=""/>
+        <p:cNvGrpSpPr/>
+        <p:nvPr/>
+      </p:nvGrpSpPr>
+      <p:grpSpPr>
+        <a:xfrm>
+          <a:off x="0" y="0"/>
+          <a:ext cx="0" cy="0"/>
+          <a:chOff x="0" y="0"/>
+          <a:chExt cx="0" cy="0"/>
+        </a:xfrm>
+      </p:grpSpPr>
+      <p:graphicFrame>
+        <p:nvGraphicFramePr>
+          <p:cNvPr id="4" name="표 3"/>
+          <p:cNvGraphicFramePr>
+            <a:graphicFrameLocks noGrp="1"/>
+          </p:cNvGraphicFramePr>
+          <p:nvPr>
+            <p:extLst>
+              <p:ext uri="{D42A27DB-BD31-4B8C-83A1-F6EECF244321}">
+                <p14:modId xmlns:p14="http://schemas.microsoft.com/office/powerpoint/2010/main" val="1077807343"/>
+              </p:ext>
+            </p:extLst>
+          </p:nvPr>
+        </p:nvGraphicFramePr>
+        <p:xfrm>
+          <a:off x="576424" y="598370"/>
+          <a:ext cx="11236132" cy="4267200"/>
+        </p:xfrm>
+        <a:graphic>
+          <a:graphicData uri="http://schemas.openxmlformats.org/drawingml/2006/table">
+            <a:tbl>
+              <a:tblPr firstRow="1" bandRow="1">
+                <a:tableStyleId>{5C22544A-7EE6-4342-B048-85BDC9FD1C3A}</a:tableStyleId>
+              </a:tblPr>
+              <a:tblGrid>
+                <a:gridCol w="2232090"/>
+                <a:gridCol w="2629332"/>
+                <a:gridCol w="2629332"/>
+                <a:gridCol w="1872689"/>
+                <a:gridCol w="1872689"/>
+              </a:tblGrid>
+              <a:tr h="0">
+                <a:tc rowSpan="14">
+                  <a:txBody>
+                    <a:bodyPr/>
+                    <a:lstStyle/>
+                    <a:p>
+                      <a:pPr latinLnBrk="1"/>
+                      <a:r>
+                        <a:rPr lang="en-US" altLang="ko-KR" sz="3600" dirty="0" smtClean="0"/>
+                        <a:t>response</a:t>
+                      </a:r>
+                    </a:p>
+                    <a:p>
+                      <a:pPr marL="0" marR="0" indent="0" algn="l" defTabSz="914400" rtl="0" eaLnBrk="1" fontAlgn="auto" latinLnBrk="1" hangingPunct="1">
+                        <a:lnSpc>
+                          <a:spcPct val="100000"/>
+                        </a:lnSpc>
+                        <a:spcBef>
+                          <a:spcPts val="0"/>
+                        </a:spcBef>
+                        <a:spcAft>
+                          <a:spcPts val="0"/>
+                        </a:spcAft>
+                        <a:buClrTx/>
+                        <a:buSzTx/>
+                        <a:buFontTx/>
+                        <a:buNone/>
+                        <a:tabLst/>
+                        <a:defRPr/>
+                      </a:pPr>
+                      <a:r>
+                        <a:rPr lang="en-US" altLang="ko-KR" sz="1800" dirty="0" smtClean="0"/>
+                        <a:t>(request</a:t>
+                      </a:r>
+                      <a:r>
+                        <a:rPr lang="en-US" altLang="ko-KR" sz="1800" baseline="0" dirty="0" smtClean="0"/>
+                        <a:t> </a:t>
+                      </a:r>
+                      <a:r>
+                        <a:rPr lang="ko-KR" altLang="en-US" sz="1800" baseline="0" dirty="0" smtClean="0"/>
+                        <a:t>와</a:t>
+                      </a:r>
+                      <a:r>
+                        <a:rPr lang="en-US" altLang="ko-KR" sz="1800" baseline="0" dirty="0" smtClean="0"/>
+                        <a:t> </a:t>
+                      </a:r>
+                      <a:r>
+                        <a:rPr lang="ko-KR" altLang="en-US" sz="1800" baseline="0" dirty="0" smtClean="0"/>
+                        <a:t>동일</a:t>
+                      </a:r>
+                      <a:r>
+                        <a:rPr lang="en-US" altLang="ko-KR" sz="1800" baseline="0" dirty="0" smtClean="0"/>
+                        <a:t>)</a:t>
+                      </a:r>
+                      <a:endParaRPr lang="ko-KR" altLang="en-US" sz="1800" dirty="0" smtClean="0"/>
+                    </a:p>
+                    <a:p>
+                      <a:pPr latinLnBrk="1"/>
+                      <a:endParaRPr lang="ko-KR" altLang="en-US" sz="3600" dirty="0"/>
+                    </a:p>
+                  </a:txBody>
+                  <a:tcPr/>
+                </a:tc>
+                <a:tc>
+                  <a:txBody>
+                    <a:bodyPr/>
+                    <a:lstStyle/>
+                    <a:p>
+                      <a:pPr latinLnBrk="1"/>
+                      <a:r>
+                        <a:rPr lang="en-US" altLang="ko-KR" sz="1400" dirty="0" smtClean="0"/>
+                        <a:t>repeat</a:t>
+                      </a:r>
+                      <a:endParaRPr lang="ko-KR" altLang="en-US" sz="1400" dirty="0"/>
+                    </a:p>
+                  </a:txBody>
+                  <a:tcPr/>
+                </a:tc>
+                <a:tc>
+                  <a:txBody>
+                    <a:bodyPr/>
+                    <a:lstStyle/>
+                    <a:p>
+                      <a:pPr latinLnBrk="1"/>
+                      <a:endParaRPr lang="ko-KR" altLang="en-US" sz="1400" dirty="0"/>
+                    </a:p>
+                  </a:txBody>
+                  <a:tcPr/>
+                </a:tc>
+                <a:tc gridSpan="2">
+                  <a:txBody>
+                    <a:bodyPr/>
+                    <a:lstStyle/>
+                    <a:p>
+                      <a:pPr latinLnBrk="1"/>
+                      <a:r>
+                        <a:rPr lang="ko-KR" altLang="en-US" sz="1400" dirty="0" smtClean="0"/>
+                        <a:t>반복 여부</a:t>
+                      </a:r>
+                      <a:endParaRPr lang="ko-KR" altLang="en-US" sz="1400" dirty="0"/>
+                    </a:p>
+                  </a:txBody>
+                  <a:tcPr/>
+                </a:tc>
+                <a:tc hMerge="1">
+                  <a:txBody>
+                    <a:bodyPr/>
+                    <a:lstStyle/>
+                    <a:p>
+                      <a:pPr latinLnBrk="1"/>
+                      <a:endParaRPr lang="ko-KR" altLang="en-US"/>
+                    </a:p>
+                  </a:txBody>
+                  <a:tcPr/>
+                </a:tc>
+              </a:tr>
+              <a:tr h="254000">
+                <a:tc vMerge="1">
+                  <a:txBody>
+                    <a:bodyPr/>
+                    <a:lstStyle/>
+                    <a:p>
+                      <a:pPr latinLnBrk="1"/>
+                      <a:endParaRPr lang="ko-KR" altLang="en-US"/>
+                    </a:p>
+                  </a:txBody>
+                  <a:tcPr/>
+                </a:tc>
+                <a:tc>
+                  <a:txBody>
+                    <a:bodyPr/>
+                    <a:lstStyle/>
+                    <a:p>
+                      <a:pPr latinLnBrk="1"/>
+                      <a:r>
+                        <a:rPr lang="en-US" altLang="ko-KR" sz="1400" dirty="0" err="1" smtClean="0"/>
+                        <a:t>repeatVariable</a:t>
+                      </a:r>
+                      <a:endParaRPr lang="ko-KR" altLang="en-US" sz="1400" dirty="0"/>
+                    </a:p>
+                  </a:txBody>
+                  <a:tcPr/>
+                </a:tc>
+                <a:tc>
+                  <a:txBody>
+                    <a:bodyPr/>
+                    <a:lstStyle/>
+                    <a:p>
+                      <a:pPr latinLnBrk="1"/>
+                      <a:endParaRPr lang="ko-KR" altLang="en-US" sz="1400" dirty="0"/>
+                    </a:p>
+                  </a:txBody>
+                  <a:tcPr/>
+                </a:tc>
+                <a:tc gridSpan="2">
+                  <a:txBody>
+                    <a:bodyPr/>
+                    <a:lstStyle/>
+                    <a:p>
+                      <a:pPr latinLnBrk="1"/>
+                      <a:r>
+                        <a:rPr lang="ko-KR" altLang="en-US" sz="1400" dirty="0" smtClean="0"/>
+                        <a:t>반복 횟수 변수 이름</a:t>
+                      </a:r>
+                      <a:endParaRPr lang="ko-KR" altLang="en-US" sz="1400" dirty="0"/>
+                    </a:p>
+                  </a:txBody>
+                  <a:tcPr/>
+                </a:tc>
+                <a:tc hMerge="1">
+                  <a:txBody>
+                    <a:bodyPr/>
+                    <a:lstStyle/>
+                    <a:p>
+                      <a:pPr latinLnBrk="1"/>
+                      <a:endParaRPr lang="ko-KR" altLang="en-US"/>
+                    </a:p>
+                  </a:txBody>
+                  <a:tcPr/>
+                </a:tc>
+              </a:tr>
+              <a:tr h="203200">
+                <a:tc vMerge="1">
+                  <a:txBody>
+                    <a:bodyPr/>
+                    <a:lstStyle/>
+                    <a:p>
+                      <a:pPr latinLnBrk="1"/>
+                      <a:endParaRPr lang="ko-KR" altLang="en-US"/>
+                    </a:p>
+                  </a:txBody>
+                  <a:tcPr/>
+                </a:tc>
+                <a:tc>
+                  <a:txBody>
+                    <a:bodyPr/>
+                    <a:lstStyle/>
+                    <a:p>
+                      <a:pPr latinLnBrk="1"/>
+                      <a:r>
+                        <a:rPr lang="en-US" altLang="ko-KR" sz="1400" dirty="0" err="1" smtClean="0"/>
+                        <a:t>transferType</a:t>
+                      </a:r>
+                      <a:endParaRPr lang="ko-KR" altLang="en-US" sz="1400" dirty="0"/>
+                    </a:p>
+                  </a:txBody>
+                  <a:tcPr/>
+                </a:tc>
+                <a:tc>
+                  <a:txBody>
+                    <a:bodyPr/>
+                    <a:lstStyle/>
+                    <a:p>
+                      <a:pPr latinLnBrk="1"/>
+                      <a:endParaRPr lang="ko-KR" altLang="en-US" sz="1400" dirty="0"/>
+                    </a:p>
+                  </a:txBody>
+                  <a:tcPr/>
+                </a:tc>
+                <a:tc gridSpan="2">
+                  <a:txBody>
+                    <a:bodyPr/>
+                    <a:lstStyle/>
+                    <a:p>
+                      <a:pPr latinLnBrk="1"/>
+                      <a:r>
+                        <a:rPr lang="en-US" altLang="ko-KR" sz="1400" dirty="0" smtClean="0"/>
+                        <a:t>VO </a:t>
+                      </a:r>
+                      <a:r>
+                        <a:rPr lang="ko-KR" altLang="en-US" sz="1400" dirty="0" smtClean="0"/>
+                        <a:t>사용시 </a:t>
+                      </a:r>
+                      <a:r>
+                        <a:rPr lang="en-US" altLang="ko-KR" sz="1400" dirty="0" smtClean="0"/>
+                        <a:t>( </a:t>
+                      </a:r>
+                      <a:r>
+                        <a:rPr lang="ko-KR" altLang="en-US" sz="1400" dirty="0" err="1" smtClean="0"/>
+                        <a:t>사용안함</a:t>
+                      </a:r>
+                      <a:r>
+                        <a:rPr lang="ko-KR" altLang="en-US" sz="1400" dirty="0" smtClean="0"/>
+                        <a:t> </a:t>
+                      </a:r>
+                      <a:r>
+                        <a:rPr lang="en-US" altLang="ko-KR" sz="1400" dirty="0" smtClean="0"/>
+                        <a:t>)</a:t>
+                      </a:r>
+                      <a:endParaRPr lang="ko-KR" altLang="en-US" sz="1400" dirty="0"/>
+                    </a:p>
+                  </a:txBody>
+                  <a:tcPr/>
+                </a:tc>
+                <a:tc hMerge="1">
+                  <a:txBody>
+                    <a:bodyPr/>
+                    <a:lstStyle/>
+                    <a:p>
+                      <a:pPr latinLnBrk="1"/>
+                      <a:endParaRPr lang="ko-KR" altLang="en-US"/>
+                    </a:p>
+                  </a:txBody>
+                  <a:tcPr/>
+                </a:tc>
+              </a:tr>
+              <a:tr h="152400">
+                <a:tc vMerge="1">
+                  <a:txBody>
+                    <a:bodyPr/>
+                    <a:lstStyle/>
+                    <a:p>
+                      <a:pPr latinLnBrk="1"/>
+                      <a:endParaRPr lang="ko-KR" altLang="en-US"/>
+                    </a:p>
+                  </a:txBody>
+                  <a:tcPr/>
+                </a:tc>
+                <a:tc>
+                  <a:txBody>
+                    <a:bodyPr/>
+                    <a:lstStyle/>
+                    <a:p>
+                      <a:pPr latinLnBrk="1"/>
+                      <a:r>
+                        <a:rPr lang="en-US" altLang="ko-KR" sz="1400" dirty="0" err="1" smtClean="0"/>
+                        <a:t>securityClass</a:t>
+                      </a:r>
+                      <a:endParaRPr lang="ko-KR" altLang="en-US" sz="1400" dirty="0"/>
+                    </a:p>
+                  </a:txBody>
+                  <a:tcPr/>
+                </a:tc>
+                <a:tc>
+                  <a:txBody>
+                    <a:bodyPr/>
+                    <a:lstStyle/>
+                    <a:p>
+                      <a:pPr latinLnBrk="1"/>
+                      <a:endParaRPr lang="ko-KR" altLang="en-US" sz="1400" dirty="0"/>
+                    </a:p>
+                  </a:txBody>
+                  <a:tcPr/>
+                </a:tc>
+                <a:tc gridSpan="2">
+                  <a:txBody>
+                    <a:bodyPr/>
+                    <a:lstStyle/>
+                    <a:p>
+                      <a:pPr latinLnBrk="1"/>
+                      <a:r>
+                        <a:rPr lang="ko-KR" altLang="en-US" sz="1400" dirty="0" smtClean="0"/>
+                        <a:t>암</a:t>
+                      </a:r>
+                      <a:r>
+                        <a:rPr lang="en-US" altLang="ko-KR" sz="1400" dirty="0" smtClean="0"/>
+                        <a:t>/</a:t>
+                      </a:r>
+                      <a:r>
+                        <a:rPr lang="ko-KR" altLang="en-US" sz="1400" dirty="0" err="1" smtClean="0"/>
+                        <a:t>복호화</a:t>
+                      </a:r>
+                      <a:r>
+                        <a:rPr lang="ko-KR" altLang="en-US" sz="1400" dirty="0" smtClean="0"/>
+                        <a:t> 클래스</a:t>
+                      </a:r>
+                      <a:endParaRPr lang="ko-KR" altLang="en-US" sz="1400" dirty="0"/>
+                    </a:p>
+                  </a:txBody>
+                  <a:tcPr/>
+                </a:tc>
+                <a:tc hMerge="1">
+                  <a:txBody>
+                    <a:bodyPr/>
+                    <a:lstStyle/>
+                    <a:p>
+                      <a:pPr latinLnBrk="1"/>
+                      <a:endParaRPr lang="ko-KR" altLang="en-US"/>
+                    </a:p>
+                  </a:txBody>
+                  <a:tcPr/>
+                </a:tc>
+              </a:tr>
+              <a:tr h="0">
+                <a:tc vMerge="1">
+                  <a:txBody>
+                    <a:bodyPr/>
+                    <a:lstStyle/>
+                    <a:p>
+                      <a:pPr latinLnBrk="1"/>
+                      <a:endParaRPr lang="ko-KR" altLang="en-US"/>
+                    </a:p>
+                  </a:txBody>
+                  <a:tcPr/>
+                </a:tc>
+                <a:tc>
+                  <a:txBody>
+                    <a:bodyPr/>
+                    <a:lstStyle/>
+                    <a:p>
+                      <a:pPr latinLnBrk="1"/>
+                      <a:r>
+                        <a:rPr lang="en-US" altLang="ko-KR" sz="1400" dirty="0" smtClean="0"/>
+                        <a:t>path</a:t>
+                      </a:r>
+                      <a:endParaRPr lang="ko-KR" altLang="en-US" sz="1400" dirty="0"/>
+                    </a:p>
+                  </a:txBody>
+                  <a:tcPr/>
+                </a:tc>
+                <a:tc>
+                  <a:txBody>
+                    <a:bodyPr/>
+                    <a:lstStyle/>
+                    <a:p>
+                      <a:pPr latinLnBrk="1"/>
+                      <a:endParaRPr lang="ko-KR" altLang="en-US" sz="1400" dirty="0"/>
+                    </a:p>
+                  </a:txBody>
+                  <a:tcPr/>
+                </a:tc>
+                <a:tc gridSpan="2">
+                  <a:txBody>
+                    <a:bodyPr/>
+                    <a:lstStyle/>
+                    <a:p>
+                      <a:pPr latinLnBrk="1"/>
+                      <a:r>
+                        <a:rPr lang="ko-KR" altLang="en-US" sz="1400" dirty="0" smtClean="0"/>
+                        <a:t>저장 위치 </a:t>
+                      </a:r>
+                      <a:r>
+                        <a:rPr lang="en-US" altLang="ko-KR" sz="1400" dirty="0" smtClean="0"/>
+                        <a:t>( </a:t>
+                      </a:r>
+                      <a:r>
+                        <a:rPr lang="ko-KR" altLang="en-US" sz="1400" dirty="0" err="1" smtClean="0"/>
+                        <a:t>사용안함</a:t>
+                      </a:r>
+                      <a:r>
+                        <a:rPr lang="ko-KR" altLang="en-US" sz="1400" dirty="0" smtClean="0"/>
+                        <a:t> </a:t>
+                      </a:r>
+                      <a:r>
+                        <a:rPr lang="en-US" altLang="ko-KR" sz="1400" dirty="0" smtClean="0"/>
+                        <a:t>)</a:t>
+                      </a:r>
+                      <a:endParaRPr lang="ko-KR" altLang="en-US" sz="1400" dirty="0"/>
+                    </a:p>
+                  </a:txBody>
+                  <a:tcPr/>
+                </a:tc>
+                <a:tc hMerge="1">
+                  <a:txBody>
+                    <a:bodyPr/>
+                    <a:lstStyle/>
+                    <a:p>
+                      <a:pPr latinLnBrk="1"/>
+                      <a:endParaRPr lang="ko-KR" altLang="en-US"/>
+                    </a:p>
+                  </a:txBody>
+                  <a:tcPr/>
+                </a:tc>
+              </a:tr>
+              <a:tr h="0">
+                <a:tc vMerge="1">
+                  <a:txBody>
+                    <a:bodyPr/>
+                    <a:lstStyle/>
+                    <a:p>
+                      <a:pPr latinLnBrk="1"/>
+                      <a:endParaRPr lang="ko-KR" altLang="en-US"/>
+                    </a:p>
+                  </a:txBody>
+                  <a:tcPr/>
+                </a:tc>
+                <a:tc rowSpan="7">
+                  <a:txBody>
+                    <a:bodyPr/>
+                    <a:lstStyle/>
+                    <a:p>
+                      <a:pPr latinLnBrk="1"/>
+                      <a:r>
+                        <a:rPr lang="en-US" altLang="ko-KR" sz="1400" dirty="0" smtClean="0"/>
+                        <a:t>header</a:t>
+                      </a:r>
+                      <a:endParaRPr lang="ko-KR" altLang="en-US" sz="1400" dirty="0"/>
+                    </a:p>
+                  </a:txBody>
+                  <a:tcPr/>
+                </a:tc>
+                <a:tc rowSpan="7">
+                  <a:txBody>
+                    <a:bodyPr/>
+                    <a:lstStyle/>
+                    <a:p>
+                      <a:pPr latinLnBrk="1"/>
+                      <a:r>
+                        <a:rPr lang="en-US" altLang="ko-KR" sz="1400" dirty="0" smtClean="0"/>
+                        <a:t>field (*)</a:t>
+                      </a:r>
+                      <a:endParaRPr lang="ko-KR" altLang="en-US" sz="1400" dirty="0"/>
+                    </a:p>
+                  </a:txBody>
+                  <a:tcPr/>
+                </a:tc>
+                <a:tc>
+                  <a:txBody>
+                    <a:bodyPr/>
+                    <a:lstStyle/>
+                    <a:p>
+                      <a:pPr latinLnBrk="1"/>
+                      <a:r>
+                        <a:rPr lang="en-US" altLang="ko-KR" sz="1400" dirty="0" smtClean="0"/>
+                        <a:t>start</a:t>
+                      </a:r>
+                      <a:endParaRPr lang="ko-KR" altLang="en-US" sz="1400" dirty="0"/>
+                    </a:p>
+                  </a:txBody>
+                  <a:tcPr/>
+                </a:tc>
+                <a:tc>
+                  <a:txBody>
+                    <a:bodyPr/>
+                    <a:lstStyle/>
+                    <a:p>
+                      <a:pPr latinLnBrk="1"/>
+                      <a:r>
+                        <a:rPr lang="ko-KR" altLang="en-US" sz="1400" dirty="0" smtClean="0"/>
+                        <a:t>시작위치</a:t>
+                      </a:r>
+                      <a:endParaRPr lang="ko-KR" altLang="en-US" sz="1400" dirty="0"/>
+                    </a:p>
+                  </a:txBody>
+                  <a:tcPr/>
+                </a:tc>
+              </a:tr>
+              <a:tr h="243840">
+                <a:tc vMerge="1">
+                  <a:txBody>
+                    <a:bodyPr/>
+                    <a:lstStyle/>
+                    <a:p>
+                      <a:pPr latinLnBrk="1"/>
+                      <a:endParaRPr lang="ko-KR" altLang="en-US"/>
+                    </a:p>
+                  </a:txBody>
+                  <a:tcPr/>
+                </a:tc>
+                <a:tc vMerge="1">
+                  <a:txBody>
+                    <a:bodyPr/>
+                    <a:lstStyle/>
+                    <a:p>
+                      <a:pPr latinLnBrk="1"/>
+                      <a:endParaRPr lang="ko-KR" altLang="en-US"/>
+                    </a:p>
+                  </a:txBody>
+                  <a:tcPr/>
+                </a:tc>
+                <a:tc vMerge="1">
+                  <a:txBody>
+                    <a:bodyPr/>
+                    <a:lstStyle/>
+                    <a:p>
+                      <a:pPr latinLnBrk="1"/>
+                      <a:endParaRPr lang="ko-KR" altLang="en-US"/>
+                    </a:p>
+                  </a:txBody>
+                  <a:tcPr/>
+                </a:tc>
+                <a:tc>
+                  <a:txBody>
+                    <a:bodyPr/>
+                    <a:lstStyle/>
+                    <a:p>
+                      <a:pPr latinLnBrk="1"/>
+                      <a:r>
+                        <a:rPr lang="en-US" altLang="ko-KR" sz="1400" dirty="0" smtClean="0"/>
+                        <a:t>length</a:t>
+                      </a:r>
+                      <a:endParaRPr lang="ko-KR" altLang="en-US" sz="1400" dirty="0"/>
+                    </a:p>
+                  </a:txBody>
+                  <a:tcPr/>
+                </a:tc>
+                <a:tc>
+                  <a:txBody>
+                    <a:bodyPr/>
+                    <a:lstStyle/>
+                    <a:p>
+                      <a:pPr latinLnBrk="1"/>
+                      <a:r>
+                        <a:rPr lang="ko-KR" altLang="en-US" sz="1400" dirty="0" smtClean="0"/>
+                        <a:t>길이</a:t>
+                      </a:r>
+                      <a:endParaRPr lang="ko-KR" altLang="en-US" sz="1400" dirty="0"/>
+                    </a:p>
+                  </a:txBody>
+                  <a:tcPr/>
+                </a:tc>
+              </a:tr>
+              <a:tr h="182880">
+                <a:tc vMerge="1">
+                  <a:txBody>
+                    <a:bodyPr/>
+                    <a:lstStyle/>
+                    <a:p>
+                      <a:pPr latinLnBrk="1"/>
+                      <a:endParaRPr lang="ko-KR" altLang="en-US"/>
+                    </a:p>
+                  </a:txBody>
+                  <a:tcPr/>
+                </a:tc>
+                <a:tc vMerge="1">
+                  <a:txBody>
+                    <a:bodyPr/>
+                    <a:lstStyle/>
+                    <a:p>
+                      <a:pPr latinLnBrk="1"/>
+                      <a:endParaRPr lang="ko-KR" altLang="en-US"/>
+                    </a:p>
+                  </a:txBody>
+                  <a:tcPr/>
+                </a:tc>
+                <a:tc vMerge="1">
+                  <a:txBody>
+                    <a:bodyPr/>
+                    <a:lstStyle/>
+                    <a:p>
+                      <a:pPr latinLnBrk="1"/>
+                      <a:endParaRPr lang="ko-KR" altLang="en-US"/>
+                    </a:p>
+                  </a:txBody>
+                  <a:tcPr/>
+                </a:tc>
+                <a:tc>
+                  <a:txBody>
+                    <a:bodyPr/>
+                    <a:lstStyle/>
+                    <a:p>
+                      <a:pPr latinLnBrk="1"/>
+                      <a:r>
+                        <a:rPr lang="en-US" altLang="ko-KR" sz="1400" dirty="0" smtClean="0"/>
+                        <a:t>name</a:t>
+                      </a:r>
+                      <a:endParaRPr lang="ko-KR" altLang="en-US" sz="1400" dirty="0"/>
+                    </a:p>
+                  </a:txBody>
+                  <a:tcPr/>
+                </a:tc>
+                <a:tc>
+                  <a:txBody>
+                    <a:bodyPr/>
+                    <a:lstStyle/>
+                    <a:p>
+                      <a:pPr latinLnBrk="1"/>
+                      <a:r>
+                        <a:rPr lang="ko-KR" altLang="en-US" sz="1400" dirty="0" smtClean="0"/>
+                        <a:t>항목 이름</a:t>
+                      </a:r>
+                      <a:endParaRPr lang="ko-KR" altLang="en-US" sz="1400" dirty="0"/>
+                    </a:p>
+                  </a:txBody>
+                  <a:tcPr/>
+                </a:tc>
+              </a:tr>
+              <a:tr h="121920">
+                <a:tc vMerge="1">
+                  <a:txBody>
+                    <a:bodyPr/>
+                    <a:lstStyle/>
+                    <a:p>
+                      <a:pPr latinLnBrk="1"/>
+                      <a:endParaRPr lang="ko-KR" altLang="en-US"/>
+                    </a:p>
+                  </a:txBody>
+                  <a:tcPr/>
+                </a:tc>
+                <a:tc vMerge="1">
+                  <a:txBody>
+                    <a:bodyPr/>
+                    <a:lstStyle/>
+                    <a:p>
+                      <a:pPr latinLnBrk="1"/>
+                      <a:endParaRPr lang="ko-KR" altLang="en-US"/>
+                    </a:p>
+                  </a:txBody>
+                  <a:tcPr/>
+                </a:tc>
+                <a:tc vMerge="1">
+                  <a:txBody>
+                    <a:bodyPr/>
+                    <a:lstStyle/>
+                    <a:p>
+                      <a:pPr latinLnBrk="1"/>
+                      <a:endParaRPr lang="ko-KR" altLang="en-US"/>
+                    </a:p>
+                  </a:txBody>
+                  <a:tcPr/>
+                </a:tc>
+                <a:tc>
+                  <a:txBody>
+                    <a:bodyPr/>
+                    <a:lstStyle/>
+                    <a:p>
+                      <a:pPr latinLnBrk="1"/>
+                      <a:r>
+                        <a:rPr lang="en-US" altLang="ko-KR" sz="1400" dirty="0" err="1" smtClean="0"/>
+                        <a:t>padType</a:t>
+                      </a:r>
+                      <a:endParaRPr lang="ko-KR" altLang="en-US" sz="1400" dirty="0"/>
+                    </a:p>
+                  </a:txBody>
+                  <a:tcPr/>
+                </a:tc>
+                <a:tc>
+                  <a:txBody>
+                    <a:bodyPr/>
+                    <a:lstStyle/>
+                    <a:p>
+                      <a:pPr latinLnBrk="1"/>
+                      <a:r>
+                        <a:rPr lang="ko-KR" altLang="en-US" sz="1400" dirty="0" err="1" smtClean="0"/>
+                        <a:t>패딩</a:t>
+                      </a:r>
+                      <a:r>
+                        <a:rPr lang="ko-KR" altLang="en-US" sz="1400" dirty="0" smtClean="0"/>
+                        <a:t> 유형</a:t>
+                      </a:r>
+                      <a:endParaRPr lang="ko-KR" altLang="en-US" sz="1400" dirty="0"/>
+                    </a:p>
+                  </a:txBody>
+                  <a:tcPr/>
+                </a:tc>
+              </a:tr>
+              <a:tr h="0">
+                <a:tc vMerge="1">
+                  <a:txBody>
+                    <a:bodyPr/>
+                    <a:lstStyle/>
+                    <a:p>
+                      <a:pPr latinLnBrk="1"/>
+                      <a:endParaRPr lang="ko-KR" altLang="en-US"/>
+                    </a:p>
+                  </a:txBody>
+                  <a:tcPr/>
+                </a:tc>
+                <a:tc vMerge="1">
+                  <a:txBody>
+                    <a:bodyPr/>
+                    <a:lstStyle/>
+                    <a:p>
+                      <a:pPr latinLnBrk="1"/>
+                      <a:endParaRPr lang="ko-KR" altLang="en-US"/>
+                    </a:p>
+                  </a:txBody>
+                  <a:tcPr/>
+                </a:tc>
+                <a:tc vMerge="1">
+                  <a:txBody>
+                    <a:bodyPr/>
+                    <a:lstStyle/>
+                    <a:p>
+                      <a:pPr latinLnBrk="1"/>
+                      <a:endParaRPr lang="ko-KR" altLang="en-US"/>
+                    </a:p>
+                  </a:txBody>
+                  <a:tcPr/>
+                </a:tc>
+                <a:tc>
+                  <a:txBody>
+                    <a:bodyPr/>
+                    <a:lstStyle/>
+                    <a:p>
+                      <a:pPr latinLnBrk="1"/>
+                      <a:r>
+                        <a:rPr lang="en-US" altLang="ko-KR" sz="1400" dirty="0" err="1" smtClean="0"/>
+                        <a:t>padChar</a:t>
+                      </a:r>
+                      <a:endParaRPr lang="ko-KR" altLang="en-US" sz="1400" dirty="0"/>
+                    </a:p>
+                  </a:txBody>
+                  <a:tcPr/>
+                </a:tc>
+                <a:tc>
+                  <a:txBody>
+                    <a:bodyPr/>
+                    <a:lstStyle/>
+                    <a:p>
+                      <a:pPr latinLnBrk="1"/>
+                      <a:r>
+                        <a:rPr lang="ko-KR" altLang="en-US" sz="1400" dirty="0" err="1" smtClean="0"/>
+                        <a:t>패딩</a:t>
+                      </a:r>
+                      <a:r>
+                        <a:rPr lang="ko-KR" altLang="en-US" sz="1400" dirty="0" smtClean="0"/>
+                        <a:t> 문자</a:t>
+                      </a:r>
+                      <a:endParaRPr lang="ko-KR" altLang="en-US" sz="1400" dirty="0"/>
+                    </a:p>
+                  </a:txBody>
+                  <a:tcPr/>
+                </a:tc>
+              </a:tr>
+              <a:tr h="203200">
+                <a:tc vMerge="1">
+                  <a:txBody>
+                    <a:bodyPr/>
+                    <a:lstStyle/>
+                    <a:p>
+                      <a:pPr latinLnBrk="1"/>
+                      <a:endParaRPr lang="ko-KR" altLang="en-US"/>
+                    </a:p>
+                  </a:txBody>
+                  <a:tcPr/>
+                </a:tc>
+                <a:tc vMerge="1">
+                  <a:txBody>
+                    <a:bodyPr/>
+                    <a:lstStyle/>
+                    <a:p>
+                      <a:pPr latinLnBrk="1"/>
+                      <a:endParaRPr lang="ko-KR" altLang="en-US"/>
+                    </a:p>
+                  </a:txBody>
+                  <a:tcPr/>
+                </a:tc>
+                <a:tc vMerge="1">
+                  <a:txBody>
+                    <a:bodyPr/>
+                    <a:lstStyle/>
+                    <a:p>
+                      <a:pPr latinLnBrk="1"/>
+                      <a:endParaRPr lang="ko-KR" altLang="en-US"/>
+                    </a:p>
+                  </a:txBody>
+                  <a:tcPr/>
+                </a:tc>
+                <a:tc>
+                  <a:txBody>
+                    <a:bodyPr/>
+                    <a:lstStyle/>
+                    <a:p>
+                      <a:pPr latinLnBrk="1"/>
+                      <a:r>
+                        <a:rPr lang="en-US" altLang="ko-KR" sz="1400" dirty="0" smtClean="0"/>
+                        <a:t>encode</a:t>
+                      </a:r>
+                      <a:endParaRPr lang="ko-KR" altLang="en-US" sz="1400" dirty="0"/>
+                    </a:p>
+                  </a:txBody>
+                  <a:tcPr/>
+                </a:tc>
+                <a:tc>
+                  <a:txBody>
+                    <a:bodyPr/>
+                    <a:lstStyle/>
+                    <a:p>
+                      <a:pPr latinLnBrk="1"/>
+                      <a:r>
+                        <a:rPr lang="ko-KR" altLang="en-US" sz="1400" dirty="0" smtClean="0"/>
+                        <a:t>암호화 여부</a:t>
+                      </a:r>
+                      <a:endParaRPr lang="ko-KR" altLang="en-US" sz="1400" dirty="0"/>
+                    </a:p>
+                  </a:txBody>
+                  <a:tcPr/>
+                </a:tc>
+              </a:tr>
+              <a:tr h="0">
+                <a:tc vMerge="1">
+                  <a:txBody>
+                    <a:bodyPr/>
+                    <a:lstStyle/>
+                    <a:p>
+                      <a:pPr latinLnBrk="1"/>
+                      <a:endParaRPr lang="ko-KR" altLang="en-US"/>
+                    </a:p>
+                  </a:txBody>
+                  <a:tcPr/>
+                </a:tc>
+                <a:tc vMerge="1">
+                  <a:txBody>
+                    <a:bodyPr/>
+                    <a:lstStyle/>
+                    <a:p>
+                      <a:pPr latinLnBrk="1"/>
+                      <a:endParaRPr lang="ko-KR" altLang="en-US"/>
+                    </a:p>
+                  </a:txBody>
+                  <a:tcPr/>
+                </a:tc>
+                <a:tc vMerge="1">
+                  <a:txBody>
+                    <a:bodyPr/>
+                    <a:lstStyle/>
+                    <a:p>
+                      <a:pPr latinLnBrk="1"/>
+                      <a:endParaRPr lang="ko-KR" altLang="en-US"/>
+                    </a:p>
+                  </a:txBody>
+                  <a:tcPr/>
+                </a:tc>
+                <a:tc>
+                  <a:txBody>
+                    <a:bodyPr/>
+                    <a:lstStyle/>
+                    <a:p>
+                      <a:pPr latinLnBrk="1"/>
+                      <a:r>
+                        <a:rPr lang="en-US" altLang="ko-KR" sz="1400" dirty="0" smtClean="0"/>
+                        <a:t>decode</a:t>
+                      </a:r>
+                      <a:endParaRPr lang="ko-KR" altLang="en-US" sz="1400" dirty="0"/>
+                    </a:p>
+                  </a:txBody>
+                  <a:tcPr/>
+                </a:tc>
+                <a:tc>
+                  <a:txBody>
+                    <a:bodyPr/>
+                    <a:lstStyle/>
+                    <a:p>
+                      <a:pPr latinLnBrk="1"/>
+                      <a:r>
+                        <a:rPr lang="ko-KR" altLang="en-US" sz="1400" dirty="0" err="1" smtClean="0"/>
+                        <a:t>복호화</a:t>
+                      </a:r>
+                      <a:r>
+                        <a:rPr lang="ko-KR" altLang="en-US" sz="1400" dirty="0" smtClean="0"/>
+                        <a:t> 여부</a:t>
+                      </a:r>
+                      <a:endParaRPr lang="ko-KR" altLang="en-US" sz="1400" dirty="0"/>
+                    </a:p>
+                  </a:txBody>
+                  <a:tcPr/>
+                </a:tc>
+              </a:tr>
+              <a:tr h="159506">
+                <a:tc vMerge="1">
+                  <a:txBody>
+                    <a:bodyPr/>
+                    <a:lstStyle/>
+                    <a:p>
+                      <a:pPr latinLnBrk="1"/>
+                      <a:endParaRPr lang="ko-KR" altLang="en-US"/>
+                    </a:p>
+                  </a:txBody>
+                  <a:tcPr/>
+                </a:tc>
+                <a:tc>
+                  <a:txBody>
+                    <a:bodyPr/>
+                    <a:lstStyle/>
+                    <a:p>
+                      <a:pPr latinLnBrk="1"/>
+                      <a:r>
+                        <a:rPr lang="en-US" altLang="ko-KR" sz="1400" dirty="0" smtClean="0"/>
+                        <a:t>body</a:t>
+                      </a:r>
+                      <a:endParaRPr lang="ko-KR" altLang="en-US" sz="1400" dirty="0"/>
+                    </a:p>
+                  </a:txBody>
+                  <a:tcPr/>
+                </a:tc>
+                <a:tc>
+                  <a:txBody>
+                    <a:bodyPr/>
+                    <a:lstStyle/>
+                    <a:p>
+                      <a:pPr latinLnBrk="1"/>
+                      <a:r>
+                        <a:rPr lang="en-US" altLang="ko-KR" sz="1400" dirty="0" smtClean="0"/>
+                        <a:t>field (*)</a:t>
+                      </a:r>
+                      <a:endParaRPr lang="ko-KR" altLang="en-US" sz="1400" dirty="0"/>
+                    </a:p>
+                  </a:txBody>
+                  <a:tcPr/>
+                </a:tc>
+                <a:tc gridSpan="2">
+                  <a:txBody>
+                    <a:bodyPr/>
+                    <a:lstStyle/>
+                    <a:p>
+                      <a:pPr marL="0" marR="0" indent="0" algn="l" defTabSz="914400" rtl="0" eaLnBrk="1" fontAlgn="auto" latinLnBrk="1" hangingPunct="1">
+                        <a:lnSpc>
+                          <a:spcPct val="100000"/>
+                        </a:lnSpc>
+                        <a:spcBef>
+                          <a:spcPts val="0"/>
+                        </a:spcBef>
+                        <a:spcAft>
+                          <a:spcPts val="0"/>
+                        </a:spcAft>
+                        <a:buClrTx/>
+                        <a:buSzTx/>
+                        <a:buFontTx/>
+                        <a:buNone/>
+                        <a:tabLst/>
+                        <a:defRPr/>
+                      </a:pPr>
+                      <a:r>
+                        <a:rPr lang="ko-KR" altLang="en-US" sz="1400" dirty="0" smtClean="0"/>
+                        <a:t>상동</a:t>
+                      </a:r>
+                      <a:endParaRPr lang="ko-KR" altLang="en-US" sz="1400" dirty="0"/>
+                    </a:p>
+                  </a:txBody>
+                  <a:tcPr/>
+                </a:tc>
+                <a:tc hMerge="1">
+                  <a:txBody>
+                    <a:bodyPr/>
+                    <a:lstStyle/>
+                    <a:p>
+                      <a:pPr latinLnBrk="1"/>
+                      <a:endParaRPr lang="ko-KR" altLang="en-US"/>
+                    </a:p>
+                  </a:txBody>
+                  <a:tcPr/>
+                </a:tc>
+              </a:tr>
+              <a:tr h="0">
+                <a:tc vMerge="1">
+                  <a:txBody>
+                    <a:bodyPr/>
+                    <a:lstStyle/>
+                    <a:p>
+                      <a:pPr latinLnBrk="1"/>
+                      <a:endParaRPr lang="ko-KR" altLang="en-US"/>
+                    </a:p>
+                  </a:txBody>
+                  <a:tcPr/>
+                </a:tc>
+                <a:tc>
+                  <a:txBody>
+                    <a:bodyPr/>
+                    <a:lstStyle/>
+                    <a:p>
+                      <a:pPr latinLnBrk="1"/>
+                      <a:r>
+                        <a:rPr lang="en-US" altLang="ko-KR" sz="1400" dirty="0" smtClean="0"/>
+                        <a:t>tail</a:t>
+                      </a:r>
+                      <a:endParaRPr lang="ko-KR" altLang="en-US" sz="1400" dirty="0"/>
+                    </a:p>
+                  </a:txBody>
+                  <a:tcPr/>
+                </a:tc>
+                <a:tc>
+                  <a:txBody>
+                    <a:bodyPr/>
+                    <a:lstStyle/>
+                    <a:p>
+                      <a:pPr latinLnBrk="1"/>
+                      <a:r>
+                        <a:rPr lang="en-US" altLang="ko-KR" sz="1400" dirty="0" smtClean="0"/>
+                        <a:t>field (*)</a:t>
+                      </a:r>
+                      <a:endParaRPr lang="ko-KR" altLang="en-US" sz="1400" dirty="0"/>
+                    </a:p>
+                  </a:txBody>
+                  <a:tcPr/>
+                </a:tc>
+                <a:tc gridSpan="2">
+                  <a:txBody>
+                    <a:bodyPr/>
+                    <a:lstStyle/>
+                    <a:p>
+                      <a:pPr marL="0" marR="0" indent="0" algn="l" defTabSz="914400" rtl="0" eaLnBrk="1" fontAlgn="auto" latinLnBrk="1" hangingPunct="1">
+                        <a:lnSpc>
+                          <a:spcPct val="100000"/>
+                        </a:lnSpc>
+                        <a:spcBef>
+                          <a:spcPts val="0"/>
+                        </a:spcBef>
+                        <a:spcAft>
+                          <a:spcPts val="0"/>
+                        </a:spcAft>
+                        <a:buClrTx/>
+                        <a:buSzTx/>
+                        <a:buFontTx/>
+                        <a:buNone/>
+                        <a:tabLst/>
+                        <a:defRPr/>
+                      </a:pPr>
+                      <a:r>
+                        <a:rPr lang="ko-KR" altLang="en-US" sz="1400" dirty="0" smtClean="0"/>
+                        <a:t>상동</a:t>
+                      </a:r>
+                    </a:p>
+                  </a:txBody>
+                  <a:tcPr/>
+                </a:tc>
+                <a:tc hMerge="1">
+                  <a:txBody>
+                    <a:bodyPr/>
+                    <a:lstStyle/>
+                    <a:p>
+                      <a:pPr latinLnBrk="1"/>
+                      <a:endParaRPr lang="ko-KR" altLang="en-US"/>
+                    </a:p>
+                  </a:txBody>
+                  <a:tcPr/>
+                </a:tc>
+              </a:tr>
+            </a:tbl>
+          </a:graphicData>
+        </a:graphic>
+      </p:graphicFrame>
+    </p:spTree>
+    <p:extLst>
+      <p:ext uri="{BB962C8B-B14F-4D97-AF65-F5344CB8AC3E}">
+        <p14:creationId xmlns:p14="http://schemas.microsoft.com/office/powerpoint/2010/main" val="4215708498"/>
+      </p:ext>
+    </p:extLst>
+  </p:cSld>
+  <p:clrMapOvr>
+    <a:masterClrMapping/>
+  </p:clrMapOvr>
+  <p:timing>
+    <p:tnLst>
+      <p:par>
+        <p:cTn id="1" dur="indefinite" restart="never" nodeType="tmRoot"/>
+      </p:par>
+    </p:tnLst>
+  </p:timing>
+</p:sld>
+</file>
+
+<file path=ppt/slides/slide7.xml><?xml version="1.0" encoding="utf-8"?>
+<p:sld xmlns:a="http://schemas.openxmlformats.org/drawingml/2006/main" xmlns:r="http://schemas.openxmlformats.org/officeDocument/2006/relationships" xmlns:p="http://schemas.openxmlformats.org/presentationml/2006/main">
+  <p:cSld>
+    <p:spTree>
+      <p:nvGrpSpPr>
+        <p:cNvPr id="1" name=""/>
+        <p:cNvGrpSpPr/>
+        <p:nvPr/>
+      </p:nvGrpSpPr>
+      <p:grpSpPr>
+        <a:xfrm>
+          <a:off x="0" y="0"/>
+          <a:ext cx="0" cy="0"/>
+          <a:chOff x="0" y="0"/>
+          <a:chExt cx="0" cy="0"/>
+        </a:xfrm>
+      </p:grpSpPr>
+      <p:graphicFrame>
+        <p:nvGraphicFramePr>
+          <p:cNvPr id="4" name="표 3"/>
+          <p:cNvGraphicFramePr>
+            <a:graphicFrameLocks noGrp="1"/>
+          </p:cNvGraphicFramePr>
+          <p:nvPr>
+            <p:extLst>
+              <p:ext uri="{D42A27DB-BD31-4B8C-83A1-F6EECF244321}">
+                <p14:modId xmlns:p14="http://schemas.microsoft.com/office/powerpoint/2010/main" val="1963864129"/>
+              </p:ext>
+            </p:extLst>
+          </p:nvPr>
+        </p:nvGraphicFramePr>
+        <p:xfrm>
+          <a:off x="576424" y="598370"/>
+          <a:ext cx="11236132" cy="3048000"/>
+        </p:xfrm>
+        <a:graphic>
+          <a:graphicData uri="http://schemas.openxmlformats.org/drawingml/2006/table">
+            <a:tbl>
+              <a:tblPr firstRow="1" bandRow="1">
+                <a:tableStyleId>{5C22544A-7EE6-4342-B048-85BDC9FD1C3A}</a:tableStyleId>
+              </a:tblPr>
+              <a:tblGrid>
+                <a:gridCol w="2232090"/>
+                <a:gridCol w="2629332"/>
+                <a:gridCol w="2629332"/>
+                <a:gridCol w="1872689"/>
+                <a:gridCol w="1872689"/>
+              </a:tblGrid>
+              <a:tr h="0">
+                <a:tc rowSpan="10">
+                  <a:txBody>
+                    <a:bodyPr/>
+                    <a:lstStyle/>
+                    <a:p>
+                      <a:pPr latinLnBrk="1"/>
+                      <a:r>
+                        <a:rPr lang="en-US" altLang="ko-KR" sz="3600" dirty="0" smtClean="0"/>
+                        <a:t>error</a:t>
+                      </a:r>
+                      <a:r>
+                        <a:rPr lang="en-US" altLang="ko-KR" sz="3600" baseline="0" dirty="0" smtClean="0"/>
+                        <a:t> (*)</a:t>
+                      </a:r>
+                      <a:endParaRPr lang="ko-KR" altLang="en-US" sz="1200" dirty="0"/>
+                    </a:p>
+                  </a:txBody>
+                  <a:tcPr/>
+                </a:tc>
+                <a:tc>
+                  <a:txBody>
+                    <a:bodyPr/>
+                    <a:lstStyle/>
+                    <a:p>
+                      <a:pPr latinLnBrk="1"/>
+                      <a:r>
+                        <a:rPr lang="en-US" altLang="ko-KR" sz="1400" dirty="0" smtClean="0"/>
+                        <a:t>name</a:t>
+                      </a:r>
+                      <a:endParaRPr lang="ko-KR" altLang="en-US" sz="1400" dirty="0"/>
+                    </a:p>
+                  </a:txBody>
+                  <a:tcPr/>
+                </a:tc>
+                <a:tc>
+                  <a:txBody>
+                    <a:bodyPr/>
+                    <a:lstStyle/>
+                    <a:p>
+                      <a:pPr latinLnBrk="1"/>
+                      <a:endParaRPr lang="ko-KR" altLang="en-US" sz="1400" dirty="0"/>
+                    </a:p>
+                  </a:txBody>
+                  <a:tcPr/>
+                </a:tc>
+                <a:tc gridSpan="2">
+                  <a:txBody>
+                    <a:bodyPr/>
+                    <a:lstStyle/>
+                    <a:p>
+                      <a:pPr latinLnBrk="1"/>
+                      <a:r>
+                        <a:rPr lang="en-US" altLang="ko-KR" sz="1400" baseline="0" dirty="0" smtClean="0"/>
+                        <a:t> Exception </a:t>
+                      </a:r>
+                      <a:r>
+                        <a:rPr lang="ko-KR" altLang="en-US" sz="1400" baseline="0" dirty="0" smtClean="0"/>
+                        <a:t>이름</a:t>
+                      </a:r>
+                      <a:endParaRPr lang="ko-KR" altLang="en-US" sz="1400" dirty="0"/>
+                    </a:p>
+                  </a:txBody>
+                  <a:tcPr/>
+                </a:tc>
+                <a:tc hMerge="1">
+                  <a:txBody>
+                    <a:bodyPr/>
+                    <a:lstStyle/>
+                    <a:p>
+                      <a:pPr latinLnBrk="1"/>
+                      <a:endParaRPr lang="ko-KR" altLang="en-US"/>
+                    </a:p>
+                  </a:txBody>
+                  <a:tcPr/>
+                </a:tc>
+              </a:tr>
+              <a:tr h="0">
+                <a:tc vMerge="1">
+                  <a:txBody>
+                    <a:bodyPr/>
+                    <a:lstStyle/>
+                    <a:p>
+                      <a:pPr latinLnBrk="1"/>
+                      <a:endParaRPr lang="ko-KR" altLang="en-US"/>
+                    </a:p>
+                  </a:txBody>
+                  <a:tcPr/>
+                </a:tc>
+                <a:tc rowSpan="7">
+                  <a:txBody>
+                    <a:bodyPr/>
+                    <a:lstStyle/>
+                    <a:p>
+                      <a:pPr latinLnBrk="1"/>
+                      <a:r>
+                        <a:rPr lang="en-US" altLang="ko-KR" sz="1400" dirty="0" smtClean="0"/>
+                        <a:t>header</a:t>
+                      </a:r>
+                      <a:endParaRPr lang="ko-KR" altLang="en-US" sz="1400" dirty="0"/>
+                    </a:p>
+                  </a:txBody>
+                  <a:tcPr/>
+                </a:tc>
+                <a:tc rowSpan="7">
+                  <a:txBody>
+                    <a:bodyPr/>
+                    <a:lstStyle/>
+                    <a:p>
+                      <a:pPr latinLnBrk="1"/>
+                      <a:r>
+                        <a:rPr lang="en-US" altLang="ko-KR" sz="1400" dirty="0" smtClean="0"/>
+                        <a:t>field (*)</a:t>
+                      </a:r>
+                      <a:endParaRPr lang="ko-KR" altLang="en-US" sz="1400" dirty="0"/>
+                    </a:p>
+                  </a:txBody>
+                  <a:tcPr/>
+                </a:tc>
+                <a:tc>
+                  <a:txBody>
+                    <a:bodyPr/>
+                    <a:lstStyle/>
+                    <a:p>
+                      <a:pPr latinLnBrk="1"/>
+                      <a:r>
+                        <a:rPr lang="en-US" altLang="ko-KR" sz="1400" dirty="0" smtClean="0"/>
+                        <a:t>start</a:t>
+                      </a:r>
+                      <a:endParaRPr lang="ko-KR" altLang="en-US" sz="1400" dirty="0"/>
+                    </a:p>
+                  </a:txBody>
+                  <a:tcPr/>
+                </a:tc>
+                <a:tc>
+                  <a:txBody>
+                    <a:bodyPr/>
+                    <a:lstStyle/>
+                    <a:p>
+                      <a:pPr latinLnBrk="1"/>
+                      <a:r>
+                        <a:rPr lang="ko-KR" altLang="en-US" sz="1400" dirty="0" smtClean="0"/>
+                        <a:t>시작위치</a:t>
+                      </a:r>
+                      <a:endParaRPr lang="ko-KR" altLang="en-US" sz="1400" dirty="0"/>
+                    </a:p>
+                  </a:txBody>
+                  <a:tcPr/>
+                </a:tc>
+              </a:tr>
+              <a:tr h="243840">
+                <a:tc vMerge="1">
+                  <a:txBody>
+                    <a:bodyPr/>
+                    <a:lstStyle/>
+                    <a:p>
+                      <a:pPr latinLnBrk="1"/>
+                      <a:endParaRPr lang="ko-KR" altLang="en-US"/>
+                    </a:p>
+                  </a:txBody>
+                  <a:tcPr/>
+                </a:tc>
+                <a:tc vMerge="1">
+                  <a:txBody>
+                    <a:bodyPr/>
+                    <a:lstStyle/>
+                    <a:p>
+                      <a:pPr latinLnBrk="1"/>
+                      <a:endParaRPr lang="ko-KR" altLang="en-US"/>
+                    </a:p>
+                  </a:txBody>
+                  <a:tcPr/>
+                </a:tc>
+                <a:tc vMerge="1">
+                  <a:txBody>
+                    <a:bodyPr/>
+                    <a:lstStyle/>
+                    <a:p>
+                      <a:pPr latinLnBrk="1"/>
+                      <a:endParaRPr lang="ko-KR" altLang="en-US"/>
+                    </a:p>
+                  </a:txBody>
+                  <a:tcPr/>
+                </a:tc>
+                <a:tc>
+                  <a:txBody>
+                    <a:bodyPr/>
+                    <a:lstStyle/>
+                    <a:p>
+                      <a:pPr latinLnBrk="1"/>
+                      <a:r>
+                        <a:rPr lang="en-US" altLang="ko-KR" sz="1400" dirty="0" smtClean="0"/>
+                        <a:t>length</a:t>
+                      </a:r>
+                      <a:endParaRPr lang="ko-KR" altLang="en-US" sz="1400" dirty="0"/>
+                    </a:p>
+                  </a:txBody>
+                  <a:tcPr/>
+                </a:tc>
+                <a:tc>
+                  <a:txBody>
+                    <a:bodyPr/>
+                    <a:lstStyle/>
+                    <a:p>
+                      <a:pPr latinLnBrk="1"/>
+                      <a:r>
+                        <a:rPr lang="ko-KR" altLang="en-US" sz="1400" dirty="0" smtClean="0"/>
+                        <a:t>길이</a:t>
+                      </a:r>
+                      <a:endParaRPr lang="ko-KR" altLang="en-US" sz="1400" dirty="0"/>
+                    </a:p>
+                  </a:txBody>
+                  <a:tcPr/>
+                </a:tc>
+              </a:tr>
+              <a:tr h="182880">
+                <a:tc vMerge="1">
+                  <a:txBody>
+                    <a:bodyPr/>
+                    <a:lstStyle/>
+                    <a:p>
+                      <a:pPr latinLnBrk="1"/>
+                      <a:endParaRPr lang="ko-KR" altLang="en-US"/>
+                    </a:p>
+                  </a:txBody>
+                  <a:tcPr/>
+                </a:tc>
+                <a:tc vMerge="1">
+                  <a:txBody>
+                    <a:bodyPr/>
+                    <a:lstStyle/>
+                    <a:p>
+                      <a:pPr latinLnBrk="1"/>
+                      <a:endParaRPr lang="ko-KR" altLang="en-US"/>
+                    </a:p>
+                  </a:txBody>
+                  <a:tcPr/>
+                </a:tc>
+                <a:tc vMerge="1">
+                  <a:txBody>
+                    <a:bodyPr/>
+                    <a:lstStyle/>
+                    <a:p>
+                      <a:pPr latinLnBrk="1"/>
+                      <a:endParaRPr lang="ko-KR" altLang="en-US"/>
+                    </a:p>
+                  </a:txBody>
+                  <a:tcPr/>
+                </a:tc>
+                <a:tc>
+                  <a:txBody>
+                    <a:bodyPr/>
+                    <a:lstStyle/>
+                    <a:p>
+                      <a:pPr latinLnBrk="1"/>
+                      <a:r>
+                        <a:rPr lang="en-US" altLang="ko-KR" sz="1400" dirty="0" smtClean="0"/>
+                        <a:t>name</a:t>
+                      </a:r>
+                      <a:endParaRPr lang="ko-KR" altLang="en-US" sz="1400" dirty="0"/>
+                    </a:p>
+                  </a:txBody>
+                  <a:tcPr/>
+                </a:tc>
+                <a:tc>
+                  <a:txBody>
+                    <a:bodyPr/>
+                    <a:lstStyle/>
+                    <a:p>
+                      <a:pPr latinLnBrk="1"/>
+                      <a:r>
+                        <a:rPr lang="ko-KR" altLang="en-US" sz="1400" dirty="0" smtClean="0"/>
+                        <a:t>항목 이름</a:t>
+                      </a:r>
+                      <a:endParaRPr lang="ko-KR" altLang="en-US" sz="1400" dirty="0"/>
+                    </a:p>
+                  </a:txBody>
+                  <a:tcPr/>
+                </a:tc>
+              </a:tr>
+              <a:tr h="121920">
+                <a:tc vMerge="1">
+                  <a:txBody>
+                    <a:bodyPr/>
+                    <a:lstStyle/>
+                    <a:p>
+                      <a:pPr latinLnBrk="1"/>
+                      <a:endParaRPr lang="ko-KR" altLang="en-US"/>
+                    </a:p>
+                  </a:txBody>
+                  <a:tcPr/>
+                </a:tc>
+                <a:tc vMerge="1">
+                  <a:txBody>
+                    <a:bodyPr/>
+                    <a:lstStyle/>
+                    <a:p>
+                      <a:pPr latinLnBrk="1"/>
+                      <a:endParaRPr lang="ko-KR" altLang="en-US"/>
+                    </a:p>
+                  </a:txBody>
+                  <a:tcPr/>
+                </a:tc>
+                <a:tc vMerge="1">
+                  <a:txBody>
+                    <a:bodyPr/>
+                    <a:lstStyle/>
+                    <a:p>
+                      <a:pPr latinLnBrk="1"/>
+                      <a:endParaRPr lang="ko-KR" altLang="en-US"/>
+                    </a:p>
+                  </a:txBody>
+                  <a:tcPr/>
+                </a:tc>
+                <a:tc>
+                  <a:txBody>
+                    <a:bodyPr/>
+                    <a:lstStyle/>
+                    <a:p>
+                      <a:pPr latinLnBrk="1"/>
+                      <a:r>
+                        <a:rPr lang="en-US" altLang="ko-KR" sz="1400" dirty="0" err="1" smtClean="0"/>
+                        <a:t>padType</a:t>
+                      </a:r>
+                      <a:endParaRPr lang="ko-KR" altLang="en-US" sz="1400" dirty="0"/>
+                    </a:p>
+                  </a:txBody>
+                  <a:tcPr/>
+                </a:tc>
+                <a:tc>
+                  <a:txBody>
+                    <a:bodyPr/>
+                    <a:lstStyle/>
+                    <a:p>
+                      <a:pPr latinLnBrk="1"/>
+                      <a:r>
+                        <a:rPr lang="ko-KR" altLang="en-US" sz="1400" dirty="0" err="1" smtClean="0"/>
+                        <a:t>패딩</a:t>
+                      </a:r>
+                      <a:r>
+                        <a:rPr lang="ko-KR" altLang="en-US" sz="1400" dirty="0" smtClean="0"/>
+                        <a:t> 유형</a:t>
+                      </a:r>
+                      <a:endParaRPr lang="ko-KR" altLang="en-US" sz="1400" dirty="0"/>
+                    </a:p>
+                  </a:txBody>
+                  <a:tcPr/>
+                </a:tc>
+              </a:tr>
+              <a:tr h="0">
+                <a:tc vMerge="1">
+                  <a:txBody>
+                    <a:bodyPr/>
+                    <a:lstStyle/>
+                    <a:p>
+                      <a:pPr latinLnBrk="1"/>
+                      <a:endParaRPr lang="ko-KR" altLang="en-US"/>
+                    </a:p>
+                  </a:txBody>
+                  <a:tcPr/>
+                </a:tc>
+                <a:tc vMerge="1">
+                  <a:txBody>
+                    <a:bodyPr/>
+                    <a:lstStyle/>
+                    <a:p>
+                      <a:pPr latinLnBrk="1"/>
+                      <a:endParaRPr lang="ko-KR" altLang="en-US"/>
+                    </a:p>
+                  </a:txBody>
+                  <a:tcPr/>
+                </a:tc>
+                <a:tc vMerge="1">
+                  <a:txBody>
+                    <a:bodyPr/>
+                    <a:lstStyle/>
+                    <a:p>
+                      <a:pPr latinLnBrk="1"/>
+                      <a:endParaRPr lang="ko-KR" altLang="en-US"/>
+                    </a:p>
+                  </a:txBody>
+                  <a:tcPr/>
+                </a:tc>
+                <a:tc>
+                  <a:txBody>
+                    <a:bodyPr/>
+                    <a:lstStyle/>
+                    <a:p>
+                      <a:pPr latinLnBrk="1"/>
+                      <a:r>
+                        <a:rPr lang="en-US" altLang="ko-KR" sz="1400" dirty="0" err="1" smtClean="0"/>
+                        <a:t>padChar</a:t>
+                      </a:r>
+                      <a:endParaRPr lang="ko-KR" altLang="en-US" sz="1400" dirty="0"/>
+                    </a:p>
+                  </a:txBody>
+                  <a:tcPr/>
+                </a:tc>
+                <a:tc>
+                  <a:txBody>
+                    <a:bodyPr/>
+                    <a:lstStyle/>
+                    <a:p>
+                      <a:pPr latinLnBrk="1"/>
+                      <a:r>
+                        <a:rPr lang="ko-KR" altLang="en-US" sz="1400" dirty="0" err="1" smtClean="0"/>
+                        <a:t>패딩</a:t>
+                      </a:r>
+                      <a:r>
+                        <a:rPr lang="ko-KR" altLang="en-US" sz="1400" dirty="0" smtClean="0"/>
+                        <a:t> 문자</a:t>
+                      </a:r>
+                      <a:endParaRPr lang="ko-KR" altLang="en-US" sz="1400" dirty="0"/>
+                    </a:p>
+                  </a:txBody>
+                  <a:tcPr/>
+                </a:tc>
+              </a:tr>
+              <a:tr h="203200">
+                <a:tc vMerge="1">
+                  <a:txBody>
+                    <a:bodyPr/>
+                    <a:lstStyle/>
+                    <a:p>
+                      <a:pPr latinLnBrk="1"/>
+                      <a:endParaRPr lang="ko-KR" altLang="en-US"/>
+                    </a:p>
+                  </a:txBody>
+                  <a:tcPr/>
+                </a:tc>
+                <a:tc vMerge="1">
+                  <a:txBody>
+                    <a:bodyPr/>
+                    <a:lstStyle/>
+                    <a:p>
+                      <a:pPr latinLnBrk="1"/>
+                      <a:endParaRPr lang="ko-KR" altLang="en-US"/>
+                    </a:p>
+                  </a:txBody>
+                  <a:tcPr/>
+                </a:tc>
+                <a:tc vMerge="1">
+                  <a:txBody>
+                    <a:bodyPr/>
+                    <a:lstStyle/>
+                    <a:p>
+                      <a:pPr latinLnBrk="1"/>
+                      <a:endParaRPr lang="ko-KR" altLang="en-US"/>
+                    </a:p>
+                  </a:txBody>
+                  <a:tcPr/>
+                </a:tc>
+                <a:tc>
+                  <a:txBody>
+                    <a:bodyPr/>
+                    <a:lstStyle/>
+                    <a:p>
+                      <a:pPr latinLnBrk="1"/>
+                      <a:r>
+                        <a:rPr lang="en-US" altLang="ko-KR" sz="1400" dirty="0" smtClean="0"/>
+                        <a:t>encode</a:t>
+                      </a:r>
+                      <a:endParaRPr lang="ko-KR" altLang="en-US" sz="1400" dirty="0"/>
+                    </a:p>
+                  </a:txBody>
+                  <a:tcPr/>
+                </a:tc>
+                <a:tc>
+                  <a:txBody>
+                    <a:bodyPr/>
+                    <a:lstStyle/>
+                    <a:p>
+                      <a:pPr latinLnBrk="1"/>
+                      <a:r>
+                        <a:rPr lang="ko-KR" altLang="en-US" sz="1400" dirty="0" smtClean="0"/>
+                        <a:t>암호화 여부</a:t>
+                      </a:r>
+                      <a:endParaRPr lang="ko-KR" altLang="en-US" sz="1400" dirty="0"/>
+                    </a:p>
+                  </a:txBody>
+                  <a:tcPr/>
+                </a:tc>
+              </a:tr>
+              <a:tr h="0">
+                <a:tc vMerge="1">
+                  <a:txBody>
+                    <a:bodyPr/>
+                    <a:lstStyle/>
+                    <a:p>
+                      <a:pPr latinLnBrk="1"/>
+                      <a:endParaRPr lang="ko-KR" altLang="en-US"/>
+                    </a:p>
+                  </a:txBody>
+                  <a:tcPr/>
+                </a:tc>
+                <a:tc vMerge="1">
+                  <a:txBody>
+                    <a:bodyPr/>
+                    <a:lstStyle/>
+                    <a:p>
+                      <a:pPr latinLnBrk="1"/>
+                      <a:endParaRPr lang="ko-KR" altLang="en-US"/>
+                    </a:p>
+                  </a:txBody>
+                  <a:tcPr/>
+                </a:tc>
+                <a:tc vMerge="1">
+                  <a:txBody>
+                    <a:bodyPr/>
+                    <a:lstStyle/>
+                    <a:p>
+                      <a:pPr latinLnBrk="1"/>
+                      <a:endParaRPr lang="ko-KR" altLang="en-US"/>
+                    </a:p>
+                  </a:txBody>
+                  <a:tcPr/>
+                </a:tc>
+                <a:tc>
+                  <a:txBody>
+                    <a:bodyPr/>
+                    <a:lstStyle/>
+                    <a:p>
+                      <a:pPr latinLnBrk="1"/>
+                      <a:r>
+                        <a:rPr lang="en-US" altLang="ko-KR" sz="1400" dirty="0" smtClean="0"/>
+                        <a:t>decode</a:t>
+                      </a:r>
+                      <a:endParaRPr lang="ko-KR" altLang="en-US" sz="1400" dirty="0"/>
+                    </a:p>
+                  </a:txBody>
+                  <a:tcPr/>
+                </a:tc>
+                <a:tc>
+                  <a:txBody>
+                    <a:bodyPr/>
+                    <a:lstStyle/>
+                    <a:p>
+                      <a:pPr latinLnBrk="1"/>
+                      <a:r>
+                        <a:rPr lang="ko-KR" altLang="en-US" sz="1400" dirty="0" err="1" smtClean="0"/>
+                        <a:t>복호화</a:t>
+                      </a:r>
+                      <a:r>
+                        <a:rPr lang="ko-KR" altLang="en-US" sz="1400" dirty="0" smtClean="0"/>
+                        <a:t> 여부</a:t>
+                      </a:r>
+                      <a:endParaRPr lang="ko-KR" altLang="en-US" sz="1400" dirty="0"/>
+                    </a:p>
+                  </a:txBody>
+                  <a:tcPr/>
+                </a:tc>
+              </a:tr>
+              <a:tr h="159506">
+                <a:tc vMerge="1">
+                  <a:txBody>
+                    <a:bodyPr/>
+                    <a:lstStyle/>
+                    <a:p>
+                      <a:pPr latinLnBrk="1"/>
+                      <a:endParaRPr lang="ko-KR" altLang="en-US"/>
+                    </a:p>
+                  </a:txBody>
+                  <a:tcPr/>
+                </a:tc>
+                <a:tc>
+                  <a:txBody>
+                    <a:bodyPr/>
+                    <a:lstStyle/>
+                    <a:p>
+                      <a:pPr latinLnBrk="1"/>
+                      <a:r>
+                        <a:rPr lang="en-US" altLang="ko-KR" sz="1400" dirty="0" smtClean="0"/>
+                        <a:t>body</a:t>
+                      </a:r>
+                      <a:endParaRPr lang="ko-KR" altLang="en-US" sz="1400" dirty="0"/>
+                    </a:p>
+                  </a:txBody>
+                  <a:tcPr/>
+                </a:tc>
+                <a:tc>
+                  <a:txBody>
+                    <a:bodyPr/>
+                    <a:lstStyle/>
+                    <a:p>
+                      <a:pPr latinLnBrk="1"/>
+                      <a:r>
+                        <a:rPr lang="en-US" altLang="ko-KR" sz="1400" dirty="0" smtClean="0"/>
+                        <a:t>field (*)</a:t>
+                      </a:r>
+                      <a:endParaRPr lang="ko-KR" altLang="en-US" sz="1400" dirty="0"/>
+                    </a:p>
+                  </a:txBody>
+                  <a:tcPr/>
+                </a:tc>
+                <a:tc gridSpan="2">
+                  <a:txBody>
+                    <a:bodyPr/>
+                    <a:lstStyle/>
+                    <a:p>
+                      <a:pPr marL="0" marR="0" indent="0" algn="l" defTabSz="914400" rtl="0" eaLnBrk="1" fontAlgn="auto" latinLnBrk="1" hangingPunct="1">
+                        <a:lnSpc>
+                          <a:spcPct val="100000"/>
+                        </a:lnSpc>
+                        <a:spcBef>
+                          <a:spcPts val="0"/>
+                        </a:spcBef>
+                        <a:spcAft>
+                          <a:spcPts val="0"/>
+                        </a:spcAft>
+                        <a:buClrTx/>
+                        <a:buSzTx/>
+                        <a:buFontTx/>
+                        <a:buNone/>
+                        <a:tabLst/>
+                        <a:defRPr/>
+                      </a:pPr>
+                      <a:r>
+                        <a:rPr lang="ko-KR" altLang="en-US" sz="1400" dirty="0" smtClean="0"/>
+                        <a:t>상동</a:t>
+                      </a:r>
+                      <a:endParaRPr lang="ko-KR" altLang="en-US" sz="1400" dirty="0"/>
+                    </a:p>
+                  </a:txBody>
+                  <a:tcPr/>
+                </a:tc>
+                <a:tc hMerge="1">
+                  <a:txBody>
+                    <a:bodyPr/>
+                    <a:lstStyle/>
+                    <a:p>
+                      <a:pPr latinLnBrk="1"/>
+                      <a:endParaRPr lang="ko-KR" altLang="en-US"/>
+                    </a:p>
+                  </a:txBody>
+                  <a:tcPr/>
+                </a:tc>
+              </a:tr>
+              <a:tr h="0">
+                <a:tc vMerge="1">
+                  <a:txBody>
+                    <a:bodyPr/>
+                    <a:lstStyle/>
+                    <a:p>
+                      <a:pPr latinLnBrk="1"/>
+                      <a:endParaRPr lang="ko-KR" altLang="en-US"/>
+                    </a:p>
+                  </a:txBody>
+                  <a:tcPr/>
+                </a:tc>
+                <a:tc>
+                  <a:txBody>
+                    <a:bodyPr/>
+                    <a:lstStyle/>
+                    <a:p>
+                      <a:pPr latinLnBrk="1"/>
+                      <a:r>
+                        <a:rPr lang="en-US" altLang="ko-KR" sz="1400" dirty="0" smtClean="0"/>
+                        <a:t>tail</a:t>
+                      </a:r>
+                      <a:endParaRPr lang="ko-KR" altLang="en-US" sz="1400" dirty="0"/>
+                    </a:p>
+                  </a:txBody>
+                  <a:tcPr/>
+                </a:tc>
+                <a:tc>
+                  <a:txBody>
+                    <a:bodyPr/>
+                    <a:lstStyle/>
+                    <a:p>
+                      <a:pPr latinLnBrk="1"/>
+                      <a:r>
+                        <a:rPr lang="en-US" altLang="ko-KR" sz="1400" dirty="0" smtClean="0"/>
+                        <a:t>field (*)</a:t>
+                      </a:r>
+                      <a:endParaRPr lang="ko-KR" altLang="en-US" sz="1400" dirty="0"/>
+                    </a:p>
+                  </a:txBody>
+                  <a:tcPr/>
+                </a:tc>
+                <a:tc gridSpan="2">
+                  <a:txBody>
+                    <a:bodyPr/>
+                    <a:lstStyle/>
+                    <a:p>
+                      <a:pPr marL="0" marR="0" indent="0" algn="l" defTabSz="914400" rtl="0" eaLnBrk="1" fontAlgn="auto" latinLnBrk="1" hangingPunct="1">
+                        <a:lnSpc>
+                          <a:spcPct val="100000"/>
+                        </a:lnSpc>
+                        <a:spcBef>
+                          <a:spcPts val="0"/>
+                        </a:spcBef>
+                        <a:spcAft>
+                          <a:spcPts val="0"/>
+                        </a:spcAft>
+                        <a:buClrTx/>
+                        <a:buSzTx/>
+                        <a:buFontTx/>
+                        <a:buNone/>
+                        <a:tabLst/>
+                        <a:defRPr/>
+                      </a:pPr>
+                      <a:r>
+                        <a:rPr lang="ko-KR" altLang="en-US" sz="1400" dirty="0" smtClean="0"/>
+                        <a:t>상동</a:t>
+                      </a:r>
+                    </a:p>
+                  </a:txBody>
+                  <a:tcPr/>
+                </a:tc>
+                <a:tc hMerge="1">
+                  <a:txBody>
+                    <a:bodyPr/>
+                    <a:lstStyle/>
+                    <a:p>
+                      <a:pPr latinLnBrk="1"/>
+                      <a:endParaRPr lang="ko-KR" altLang="en-US"/>
+                    </a:p>
+                  </a:txBody>
+                  <a:tcPr/>
+                </a:tc>
+              </a:tr>
+            </a:tbl>
+          </a:graphicData>
+        </a:graphic>
+      </p:graphicFrame>
+    </p:spTree>
+    <p:extLst>
+      <p:ext uri="{BB962C8B-B14F-4D97-AF65-F5344CB8AC3E}">
+        <p14:creationId xmlns:p14="http://schemas.microsoft.com/office/powerpoint/2010/main" val="3359571577"/>
+      </p:ext>
+    </p:extLst>
+  </p:cSld>
+  <p:clrMapOvr>
+    <a:masterClrMapping/>
+  </p:clrMapOvr>
+  <p:timing>
+    <p:tnLst>
+      <p:par>
+        <p:cTn id="1" dur="indefinite" restart="never" nodeType="tmRoot"/>
+      </p:par>
+    </p:tnLst>
+  </p:timing>
+</p:sld>
+</file>
+
+<file path=ppt/slides/slide8.xml><?xml version="1.0" encoding="utf-8"?>
+<p:sld xmlns:a="http://schemas.openxmlformats.org/drawingml/2006/main" xmlns:r="http://schemas.openxmlformats.org/officeDocument/2006/relationships" xmlns:p="http://schemas.openxmlformats.org/presentationml/2006/main">
+  <p:cSld>
+    <p:spTree>
+      <p:nvGrpSpPr>
+        <p:cNvPr id="1" name=""/>
+        <p:cNvGrpSpPr/>
+        <p:nvPr/>
+      </p:nvGrpSpPr>
+      <p:grpSpPr>
+        <a:xfrm>
+          <a:off x="0" y="0"/>
+          <a:ext cx="0" cy="0"/>
+          <a:chOff x="0" y="0"/>
+          <a:chExt cx="0" cy="0"/>
+        </a:xfrm>
+      </p:grpSpPr>
+      <p:pic>
+        <p:nvPicPr>
+          <p:cNvPr id="2" name="그림 1"/>
+          <p:cNvPicPr>
+            <a:picLocks noChangeAspect="1"/>
+          </p:cNvPicPr>
+          <p:nvPr/>
+        </p:nvPicPr>
+        <p:blipFill>
+          <a:blip r:embed="rId2"/>
+          <a:stretch>
+            <a:fillRect/>
+          </a:stretch>
+        </p:blipFill>
+        <p:spPr>
+          <a:xfrm>
+            <a:off x="335903" y="447870"/>
+            <a:ext cx="6532692" cy="4858878"/>
+          </a:xfrm>
+          <a:prstGeom prst="rect">
+            <a:avLst/>
+          </a:prstGeom>
+          <a:ln w="38100">
+            <a:solidFill>
+              <a:schemeClr val="tx1"/>
+            </a:solidFill>
+          </a:ln>
+        </p:spPr>
+      </p:pic>
+      <p:pic>
+        <p:nvPicPr>
+          <p:cNvPr id="3" name="그림 2"/>
+          <p:cNvPicPr>
+            <a:picLocks noChangeAspect="1"/>
+          </p:cNvPicPr>
+          <p:nvPr/>
+        </p:nvPicPr>
+        <p:blipFill>
+          <a:blip r:embed="rId3"/>
+          <a:stretch>
+            <a:fillRect/>
+          </a:stretch>
+        </p:blipFill>
+        <p:spPr>
+          <a:xfrm>
+            <a:off x="7008554" y="447870"/>
+            <a:ext cx="5016659" cy="3752072"/>
+          </a:xfrm>
+          <a:prstGeom prst="rect">
+            <a:avLst/>
+          </a:prstGeom>
+          <a:ln w="38100">
+            <a:solidFill>
+              <a:schemeClr val="tx1"/>
+            </a:solidFill>
+          </a:ln>
+        </p:spPr>
+      </p:pic>
+      <p:sp>
+        <p:nvSpPr>
+          <p:cNvPr id="5" name="직사각형 4"/>
+          <p:cNvSpPr/>
+          <p:nvPr/>
+        </p:nvSpPr>
+        <p:spPr>
+          <a:xfrm>
+            <a:off x="7025166" y="4458063"/>
+            <a:ext cx="3945312" cy="923330"/>
+          </a:xfrm>
+          <a:prstGeom prst="rect">
+            <a:avLst/>
+          </a:prstGeom>
+          <a:noFill/>
+        </p:spPr>
+        <p:txBody>
+          <a:bodyPr wrap="none" lIns="91440" tIns="45720" rIns="91440" bIns="45720">
+            <a:spAutoFit/>
+          </a:bodyPr>
+          <a:lstStyle/>
+          <a:p>
+            <a:pPr algn="ctr"/>
+            <a:r>
+              <a:rPr lang="en-US" altLang="ko-KR" sz="5400" b="0" i="1" cap="none" spc="0" smtClean="0">
+                <a:ln w="0"/>
+                <a:solidFill>
+                  <a:schemeClr val="tx1"/>
+                </a:solidFill>
+                <a:effectLst>
+                  <a:outerShdw blurRad="38100" dist="19050" dir="2700000" algn="tl" rotWithShape="0">
+                    <a:schemeClr val="dk1">
+                      <a:alpha val="40000"/>
+                    </a:schemeClr>
+                  </a:outerShdw>
+                </a:effectLst>
+              </a:rPr>
+              <a:t>&lt; Sample &gt;</a:t>
+            </a:r>
+            <a:endParaRPr lang="en-US" altLang="ko-KR" sz="5400" b="0" i="1" cap="none" spc="0" dirty="0">
+              <a:ln w="0"/>
+              <a:solidFill>
+                <a:schemeClr val="tx1"/>
+              </a:solidFill>
+              <a:effectLst>
+                <a:outerShdw blurRad="38100" dist="19050" dir="2700000" algn="tl" rotWithShape="0">
+                  <a:schemeClr val="dk1">
+                    <a:alpha val="40000"/>
+                  </a:schemeClr>
+                </a:outerShdw>
+              </a:effectLst>
+            </a:endParaRPr>
+          </a:p>
+        </p:txBody>
+      </p:sp>
+    </p:spTree>
+    <p:extLst>
+      <p:ext uri="{BB962C8B-B14F-4D97-AF65-F5344CB8AC3E}">
+        <p14:creationId xmlns:p14="http://schemas.microsoft.com/office/powerpoint/2010/main" val="351917815"/>
+      </p:ext>
+    </p:extLst>
+  </p:cSld>
+  <p:clrMapOvr>
+    <a:masterClrMapping/>
+  </p:clrMapOvr>
+  <p:timing>
+    <p:tnLst>
+      <p:par>
+        <p:cTn id="1" dur="indefinite" restart="never" nodeType="tmRoot"/>
+      </p:par>
+    </p:tnLst>
+  </p:timing>
+</p:sld>
+</file>
+
+<file path=ppt/slides/slide9.xml><?xml version="1.0" encoding="utf-8"?>
 <p:sld xmlns:a="http://schemas.openxmlformats.org/drawingml/2006/main" xmlns:r="http://schemas.openxmlformats.org/officeDocument/2006/relationships" xmlns:p="http://schemas.openxmlformats.org/presentationml/2006/main">
   <p:cSld>
     <p:spTree>
@@ -6469,1941 +12589,13 @@
   <p:clrMapOvr>
     <a:masterClrMapping/>
   </p:clrMapOvr>
-</p:sld>
-</file>
-
-<file path=ppt/slides/slide5.xml><?xml version="1.0" encoding="utf-8"?>
-<p:sld xmlns:a="http://schemas.openxmlformats.org/drawingml/2006/main" xmlns:r="http://schemas.openxmlformats.org/officeDocument/2006/relationships" xmlns:p="http://schemas.openxmlformats.org/presentationml/2006/main">
-  <p:cSld>
-    <p:spTree>
-      <p:nvGrpSpPr>
-        <p:cNvPr id="1" name=""/>
-        <p:cNvGrpSpPr/>
-        <p:nvPr/>
-      </p:nvGrpSpPr>
-      <p:grpSpPr>
-        <a:xfrm>
-          <a:off x="0" y="0"/>
-          <a:ext cx="0" cy="0"/>
-          <a:chOff x="0" y="0"/>
-          <a:chExt cx="0" cy="0"/>
-        </a:xfrm>
-      </p:grpSpPr>
-      <p:sp>
-        <p:nvSpPr>
-          <p:cNvPr id="2" name="제목 1"/>
-          <p:cNvSpPr>
-            <a:spLocks noGrp="1"/>
-          </p:cNvSpPr>
-          <p:nvPr>
-            <p:ph type="title"/>
-          </p:nvPr>
-        </p:nvSpPr>
-        <p:spPr>
-          <a:xfrm>
-            <a:off x="838200" y="365125"/>
-            <a:ext cx="10398211" cy="359805"/>
-          </a:xfrm>
-        </p:spPr>
-        <p:txBody>
-          <a:bodyPr>
-            <a:noAutofit/>
-          </a:bodyPr>
-          <a:lstStyle/>
-          <a:p>
-            <a:r>
-              <a:rPr lang="en-US" altLang="ko-KR" sz="2800" b="1" dirty="0" smtClean="0"/>
-              <a:t>4. </a:t>
-            </a:r>
-            <a:r>
-              <a:rPr lang="ko-KR" altLang="en-US" sz="2800" b="1" dirty="0" smtClean="0"/>
-              <a:t>흐름도</a:t>
-            </a:r>
-            <a:endParaRPr lang="ko-KR" altLang="en-US" sz="2800" b="1" dirty="0"/>
-          </a:p>
-        </p:txBody>
-      </p:sp>
-      <p:sp>
-        <p:nvSpPr>
-          <p:cNvPr id="13" name="직사각형 12"/>
-          <p:cNvSpPr/>
-          <p:nvPr/>
-        </p:nvSpPr>
-        <p:spPr>
-          <a:xfrm>
-            <a:off x="150403" y="1062532"/>
-            <a:ext cx="1978632" cy="330358"/>
-          </a:xfrm>
-          <a:prstGeom prst="rect">
-            <a:avLst/>
-          </a:prstGeom>
-          <a:noFill/>
-          <a:ln w="38100">
-            <a:solidFill>
-              <a:schemeClr val="tx1"/>
-            </a:solidFill>
-          </a:ln>
-        </p:spPr>
-        <p:style>
-          <a:lnRef idx="2">
-            <a:schemeClr val="accent1">
-              <a:shade val="50000"/>
-            </a:schemeClr>
-          </a:lnRef>
-          <a:fillRef idx="1">
-            <a:schemeClr val="accent1"/>
-          </a:fillRef>
-          <a:effectRef idx="0">
-            <a:schemeClr val="accent1"/>
-          </a:effectRef>
-          <a:fontRef idx="minor">
-            <a:schemeClr val="lt1"/>
-          </a:fontRef>
-        </p:style>
-        <p:txBody>
-          <a:bodyPr rtlCol="0" anchor="ctr"/>
-          <a:lstStyle/>
-          <a:p>
-            <a:pPr algn="ctr"/>
-            <a:r>
-              <a:rPr lang="en-US" altLang="ko-KR" sz="1200" b="1" dirty="0" smtClean="0">
-                <a:solidFill>
-                  <a:schemeClr val="tx1"/>
-                </a:solidFill>
-              </a:rPr>
-              <a:t>Spring Boot Application</a:t>
-            </a:r>
-            <a:endParaRPr lang="ko-KR" altLang="en-US" sz="1200" b="1" dirty="0">
-              <a:solidFill>
-                <a:schemeClr val="tx1"/>
-              </a:solidFill>
-            </a:endParaRPr>
-          </a:p>
-        </p:txBody>
-      </p:sp>
-      <p:sp>
-        <p:nvSpPr>
-          <p:cNvPr id="14" name="직사각형 13"/>
-          <p:cNvSpPr/>
-          <p:nvPr/>
-        </p:nvSpPr>
-        <p:spPr>
-          <a:xfrm>
-            <a:off x="2285838" y="1062532"/>
-            <a:ext cx="1055053" cy="330358"/>
-          </a:xfrm>
-          <a:prstGeom prst="rect">
-            <a:avLst/>
-          </a:prstGeom>
-          <a:noFill/>
-          <a:ln w="38100">
-            <a:solidFill>
-              <a:schemeClr val="tx1"/>
-            </a:solidFill>
-          </a:ln>
-        </p:spPr>
-        <p:style>
-          <a:lnRef idx="2">
-            <a:schemeClr val="accent1">
-              <a:shade val="50000"/>
-            </a:schemeClr>
-          </a:lnRef>
-          <a:fillRef idx="1">
-            <a:schemeClr val="accent1"/>
-          </a:fillRef>
-          <a:effectRef idx="0">
-            <a:schemeClr val="accent1"/>
-          </a:effectRef>
-          <a:fontRef idx="minor">
-            <a:schemeClr val="lt1"/>
-          </a:fontRef>
-        </p:style>
-        <p:txBody>
-          <a:bodyPr rtlCol="0" anchor="ctr"/>
-          <a:lstStyle/>
-          <a:p>
-            <a:pPr algn="ctr"/>
-            <a:r>
-              <a:rPr lang="en-US" altLang="ko-KR" sz="1200" b="1" dirty="0" smtClean="0">
-                <a:solidFill>
-                  <a:schemeClr val="tx1"/>
-                </a:solidFill>
-              </a:rPr>
-              <a:t>Carrier(</a:t>
-            </a:r>
-            <a:r>
-              <a:rPr lang="ko-KR" altLang="en-US" sz="1200" b="1" dirty="0" smtClean="0">
-                <a:solidFill>
-                  <a:schemeClr val="tx1"/>
-                </a:solidFill>
-              </a:rPr>
-              <a:t>가칭</a:t>
-            </a:r>
-            <a:r>
-              <a:rPr lang="en-US" altLang="ko-KR" sz="1200" b="1" dirty="0" smtClean="0">
-                <a:solidFill>
-                  <a:schemeClr val="tx1"/>
-                </a:solidFill>
-              </a:rPr>
-              <a:t>)</a:t>
-            </a:r>
-            <a:endParaRPr lang="ko-KR" altLang="en-US" sz="1200" b="1" dirty="0">
-              <a:solidFill>
-                <a:schemeClr val="tx1"/>
-              </a:solidFill>
-            </a:endParaRPr>
-          </a:p>
-        </p:txBody>
-      </p:sp>
-      <p:sp>
-        <p:nvSpPr>
-          <p:cNvPr id="15" name="직사각형 14"/>
-          <p:cNvSpPr/>
-          <p:nvPr/>
-        </p:nvSpPr>
-        <p:spPr>
-          <a:xfrm>
-            <a:off x="3497694" y="1062681"/>
-            <a:ext cx="1077447" cy="330358"/>
-          </a:xfrm>
-          <a:prstGeom prst="rect">
-            <a:avLst/>
-          </a:prstGeom>
-          <a:noFill/>
-          <a:ln w="38100">
-            <a:solidFill>
-              <a:schemeClr val="tx1"/>
-            </a:solidFill>
-          </a:ln>
-        </p:spPr>
-        <p:style>
-          <a:lnRef idx="2">
-            <a:schemeClr val="accent1">
-              <a:shade val="50000"/>
-            </a:schemeClr>
-          </a:lnRef>
-          <a:fillRef idx="1">
-            <a:schemeClr val="accent1"/>
-          </a:fillRef>
-          <a:effectRef idx="0">
-            <a:schemeClr val="accent1"/>
-          </a:effectRef>
-          <a:fontRef idx="minor">
-            <a:schemeClr val="lt1"/>
-          </a:fontRef>
-        </p:style>
-        <p:txBody>
-          <a:bodyPr rtlCol="0" anchor="ctr"/>
-          <a:lstStyle/>
-          <a:p>
-            <a:pPr algn="ctr"/>
-            <a:r>
-              <a:rPr lang="en-US" altLang="ko-KR" sz="1200" b="1" dirty="0" smtClean="0">
-                <a:solidFill>
-                  <a:schemeClr val="tx1"/>
-                </a:solidFill>
-              </a:rPr>
-              <a:t>Loader(</a:t>
-            </a:r>
-            <a:r>
-              <a:rPr lang="ko-KR" altLang="en-US" sz="1200" b="1" dirty="0" smtClean="0">
-                <a:solidFill>
-                  <a:schemeClr val="tx1"/>
-                </a:solidFill>
-              </a:rPr>
-              <a:t>가칭</a:t>
-            </a:r>
-            <a:r>
-              <a:rPr lang="en-US" altLang="ko-KR" sz="1200" b="1" dirty="0" smtClean="0">
-                <a:solidFill>
-                  <a:schemeClr val="tx1"/>
-                </a:solidFill>
-              </a:rPr>
-              <a:t>)</a:t>
-            </a:r>
-            <a:endParaRPr lang="ko-KR" altLang="en-US" sz="1200" b="1" dirty="0">
-              <a:solidFill>
-                <a:schemeClr val="tx1"/>
-              </a:solidFill>
-            </a:endParaRPr>
-          </a:p>
-        </p:txBody>
-      </p:sp>
-      <p:sp>
-        <p:nvSpPr>
-          <p:cNvPr id="16" name="직사각형 15"/>
-          <p:cNvSpPr/>
-          <p:nvPr/>
-        </p:nvSpPr>
-        <p:spPr>
-          <a:xfrm>
-            <a:off x="10026781" y="1062532"/>
-            <a:ext cx="1978632" cy="517644"/>
-          </a:xfrm>
-          <a:prstGeom prst="rect">
-            <a:avLst/>
-          </a:prstGeom>
-          <a:noFill/>
-          <a:ln w="38100">
-            <a:solidFill>
-              <a:schemeClr val="tx1"/>
-            </a:solidFill>
-          </a:ln>
-        </p:spPr>
-        <p:style>
-          <a:lnRef idx="2">
-            <a:schemeClr val="accent1">
-              <a:shade val="50000"/>
-            </a:schemeClr>
-          </a:lnRef>
-          <a:fillRef idx="1">
-            <a:schemeClr val="accent1"/>
-          </a:fillRef>
-          <a:effectRef idx="0">
-            <a:schemeClr val="accent1"/>
-          </a:effectRef>
-          <a:fontRef idx="minor">
-            <a:schemeClr val="lt1"/>
-          </a:fontRef>
-        </p:style>
-        <p:txBody>
-          <a:bodyPr rtlCol="0" anchor="ctr"/>
-          <a:lstStyle/>
-          <a:p>
-            <a:pPr algn="ctr"/>
-            <a:r>
-              <a:rPr lang="en-US" altLang="ko-KR" sz="1200" b="1" dirty="0" smtClean="0">
-                <a:solidFill>
-                  <a:schemeClr val="tx1"/>
-                </a:solidFill>
-              </a:rPr>
-              <a:t>Spring Boot Application</a:t>
-            </a:r>
-          </a:p>
-          <a:p>
-            <a:pPr algn="ctr"/>
-            <a:r>
-              <a:rPr lang="en-US" altLang="ko-KR" sz="1200" b="1" dirty="0" smtClean="0">
-                <a:solidFill>
-                  <a:schemeClr val="tx1"/>
-                </a:solidFill>
-              </a:rPr>
-              <a:t>Configuration(</a:t>
-            </a:r>
-            <a:r>
-              <a:rPr lang="ko-KR" altLang="en-US" sz="1200" b="1" dirty="0" smtClean="0">
-                <a:solidFill>
-                  <a:schemeClr val="tx1"/>
-                </a:solidFill>
-              </a:rPr>
-              <a:t>전문 서버</a:t>
-            </a:r>
-            <a:r>
-              <a:rPr lang="en-US" altLang="ko-KR" sz="1200" b="1" dirty="0" smtClean="0">
-                <a:solidFill>
-                  <a:schemeClr val="tx1"/>
-                </a:solidFill>
-              </a:rPr>
-              <a:t>)</a:t>
-            </a:r>
-            <a:endParaRPr lang="ko-KR" altLang="en-US" sz="1200" b="1" dirty="0">
-              <a:solidFill>
-                <a:schemeClr val="tx1"/>
-              </a:solidFill>
-            </a:endParaRPr>
-          </a:p>
-        </p:txBody>
-      </p:sp>
-      <p:cxnSp>
-        <p:nvCxnSpPr>
-          <p:cNvPr id="7" name="직선 연결선 6"/>
-          <p:cNvCxnSpPr>
-            <a:stCxn id="16" idx="2"/>
-          </p:cNvCxnSpPr>
-          <p:nvPr/>
-        </p:nvCxnSpPr>
-        <p:spPr>
-          <a:xfrm>
-            <a:off x="11016097" y="1580176"/>
-            <a:ext cx="0" cy="5188945"/>
-          </a:xfrm>
-          <a:prstGeom prst="line">
-            <a:avLst/>
-          </a:prstGeom>
-          <a:ln w="38100">
-            <a:solidFill>
-              <a:schemeClr val="tx1"/>
-            </a:solidFill>
-          </a:ln>
-        </p:spPr>
-        <p:style>
-          <a:lnRef idx="1">
-            <a:schemeClr val="accent1"/>
-          </a:lnRef>
-          <a:fillRef idx="0">
-            <a:schemeClr val="accent1"/>
-          </a:fillRef>
-          <a:effectRef idx="0">
-            <a:schemeClr val="accent1"/>
-          </a:effectRef>
-          <a:fontRef idx="minor">
-            <a:schemeClr val="tx1"/>
-          </a:fontRef>
-        </p:style>
-      </p:cxnSp>
-      <p:cxnSp>
-        <p:nvCxnSpPr>
-          <p:cNvPr id="19" name="직선 연결선 18"/>
-          <p:cNvCxnSpPr/>
-          <p:nvPr/>
-        </p:nvCxnSpPr>
-        <p:spPr>
-          <a:xfrm>
-            <a:off x="1139719" y="1392890"/>
-            <a:ext cx="0" cy="5188945"/>
-          </a:xfrm>
-          <a:prstGeom prst="line">
-            <a:avLst/>
-          </a:prstGeom>
-          <a:ln w="38100">
-            <a:solidFill>
-              <a:schemeClr val="tx1"/>
-            </a:solidFill>
-          </a:ln>
-        </p:spPr>
-        <p:style>
-          <a:lnRef idx="1">
-            <a:schemeClr val="accent1"/>
-          </a:lnRef>
-          <a:fillRef idx="0">
-            <a:schemeClr val="accent1"/>
-          </a:fillRef>
-          <a:effectRef idx="0">
-            <a:schemeClr val="accent1"/>
-          </a:effectRef>
-          <a:fontRef idx="minor">
-            <a:schemeClr val="tx1"/>
-          </a:fontRef>
-        </p:style>
-      </p:cxnSp>
-      <p:cxnSp>
-        <p:nvCxnSpPr>
-          <p:cNvPr id="20" name="직선 연결선 19"/>
-          <p:cNvCxnSpPr/>
-          <p:nvPr/>
-        </p:nvCxnSpPr>
-        <p:spPr>
-          <a:xfrm>
-            <a:off x="2791329" y="1392890"/>
-            <a:ext cx="0" cy="5188945"/>
-          </a:xfrm>
-          <a:prstGeom prst="line">
-            <a:avLst/>
-          </a:prstGeom>
-          <a:ln w="38100">
-            <a:solidFill>
-              <a:schemeClr val="tx1"/>
-            </a:solidFill>
-          </a:ln>
-        </p:spPr>
-        <p:style>
-          <a:lnRef idx="1">
-            <a:schemeClr val="accent1"/>
-          </a:lnRef>
-          <a:fillRef idx="0">
-            <a:schemeClr val="accent1"/>
-          </a:fillRef>
-          <a:effectRef idx="0">
-            <a:schemeClr val="accent1"/>
-          </a:effectRef>
-          <a:fontRef idx="minor">
-            <a:schemeClr val="tx1"/>
-          </a:fontRef>
-        </p:style>
-      </p:cxnSp>
-      <p:cxnSp>
-        <p:nvCxnSpPr>
-          <p:cNvPr id="21" name="직선 연결선 20"/>
-          <p:cNvCxnSpPr/>
-          <p:nvPr/>
-        </p:nvCxnSpPr>
-        <p:spPr>
-          <a:xfrm>
-            <a:off x="4025220" y="1393039"/>
-            <a:ext cx="0" cy="5188945"/>
-          </a:xfrm>
-          <a:prstGeom prst="line">
-            <a:avLst/>
-          </a:prstGeom>
-          <a:ln w="38100">
-            <a:solidFill>
-              <a:schemeClr val="tx1"/>
-            </a:solidFill>
-          </a:ln>
-        </p:spPr>
-        <p:style>
-          <a:lnRef idx="1">
-            <a:schemeClr val="accent1"/>
-          </a:lnRef>
-          <a:fillRef idx="0">
-            <a:schemeClr val="accent1"/>
-          </a:fillRef>
-          <a:effectRef idx="0">
-            <a:schemeClr val="accent1"/>
-          </a:effectRef>
-          <a:fontRef idx="minor">
-            <a:schemeClr val="tx1"/>
-          </a:fontRef>
-        </p:style>
-      </p:cxnSp>
-      <p:sp>
-        <p:nvSpPr>
-          <p:cNvPr id="22" name="직사각형 21"/>
-          <p:cNvSpPr/>
-          <p:nvPr/>
-        </p:nvSpPr>
-        <p:spPr>
-          <a:xfrm>
-            <a:off x="4724969" y="1062532"/>
-            <a:ext cx="1278878" cy="330358"/>
-          </a:xfrm>
-          <a:prstGeom prst="rect">
-            <a:avLst/>
-          </a:prstGeom>
-          <a:noFill/>
-          <a:ln w="38100">
-            <a:solidFill>
-              <a:schemeClr val="tx1"/>
-            </a:solidFill>
-          </a:ln>
-        </p:spPr>
-        <p:style>
-          <a:lnRef idx="2">
-            <a:schemeClr val="accent1">
-              <a:shade val="50000"/>
-            </a:schemeClr>
-          </a:lnRef>
-          <a:fillRef idx="1">
-            <a:schemeClr val="accent1"/>
-          </a:fillRef>
-          <a:effectRef idx="0">
-            <a:schemeClr val="accent1"/>
-          </a:effectRef>
-          <a:fontRef idx="minor">
-            <a:schemeClr val="lt1"/>
-          </a:fontRef>
-        </p:style>
-        <p:txBody>
-          <a:bodyPr rtlCol="0" anchor="ctr"/>
-          <a:lstStyle/>
-          <a:p>
-            <a:pPr algn="ctr"/>
-            <a:r>
-              <a:rPr lang="en-US" altLang="ko-KR" sz="1200" b="1" dirty="0" smtClean="0">
-                <a:solidFill>
-                  <a:schemeClr val="tx1"/>
-                </a:solidFill>
-              </a:rPr>
-              <a:t>Handler(</a:t>
-            </a:r>
-            <a:r>
-              <a:rPr lang="ko-KR" altLang="en-US" sz="1200" b="1" dirty="0" smtClean="0">
-                <a:solidFill>
-                  <a:schemeClr val="tx1"/>
-                </a:solidFill>
-              </a:rPr>
-              <a:t>가칭</a:t>
-            </a:r>
-            <a:r>
-              <a:rPr lang="en-US" altLang="ko-KR" sz="1200" b="1" dirty="0" smtClean="0">
-                <a:solidFill>
-                  <a:schemeClr val="tx1"/>
-                </a:solidFill>
-              </a:rPr>
-              <a:t>)</a:t>
-            </a:r>
-            <a:endParaRPr lang="ko-KR" altLang="en-US" sz="1200" b="1" dirty="0">
-              <a:solidFill>
-                <a:schemeClr val="tx1"/>
-              </a:solidFill>
-            </a:endParaRPr>
-          </a:p>
-        </p:txBody>
-      </p:sp>
-      <p:cxnSp>
-        <p:nvCxnSpPr>
-          <p:cNvPr id="23" name="직선 연결선 22"/>
-          <p:cNvCxnSpPr/>
-          <p:nvPr/>
-        </p:nvCxnSpPr>
-        <p:spPr>
-          <a:xfrm>
-            <a:off x="5318595" y="1392741"/>
-            <a:ext cx="0" cy="5188945"/>
-          </a:xfrm>
-          <a:prstGeom prst="line">
-            <a:avLst/>
-          </a:prstGeom>
-          <a:ln w="38100">
-            <a:solidFill>
-              <a:schemeClr val="tx1"/>
-            </a:solidFill>
-          </a:ln>
-        </p:spPr>
-        <p:style>
-          <a:lnRef idx="1">
-            <a:schemeClr val="accent1"/>
-          </a:lnRef>
-          <a:fillRef idx="0">
-            <a:schemeClr val="accent1"/>
-          </a:fillRef>
-          <a:effectRef idx="0">
-            <a:schemeClr val="accent1"/>
-          </a:effectRef>
-          <a:fontRef idx="minor">
-            <a:schemeClr val="tx1"/>
-          </a:fontRef>
-        </p:style>
-      </p:cxnSp>
-      <p:sp>
-        <p:nvSpPr>
-          <p:cNvPr id="27" name="직사각형 26"/>
-          <p:cNvSpPr/>
-          <p:nvPr/>
-        </p:nvSpPr>
-        <p:spPr>
-          <a:xfrm>
-            <a:off x="6162857" y="1062532"/>
-            <a:ext cx="1495727" cy="330358"/>
-          </a:xfrm>
-          <a:prstGeom prst="rect">
-            <a:avLst/>
-          </a:prstGeom>
-          <a:noFill/>
-          <a:ln w="38100">
-            <a:solidFill>
-              <a:schemeClr val="tx1"/>
-            </a:solidFill>
-          </a:ln>
-        </p:spPr>
-        <p:style>
-          <a:lnRef idx="2">
-            <a:schemeClr val="accent1">
-              <a:shade val="50000"/>
-            </a:schemeClr>
-          </a:lnRef>
-          <a:fillRef idx="1">
-            <a:schemeClr val="accent1"/>
-          </a:fillRef>
-          <a:effectRef idx="0">
-            <a:schemeClr val="accent1"/>
-          </a:effectRef>
-          <a:fontRef idx="minor">
-            <a:schemeClr val="lt1"/>
-          </a:fontRef>
-        </p:style>
-        <p:txBody>
-          <a:bodyPr rtlCol="0" anchor="ctr"/>
-          <a:lstStyle/>
-          <a:p>
-            <a:pPr algn="ctr"/>
-            <a:r>
-              <a:rPr lang="en-US" altLang="ko-KR" sz="1200" b="1" dirty="0" err="1" smtClean="0">
-                <a:solidFill>
-                  <a:schemeClr val="tx1"/>
-                </a:solidFill>
-              </a:rPr>
-              <a:t>MessageInfo</a:t>
-            </a:r>
-            <a:r>
-              <a:rPr lang="en-US" altLang="ko-KR" sz="1200" b="1" dirty="0" smtClean="0">
-                <a:solidFill>
-                  <a:schemeClr val="tx1"/>
-                </a:solidFill>
-              </a:rPr>
-              <a:t>(</a:t>
-            </a:r>
-            <a:r>
-              <a:rPr lang="ko-KR" altLang="en-US" sz="1200" b="1" dirty="0" smtClean="0">
-                <a:solidFill>
-                  <a:schemeClr val="tx1"/>
-                </a:solidFill>
-              </a:rPr>
-              <a:t>가칭</a:t>
-            </a:r>
-            <a:r>
-              <a:rPr lang="en-US" altLang="ko-KR" sz="1200" b="1" dirty="0" smtClean="0">
-                <a:solidFill>
-                  <a:schemeClr val="tx1"/>
-                </a:solidFill>
-              </a:rPr>
-              <a:t>)</a:t>
-            </a:r>
-            <a:endParaRPr lang="ko-KR" altLang="en-US" sz="1200" b="1" dirty="0">
-              <a:solidFill>
-                <a:schemeClr val="tx1"/>
-              </a:solidFill>
-            </a:endParaRPr>
-          </a:p>
-        </p:txBody>
-      </p:sp>
-      <p:cxnSp>
-        <p:nvCxnSpPr>
-          <p:cNvPr id="28" name="직선 연결선 27"/>
-          <p:cNvCxnSpPr/>
-          <p:nvPr/>
-        </p:nvCxnSpPr>
-        <p:spPr>
-          <a:xfrm>
-            <a:off x="6910720" y="1392890"/>
-            <a:ext cx="0" cy="5188945"/>
-          </a:xfrm>
-          <a:prstGeom prst="line">
-            <a:avLst/>
-          </a:prstGeom>
-          <a:ln w="38100">
-            <a:solidFill>
-              <a:schemeClr val="tx1"/>
-            </a:solidFill>
-          </a:ln>
-        </p:spPr>
-        <p:style>
-          <a:lnRef idx="1">
-            <a:schemeClr val="accent1"/>
-          </a:lnRef>
-          <a:fillRef idx="0">
-            <a:schemeClr val="accent1"/>
-          </a:fillRef>
-          <a:effectRef idx="0">
-            <a:schemeClr val="accent1"/>
-          </a:effectRef>
-          <a:fontRef idx="minor">
-            <a:schemeClr val="tx1"/>
-          </a:fontRef>
-        </p:style>
-      </p:cxnSp>
-      <p:sp>
-        <p:nvSpPr>
-          <p:cNvPr id="29" name="직사각형 28"/>
-          <p:cNvSpPr/>
-          <p:nvPr/>
-        </p:nvSpPr>
-        <p:spPr>
-          <a:xfrm>
-            <a:off x="7775079" y="1062532"/>
-            <a:ext cx="1195432" cy="330358"/>
-          </a:xfrm>
-          <a:prstGeom prst="rect">
-            <a:avLst/>
-          </a:prstGeom>
-          <a:noFill/>
-          <a:ln w="38100">
-            <a:solidFill>
-              <a:schemeClr val="tx1"/>
-            </a:solidFill>
-          </a:ln>
-        </p:spPr>
-        <p:style>
-          <a:lnRef idx="2">
-            <a:schemeClr val="accent1">
-              <a:shade val="50000"/>
-            </a:schemeClr>
-          </a:lnRef>
-          <a:fillRef idx="1">
-            <a:schemeClr val="accent1"/>
-          </a:fillRef>
-          <a:effectRef idx="0">
-            <a:schemeClr val="accent1"/>
-          </a:effectRef>
-          <a:fontRef idx="minor">
-            <a:schemeClr val="lt1"/>
-          </a:fontRef>
-        </p:style>
-        <p:txBody>
-          <a:bodyPr rtlCol="0" anchor="ctr"/>
-          <a:lstStyle/>
-          <a:p>
-            <a:pPr algn="ctr"/>
-            <a:r>
-              <a:rPr lang="en-US" altLang="ko-KR" sz="1200" b="1" dirty="0" smtClean="0">
-                <a:solidFill>
-                  <a:schemeClr val="tx1"/>
-                </a:solidFill>
-              </a:rPr>
-              <a:t>Service(</a:t>
-            </a:r>
-            <a:r>
-              <a:rPr lang="ko-KR" altLang="en-US" sz="1200" b="1" dirty="0" smtClean="0">
-                <a:solidFill>
-                  <a:schemeClr val="tx1"/>
-                </a:solidFill>
-              </a:rPr>
-              <a:t>가칭</a:t>
-            </a:r>
-            <a:r>
-              <a:rPr lang="en-US" altLang="ko-KR" sz="1200" b="1" dirty="0" smtClean="0">
-                <a:solidFill>
-                  <a:schemeClr val="tx1"/>
-                </a:solidFill>
-              </a:rPr>
-              <a:t>)</a:t>
-            </a:r>
-            <a:endParaRPr lang="ko-KR" altLang="en-US" sz="1200" b="1" dirty="0">
-              <a:solidFill>
-                <a:schemeClr val="tx1"/>
-              </a:solidFill>
-            </a:endParaRPr>
-          </a:p>
-        </p:txBody>
-      </p:sp>
-      <p:cxnSp>
-        <p:nvCxnSpPr>
-          <p:cNvPr id="30" name="직선 연결선 29"/>
-          <p:cNvCxnSpPr/>
-          <p:nvPr/>
-        </p:nvCxnSpPr>
-        <p:spPr>
-          <a:xfrm>
-            <a:off x="8324638" y="1392741"/>
-            <a:ext cx="0" cy="5188945"/>
-          </a:xfrm>
-          <a:prstGeom prst="line">
-            <a:avLst/>
-          </a:prstGeom>
-          <a:ln w="38100">
-            <a:solidFill>
-              <a:schemeClr val="tx1"/>
-            </a:solidFill>
-          </a:ln>
-        </p:spPr>
-        <p:style>
-          <a:lnRef idx="1">
-            <a:schemeClr val="accent1"/>
-          </a:lnRef>
-          <a:fillRef idx="0">
-            <a:schemeClr val="accent1"/>
-          </a:fillRef>
-          <a:effectRef idx="0">
-            <a:schemeClr val="accent1"/>
-          </a:effectRef>
-          <a:fontRef idx="minor">
-            <a:schemeClr val="tx1"/>
-          </a:fontRef>
-        </p:style>
-      </p:cxnSp>
-      <p:grpSp>
-        <p:nvGrpSpPr>
-          <p:cNvPr id="12" name="그룹 11"/>
-          <p:cNvGrpSpPr/>
-          <p:nvPr/>
-        </p:nvGrpSpPr>
-        <p:grpSpPr>
-          <a:xfrm>
-            <a:off x="1120842" y="2010579"/>
-            <a:ext cx="1692522" cy="276999"/>
-            <a:chOff x="1143732" y="1236222"/>
-            <a:chExt cx="1692522" cy="276999"/>
-          </a:xfrm>
-        </p:grpSpPr>
-        <p:cxnSp>
-          <p:nvCxnSpPr>
-            <p:cNvPr id="31" name="직선 화살표 연결선 30"/>
-            <p:cNvCxnSpPr/>
-            <p:nvPr/>
-          </p:nvCxnSpPr>
-          <p:spPr>
-            <a:xfrm>
-              <a:off x="1143732" y="1476112"/>
-              <a:ext cx="1692522" cy="1"/>
-            </a:xfrm>
-            <a:prstGeom prst="straightConnector1">
-              <a:avLst/>
-            </a:prstGeom>
-            <a:ln w="34925">
-              <a:solidFill>
-                <a:schemeClr val="tx1"/>
-              </a:solidFill>
-              <a:headEnd w="lg" len="lg"/>
-              <a:tailEnd type="triangle"/>
-            </a:ln>
-          </p:spPr>
-          <p:style>
-            <a:lnRef idx="1">
-              <a:schemeClr val="accent1"/>
-            </a:lnRef>
-            <a:fillRef idx="0">
-              <a:schemeClr val="accent1"/>
-            </a:fillRef>
-            <a:effectRef idx="0">
-              <a:schemeClr val="accent1"/>
-            </a:effectRef>
-            <a:fontRef idx="minor">
-              <a:schemeClr val="tx1"/>
-            </a:fontRef>
-          </p:style>
-        </p:cxnSp>
-        <p:sp>
-          <p:nvSpPr>
-            <p:cNvPr id="11" name="TextBox 10"/>
-            <p:cNvSpPr txBox="1"/>
-            <p:nvPr/>
-          </p:nvSpPr>
-          <p:spPr>
-            <a:xfrm>
-              <a:off x="1221456" y="1236222"/>
-              <a:ext cx="1398084" cy="276999"/>
-            </a:xfrm>
-            <a:prstGeom prst="rect">
-              <a:avLst/>
-            </a:prstGeom>
-            <a:noFill/>
-          </p:spPr>
-          <p:txBody>
-            <a:bodyPr wrap="square" rtlCol="0">
-              <a:spAutoFit/>
-            </a:bodyPr>
-            <a:lstStyle/>
-            <a:p>
-              <a:r>
-                <a:rPr lang="en-US" altLang="ko-KR" sz="1200" b="1" dirty="0" err="1" smtClean="0"/>
-                <a:t>startAll</a:t>
-              </a:r>
-              <a:endParaRPr lang="ko-KR" altLang="en-US" sz="1200" b="1" dirty="0"/>
-            </a:p>
-          </p:txBody>
-        </p:sp>
-      </p:grpSp>
-      <p:grpSp>
-        <p:nvGrpSpPr>
-          <p:cNvPr id="46" name="그룹 45"/>
-          <p:cNvGrpSpPr/>
-          <p:nvPr/>
-        </p:nvGrpSpPr>
-        <p:grpSpPr>
-          <a:xfrm>
-            <a:off x="1145490" y="1465716"/>
-            <a:ext cx="1228120" cy="472037"/>
-            <a:chOff x="1145490" y="1465716"/>
-            <a:chExt cx="2800806" cy="472037"/>
-          </a:xfrm>
-        </p:grpSpPr>
-        <p:cxnSp>
-          <p:nvCxnSpPr>
-            <p:cNvPr id="18" name="꺾인 연결선 17"/>
-            <p:cNvCxnSpPr/>
-            <p:nvPr/>
-          </p:nvCxnSpPr>
-          <p:spPr>
-            <a:xfrm>
-              <a:off x="1145490" y="1705605"/>
-              <a:ext cx="460722" cy="232148"/>
-            </a:xfrm>
-            <a:prstGeom prst="bentConnector3">
-              <a:avLst>
-                <a:gd name="adj1" fmla="val 191254"/>
-              </a:avLst>
-            </a:prstGeom>
-            <a:ln w="25400">
-              <a:solidFill>
-                <a:schemeClr val="tx1"/>
-              </a:solidFill>
-              <a:tailEnd type="triangle"/>
-            </a:ln>
-          </p:spPr>
-          <p:style>
-            <a:lnRef idx="1">
-              <a:schemeClr val="accent1"/>
-            </a:lnRef>
-            <a:fillRef idx="0">
-              <a:schemeClr val="accent1"/>
-            </a:fillRef>
-            <a:effectRef idx="0">
-              <a:schemeClr val="accent1"/>
-            </a:effectRef>
-            <a:fontRef idx="minor">
-              <a:schemeClr val="tx1"/>
-            </a:fontRef>
-          </p:style>
-        </p:cxnSp>
-        <p:sp>
-          <p:nvSpPr>
-            <p:cNvPr id="44" name="TextBox 43"/>
-            <p:cNvSpPr txBox="1"/>
-            <p:nvPr/>
-          </p:nvSpPr>
-          <p:spPr>
-            <a:xfrm>
-              <a:off x="1158599" y="1465716"/>
-              <a:ext cx="2787697" cy="261610"/>
-            </a:xfrm>
-            <a:prstGeom prst="rect">
-              <a:avLst/>
-            </a:prstGeom>
-            <a:noFill/>
-          </p:spPr>
-          <p:txBody>
-            <a:bodyPr wrap="square" rtlCol="0">
-              <a:spAutoFit/>
-            </a:bodyPr>
-            <a:lstStyle/>
-            <a:p>
-              <a:r>
-                <a:rPr lang="en-US" altLang="ko-KR" sz="1100" b="1" dirty="0" err="1" smtClean="0"/>
-                <a:t>init</a:t>
-              </a:r>
-              <a:endParaRPr lang="ko-KR" altLang="en-US" sz="1100" b="1" dirty="0"/>
-            </a:p>
-          </p:txBody>
-        </p:sp>
-      </p:grpSp>
-      <p:grpSp>
-        <p:nvGrpSpPr>
-          <p:cNvPr id="47" name="그룹 46"/>
-          <p:cNvGrpSpPr/>
-          <p:nvPr/>
-        </p:nvGrpSpPr>
-        <p:grpSpPr>
-          <a:xfrm>
-            <a:off x="2770191" y="2351860"/>
-            <a:ext cx="8245905" cy="276999"/>
-            <a:chOff x="1143732" y="1236222"/>
-            <a:chExt cx="1692522" cy="276999"/>
-          </a:xfrm>
-        </p:grpSpPr>
-        <p:cxnSp>
-          <p:nvCxnSpPr>
-            <p:cNvPr id="48" name="직선 화살표 연결선 47"/>
-            <p:cNvCxnSpPr/>
-            <p:nvPr/>
-          </p:nvCxnSpPr>
-          <p:spPr>
-            <a:xfrm>
-              <a:off x="1143732" y="1476112"/>
-              <a:ext cx="1692522" cy="1"/>
-            </a:xfrm>
-            <a:prstGeom prst="straightConnector1">
-              <a:avLst/>
-            </a:prstGeom>
-            <a:ln w="34925">
-              <a:solidFill>
-                <a:schemeClr val="tx1"/>
-              </a:solidFill>
-              <a:headEnd w="lg" len="lg"/>
-              <a:tailEnd type="triangle"/>
-            </a:ln>
-          </p:spPr>
-          <p:style>
-            <a:lnRef idx="1">
-              <a:schemeClr val="accent1"/>
-            </a:lnRef>
-            <a:fillRef idx="0">
-              <a:schemeClr val="accent1"/>
-            </a:fillRef>
-            <a:effectRef idx="0">
-              <a:schemeClr val="accent1"/>
-            </a:effectRef>
-            <a:fontRef idx="minor">
-              <a:schemeClr val="tx1"/>
-            </a:fontRef>
-          </p:style>
-        </p:cxnSp>
-        <p:sp>
-          <p:nvSpPr>
-            <p:cNvPr id="49" name="TextBox 48"/>
-            <p:cNvSpPr txBox="1"/>
-            <p:nvPr/>
-          </p:nvSpPr>
-          <p:spPr>
-            <a:xfrm>
-              <a:off x="1221456" y="1236222"/>
-              <a:ext cx="1398084" cy="276999"/>
-            </a:xfrm>
-            <a:prstGeom prst="rect">
-              <a:avLst/>
-            </a:prstGeom>
-            <a:noFill/>
-          </p:spPr>
-          <p:txBody>
-            <a:bodyPr wrap="square" rtlCol="0">
-              <a:spAutoFit/>
-            </a:bodyPr>
-            <a:lstStyle/>
-            <a:p>
-              <a:r>
-                <a:rPr lang="en-US" altLang="ko-KR" sz="1200" b="1" dirty="0" err="1" smtClean="0"/>
-                <a:t>getServerInfo</a:t>
-              </a:r>
-              <a:r>
-                <a:rPr lang="en-US" altLang="ko-KR" sz="1200" b="1" dirty="0" smtClean="0"/>
-                <a:t> and Load </a:t>
-              </a:r>
-              <a:endParaRPr lang="ko-KR" altLang="en-US" sz="1200" b="1" dirty="0"/>
-            </a:p>
-          </p:txBody>
-        </p:sp>
-      </p:grpSp>
-      <p:grpSp>
-        <p:nvGrpSpPr>
-          <p:cNvPr id="50" name="그룹 49"/>
-          <p:cNvGrpSpPr/>
-          <p:nvPr/>
-        </p:nvGrpSpPr>
-        <p:grpSpPr>
-          <a:xfrm>
-            <a:off x="2812468" y="2693141"/>
-            <a:ext cx="8245905" cy="276999"/>
-            <a:chOff x="1143732" y="1236222"/>
-            <a:chExt cx="1692522" cy="276999"/>
-          </a:xfrm>
-        </p:grpSpPr>
-        <p:cxnSp>
-          <p:nvCxnSpPr>
-            <p:cNvPr id="51" name="직선 화살표 연결선 50"/>
-            <p:cNvCxnSpPr/>
-            <p:nvPr/>
-          </p:nvCxnSpPr>
-          <p:spPr>
-            <a:xfrm>
-              <a:off x="1143732" y="1476112"/>
-              <a:ext cx="1692522" cy="1"/>
-            </a:xfrm>
-            <a:prstGeom prst="straightConnector1">
-              <a:avLst/>
-            </a:prstGeom>
-            <a:ln w="34925">
-              <a:solidFill>
-                <a:schemeClr val="tx1"/>
-              </a:solidFill>
-              <a:headEnd w="lg" len="lg"/>
-              <a:tailEnd type="triangle"/>
-            </a:ln>
-          </p:spPr>
-          <p:style>
-            <a:lnRef idx="1">
-              <a:schemeClr val="accent1"/>
-            </a:lnRef>
-            <a:fillRef idx="0">
-              <a:schemeClr val="accent1"/>
-            </a:fillRef>
-            <a:effectRef idx="0">
-              <a:schemeClr val="accent1"/>
-            </a:effectRef>
-            <a:fontRef idx="minor">
-              <a:schemeClr val="tx1"/>
-            </a:fontRef>
-          </p:style>
-        </p:cxnSp>
-        <p:sp>
-          <p:nvSpPr>
-            <p:cNvPr id="52" name="TextBox 51"/>
-            <p:cNvSpPr txBox="1"/>
-            <p:nvPr/>
-          </p:nvSpPr>
-          <p:spPr>
-            <a:xfrm>
-              <a:off x="1221456" y="1236222"/>
-              <a:ext cx="1398084" cy="276999"/>
-            </a:xfrm>
-            <a:prstGeom prst="rect">
-              <a:avLst/>
-            </a:prstGeom>
-            <a:noFill/>
-          </p:spPr>
-          <p:txBody>
-            <a:bodyPr wrap="square" rtlCol="0">
-              <a:spAutoFit/>
-            </a:bodyPr>
-            <a:lstStyle/>
-            <a:p>
-              <a:r>
-                <a:rPr lang="en-US" altLang="ko-KR" sz="1200" b="1" dirty="0" err="1" smtClean="0"/>
-                <a:t>getMessageInfo</a:t>
-              </a:r>
-              <a:r>
-                <a:rPr lang="en-US" altLang="ko-KR" sz="1200" b="1" dirty="0" smtClean="0"/>
-                <a:t> and Load </a:t>
-              </a:r>
-              <a:endParaRPr lang="ko-KR" altLang="en-US" sz="1200" b="1" dirty="0"/>
-            </a:p>
-          </p:txBody>
-        </p:sp>
-      </p:grpSp>
-      <p:grpSp>
-        <p:nvGrpSpPr>
-          <p:cNvPr id="55" name="그룹 54"/>
-          <p:cNvGrpSpPr/>
-          <p:nvPr/>
-        </p:nvGrpSpPr>
-        <p:grpSpPr>
-          <a:xfrm>
-            <a:off x="2812467" y="3033935"/>
-            <a:ext cx="8245905" cy="276999"/>
-            <a:chOff x="1143732" y="1236222"/>
-            <a:chExt cx="1692522" cy="276999"/>
-          </a:xfrm>
-        </p:grpSpPr>
-        <p:cxnSp>
-          <p:nvCxnSpPr>
-            <p:cNvPr id="56" name="직선 화살표 연결선 55"/>
-            <p:cNvCxnSpPr/>
-            <p:nvPr/>
-          </p:nvCxnSpPr>
-          <p:spPr>
-            <a:xfrm>
-              <a:off x="1143732" y="1476112"/>
-              <a:ext cx="1692522" cy="1"/>
-            </a:xfrm>
-            <a:prstGeom prst="straightConnector1">
-              <a:avLst/>
-            </a:prstGeom>
-            <a:ln w="34925">
-              <a:solidFill>
-                <a:schemeClr val="tx1"/>
-              </a:solidFill>
-              <a:headEnd w="lg" len="lg"/>
-              <a:tailEnd type="triangle"/>
-            </a:ln>
-          </p:spPr>
-          <p:style>
-            <a:lnRef idx="1">
-              <a:schemeClr val="accent1"/>
-            </a:lnRef>
-            <a:fillRef idx="0">
-              <a:schemeClr val="accent1"/>
-            </a:fillRef>
-            <a:effectRef idx="0">
-              <a:schemeClr val="accent1"/>
-            </a:effectRef>
-            <a:fontRef idx="minor">
-              <a:schemeClr val="tx1"/>
-            </a:fontRef>
-          </p:style>
-        </p:cxnSp>
-        <p:sp>
-          <p:nvSpPr>
-            <p:cNvPr id="57" name="TextBox 56"/>
-            <p:cNvSpPr txBox="1"/>
-            <p:nvPr/>
-          </p:nvSpPr>
-          <p:spPr>
-            <a:xfrm>
-              <a:off x="1221456" y="1236222"/>
-              <a:ext cx="1398084" cy="276999"/>
-            </a:xfrm>
-            <a:prstGeom prst="rect">
-              <a:avLst/>
-            </a:prstGeom>
-            <a:noFill/>
-          </p:spPr>
-          <p:txBody>
-            <a:bodyPr wrap="square" rtlCol="0">
-              <a:spAutoFit/>
-            </a:bodyPr>
-            <a:lstStyle/>
-            <a:p>
-              <a:r>
-                <a:rPr lang="en-US" altLang="ko-KR" sz="1200" b="1" dirty="0" err="1" smtClean="0"/>
-                <a:t>getHandlerInfo</a:t>
-              </a:r>
-              <a:r>
-                <a:rPr lang="en-US" altLang="ko-KR" sz="1200" b="1" dirty="0" smtClean="0"/>
-                <a:t> and Load </a:t>
-              </a:r>
-              <a:endParaRPr lang="ko-KR" altLang="en-US" sz="1200" b="1" dirty="0"/>
-            </a:p>
-          </p:txBody>
-        </p:sp>
-      </p:grpSp>
-      <p:grpSp>
-        <p:nvGrpSpPr>
-          <p:cNvPr id="61" name="그룹 60"/>
-          <p:cNvGrpSpPr/>
-          <p:nvPr/>
-        </p:nvGrpSpPr>
-        <p:grpSpPr>
-          <a:xfrm>
-            <a:off x="2772827" y="3411837"/>
-            <a:ext cx="1446435" cy="769441"/>
-            <a:chOff x="1145490" y="1465716"/>
-            <a:chExt cx="2800806" cy="769441"/>
-          </a:xfrm>
-        </p:grpSpPr>
-        <p:cxnSp>
-          <p:nvCxnSpPr>
-            <p:cNvPr id="62" name="꺾인 연결선 61"/>
-            <p:cNvCxnSpPr/>
-            <p:nvPr/>
-          </p:nvCxnSpPr>
-          <p:spPr>
-            <a:xfrm>
-              <a:off x="1145490" y="1705605"/>
-              <a:ext cx="460722" cy="232148"/>
-            </a:xfrm>
-            <a:prstGeom prst="bentConnector3">
-              <a:avLst>
-                <a:gd name="adj1" fmla="val 191254"/>
-              </a:avLst>
-            </a:prstGeom>
-            <a:ln w="25400">
-              <a:solidFill>
-                <a:schemeClr val="tx1"/>
-              </a:solidFill>
-              <a:tailEnd type="triangle"/>
-            </a:ln>
-          </p:spPr>
-          <p:style>
-            <a:lnRef idx="1">
-              <a:schemeClr val="accent1"/>
-            </a:lnRef>
-            <a:fillRef idx="0">
-              <a:schemeClr val="accent1"/>
-            </a:fillRef>
-            <a:effectRef idx="0">
-              <a:schemeClr val="accent1"/>
-            </a:effectRef>
-            <a:fontRef idx="minor">
-              <a:schemeClr val="tx1"/>
-            </a:fontRef>
-          </p:style>
-        </p:cxnSp>
-        <p:sp>
-          <p:nvSpPr>
-            <p:cNvPr id="63" name="TextBox 62"/>
-            <p:cNvSpPr txBox="1"/>
-            <p:nvPr/>
-          </p:nvSpPr>
-          <p:spPr>
-            <a:xfrm>
-              <a:off x="1158599" y="1465716"/>
-              <a:ext cx="2787697" cy="769441"/>
-            </a:xfrm>
-            <a:prstGeom prst="rect">
-              <a:avLst/>
-            </a:prstGeom>
-            <a:noFill/>
-          </p:spPr>
-          <p:txBody>
-            <a:bodyPr wrap="square" rtlCol="0">
-              <a:spAutoFit/>
-            </a:bodyPr>
-            <a:lstStyle/>
-            <a:p>
-              <a:r>
-                <a:rPr lang="en-US" altLang="ko-KR" sz="1100" b="1" dirty="0" smtClean="0"/>
-                <a:t>For each ()-&gt;{</a:t>
-              </a:r>
-            </a:p>
-            <a:p>
-              <a:r>
-                <a:rPr lang="en-US" altLang="ko-KR" sz="1100" b="1" dirty="0"/>
-                <a:t> </a:t>
-              </a:r>
-              <a:r>
-                <a:rPr lang="en-US" altLang="ko-KR" sz="1100" b="1" dirty="0" smtClean="0"/>
-                <a:t>       start(server)</a:t>
-              </a:r>
-            </a:p>
-            <a:p>
-              <a:r>
-                <a:rPr lang="en-US" altLang="ko-KR" sz="1100" b="1" dirty="0"/>
-                <a:t> </a:t>
-              </a:r>
-              <a:r>
-                <a:rPr lang="en-US" altLang="ko-KR" sz="1100" b="1" dirty="0" smtClean="0"/>
-                <a:t>       }</a:t>
-              </a:r>
-              <a:endParaRPr lang="ko-KR" altLang="en-US" sz="1100" b="1" dirty="0"/>
-            </a:p>
-          </p:txBody>
-        </p:sp>
-      </p:grpSp>
-      <p:grpSp>
-        <p:nvGrpSpPr>
-          <p:cNvPr id="64" name="그룹 63"/>
-          <p:cNvGrpSpPr/>
-          <p:nvPr/>
-        </p:nvGrpSpPr>
-        <p:grpSpPr>
-          <a:xfrm>
-            <a:off x="2772390" y="5546303"/>
-            <a:ext cx="1228120" cy="472037"/>
-            <a:chOff x="1145490" y="1465716"/>
-            <a:chExt cx="2800806" cy="472037"/>
-          </a:xfrm>
-        </p:grpSpPr>
-        <p:cxnSp>
-          <p:nvCxnSpPr>
-            <p:cNvPr id="65" name="꺾인 연결선 64"/>
-            <p:cNvCxnSpPr/>
-            <p:nvPr/>
-          </p:nvCxnSpPr>
-          <p:spPr>
-            <a:xfrm>
-              <a:off x="1145490" y="1705605"/>
-              <a:ext cx="460722" cy="232148"/>
-            </a:xfrm>
-            <a:prstGeom prst="bentConnector3">
-              <a:avLst>
-                <a:gd name="adj1" fmla="val 191254"/>
-              </a:avLst>
-            </a:prstGeom>
-            <a:ln w="25400">
-              <a:solidFill>
-                <a:schemeClr val="tx1"/>
-              </a:solidFill>
-              <a:tailEnd type="triangle"/>
-            </a:ln>
-          </p:spPr>
-          <p:style>
-            <a:lnRef idx="1">
-              <a:schemeClr val="accent1"/>
-            </a:lnRef>
-            <a:fillRef idx="0">
-              <a:schemeClr val="accent1"/>
-            </a:fillRef>
-            <a:effectRef idx="0">
-              <a:schemeClr val="accent1"/>
-            </a:effectRef>
-            <a:fontRef idx="minor">
-              <a:schemeClr val="tx1"/>
-            </a:fontRef>
-          </p:style>
-        </p:cxnSp>
-        <p:sp>
-          <p:nvSpPr>
-            <p:cNvPr id="66" name="TextBox 65"/>
-            <p:cNvSpPr txBox="1"/>
-            <p:nvPr/>
-          </p:nvSpPr>
-          <p:spPr>
-            <a:xfrm>
-              <a:off x="1158599" y="1465716"/>
-              <a:ext cx="2787697" cy="430887"/>
-            </a:xfrm>
-            <a:prstGeom prst="rect">
-              <a:avLst/>
-            </a:prstGeom>
-            <a:noFill/>
-          </p:spPr>
-          <p:txBody>
-            <a:bodyPr wrap="square" rtlCol="0">
-              <a:spAutoFit/>
-            </a:bodyPr>
-            <a:lstStyle/>
-            <a:p>
-              <a:r>
-                <a:rPr lang="en-US" altLang="ko-KR" sz="1100" b="1" dirty="0" smtClean="0"/>
-                <a:t>while(true) monitoring</a:t>
-              </a:r>
-              <a:endParaRPr lang="ko-KR" altLang="en-US" sz="1100" b="1" dirty="0"/>
-            </a:p>
-          </p:txBody>
-        </p:sp>
-      </p:grpSp>
-      <p:grpSp>
-        <p:nvGrpSpPr>
-          <p:cNvPr id="67" name="그룹 66"/>
-          <p:cNvGrpSpPr/>
-          <p:nvPr/>
-        </p:nvGrpSpPr>
-        <p:grpSpPr>
-          <a:xfrm>
-            <a:off x="269918" y="3973911"/>
-            <a:ext cx="2487646" cy="461665"/>
-            <a:chOff x="1143732" y="1236222"/>
-            <a:chExt cx="1692522" cy="461665"/>
-          </a:xfrm>
-        </p:grpSpPr>
-        <p:cxnSp>
-          <p:nvCxnSpPr>
-            <p:cNvPr id="68" name="직선 화살표 연결선 67"/>
-            <p:cNvCxnSpPr/>
-            <p:nvPr/>
-          </p:nvCxnSpPr>
-          <p:spPr>
-            <a:xfrm>
-              <a:off x="1143732" y="1476112"/>
-              <a:ext cx="1692522" cy="1"/>
-            </a:xfrm>
-            <a:prstGeom prst="straightConnector1">
-              <a:avLst/>
-            </a:prstGeom>
-            <a:ln w="34925">
-              <a:solidFill>
-                <a:schemeClr val="tx1"/>
-              </a:solidFill>
-              <a:prstDash val="sysDash"/>
-              <a:headEnd w="lg" len="lg"/>
-              <a:tailEnd type="triangle"/>
-            </a:ln>
-          </p:spPr>
-          <p:style>
-            <a:lnRef idx="1">
-              <a:schemeClr val="accent1"/>
-            </a:lnRef>
-            <a:fillRef idx="0">
-              <a:schemeClr val="accent1"/>
-            </a:fillRef>
-            <a:effectRef idx="0">
-              <a:schemeClr val="accent1"/>
-            </a:effectRef>
-            <a:fontRef idx="minor">
-              <a:schemeClr val="tx1"/>
-            </a:fontRef>
-          </p:style>
-        </p:cxnSp>
-        <p:sp>
-          <p:nvSpPr>
-            <p:cNvPr id="69" name="TextBox 68"/>
-            <p:cNvSpPr txBox="1"/>
-            <p:nvPr/>
-          </p:nvSpPr>
-          <p:spPr>
-            <a:xfrm>
-              <a:off x="1221456" y="1236222"/>
-              <a:ext cx="1398084" cy="461665"/>
-            </a:xfrm>
-            <a:prstGeom prst="rect">
-              <a:avLst/>
-            </a:prstGeom>
-            <a:noFill/>
-          </p:spPr>
-          <p:txBody>
-            <a:bodyPr wrap="square" rtlCol="0">
-              <a:spAutoFit/>
-            </a:bodyPr>
-            <a:lstStyle/>
-            <a:p>
-              <a:r>
-                <a:rPr lang="en-US" altLang="ko-KR" sz="1200" b="1" dirty="0" smtClean="0"/>
-                <a:t>If send </a:t>
-              </a:r>
-              <a:r>
-                <a:rPr lang="en-US" altLang="ko-KR" sz="1200" b="1" dirty="0" err="1" smtClean="0"/>
-                <a:t>messag</a:t>
-              </a:r>
-              <a:r>
-                <a:rPr lang="en-US" altLang="ko-KR" sz="1200" b="1" dirty="0" smtClean="0"/>
-                <a:t> form external server</a:t>
-              </a:r>
-              <a:endParaRPr lang="ko-KR" altLang="en-US" sz="1200" b="1" dirty="0"/>
-            </a:p>
-          </p:txBody>
-        </p:sp>
-      </p:grpSp>
-      <p:grpSp>
-        <p:nvGrpSpPr>
-          <p:cNvPr id="70" name="그룹 69"/>
-          <p:cNvGrpSpPr/>
-          <p:nvPr/>
-        </p:nvGrpSpPr>
-        <p:grpSpPr>
-          <a:xfrm>
-            <a:off x="2803062" y="4243346"/>
-            <a:ext cx="2487646" cy="461665"/>
-            <a:chOff x="1143732" y="1236222"/>
-            <a:chExt cx="1692522" cy="461665"/>
-          </a:xfrm>
-        </p:grpSpPr>
-        <p:cxnSp>
-          <p:nvCxnSpPr>
-            <p:cNvPr id="71" name="직선 화살표 연결선 70"/>
-            <p:cNvCxnSpPr/>
-            <p:nvPr/>
-          </p:nvCxnSpPr>
-          <p:spPr>
-            <a:xfrm>
-              <a:off x="1143732" y="1476112"/>
-              <a:ext cx="1692522" cy="1"/>
-            </a:xfrm>
-            <a:prstGeom prst="straightConnector1">
-              <a:avLst/>
-            </a:prstGeom>
-            <a:ln w="34925">
-              <a:solidFill>
-                <a:schemeClr val="tx1"/>
-              </a:solidFill>
-              <a:prstDash val="sysDash"/>
-              <a:headEnd w="lg" len="lg"/>
-              <a:tailEnd type="triangle"/>
-            </a:ln>
-          </p:spPr>
-          <p:style>
-            <a:lnRef idx="1">
-              <a:schemeClr val="accent1"/>
-            </a:lnRef>
-            <a:fillRef idx="0">
-              <a:schemeClr val="accent1"/>
-            </a:fillRef>
-            <a:effectRef idx="0">
-              <a:schemeClr val="accent1"/>
-            </a:effectRef>
-            <a:fontRef idx="minor">
-              <a:schemeClr val="tx1"/>
-            </a:fontRef>
-          </p:style>
-        </p:cxnSp>
-        <p:sp>
-          <p:nvSpPr>
-            <p:cNvPr id="72" name="TextBox 71"/>
-            <p:cNvSpPr txBox="1"/>
-            <p:nvPr/>
-          </p:nvSpPr>
-          <p:spPr>
-            <a:xfrm>
-              <a:off x="1221456" y="1236222"/>
-              <a:ext cx="1398084" cy="461665"/>
-            </a:xfrm>
-            <a:prstGeom prst="rect">
-              <a:avLst/>
-            </a:prstGeom>
-            <a:noFill/>
-          </p:spPr>
-          <p:txBody>
-            <a:bodyPr wrap="square" rtlCol="0">
-              <a:spAutoFit/>
-            </a:bodyPr>
-            <a:lstStyle/>
-            <a:p>
-              <a:r>
-                <a:rPr lang="en-US" altLang="ko-KR" sz="1200" b="1" dirty="0" smtClean="0"/>
-                <a:t>Find handler and execute handler</a:t>
-              </a:r>
-              <a:endParaRPr lang="ko-KR" altLang="en-US" sz="1200" b="1" dirty="0"/>
-            </a:p>
-          </p:txBody>
-        </p:sp>
-      </p:grpSp>
-      <p:grpSp>
-        <p:nvGrpSpPr>
-          <p:cNvPr id="73" name="그룹 72"/>
-          <p:cNvGrpSpPr/>
-          <p:nvPr/>
-        </p:nvGrpSpPr>
-        <p:grpSpPr>
-          <a:xfrm>
-            <a:off x="5318595" y="4490934"/>
-            <a:ext cx="1578111" cy="646331"/>
-            <a:chOff x="1143732" y="1236222"/>
-            <a:chExt cx="1692522" cy="646331"/>
-          </a:xfrm>
-        </p:grpSpPr>
-        <p:cxnSp>
-          <p:nvCxnSpPr>
-            <p:cNvPr id="74" name="직선 화살표 연결선 73"/>
-            <p:cNvCxnSpPr/>
-            <p:nvPr/>
-          </p:nvCxnSpPr>
-          <p:spPr>
-            <a:xfrm>
-              <a:off x="1143732" y="1476112"/>
-              <a:ext cx="1692522" cy="1"/>
-            </a:xfrm>
-            <a:prstGeom prst="straightConnector1">
-              <a:avLst/>
-            </a:prstGeom>
-            <a:ln w="34925">
-              <a:solidFill>
-                <a:schemeClr val="tx1"/>
-              </a:solidFill>
-              <a:prstDash val="sysDash"/>
-              <a:headEnd w="lg" len="lg"/>
-              <a:tailEnd type="triangle"/>
-            </a:ln>
-          </p:spPr>
-          <p:style>
-            <a:lnRef idx="1">
-              <a:schemeClr val="accent1"/>
-            </a:lnRef>
-            <a:fillRef idx="0">
-              <a:schemeClr val="accent1"/>
-            </a:fillRef>
-            <a:effectRef idx="0">
-              <a:schemeClr val="accent1"/>
-            </a:effectRef>
-            <a:fontRef idx="minor">
-              <a:schemeClr val="tx1"/>
-            </a:fontRef>
-          </p:style>
-        </p:cxnSp>
-        <p:sp>
-          <p:nvSpPr>
-            <p:cNvPr id="75" name="TextBox 74"/>
-            <p:cNvSpPr txBox="1"/>
-            <p:nvPr/>
-          </p:nvSpPr>
-          <p:spPr>
-            <a:xfrm>
-              <a:off x="1221456" y="1236222"/>
-              <a:ext cx="1398084" cy="646331"/>
-            </a:xfrm>
-            <a:prstGeom prst="rect">
-              <a:avLst/>
-            </a:prstGeom>
-            <a:noFill/>
-          </p:spPr>
-          <p:txBody>
-            <a:bodyPr wrap="square" rtlCol="0">
-              <a:spAutoFit/>
-            </a:bodyPr>
-            <a:lstStyle/>
-            <a:p>
-              <a:r>
-                <a:rPr lang="en-US" altLang="ko-KR" sz="1200" b="1" dirty="0" smtClean="0"/>
-                <a:t>Parse and create message info</a:t>
-              </a:r>
-              <a:endParaRPr lang="ko-KR" altLang="en-US" sz="1200" b="1" dirty="0"/>
-            </a:p>
-          </p:txBody>
-        </p:sp>
-      </p:grpSp>
-      <p:grpSp>
-        <p:nvGrpSpPr>
-          <p:cNvPr id="76" name="그룹 75"/>
-          <p:cNvGrpSpPr/>
-          <p:nvPr/>
-        </p:nvGrpSpPr>
-        <p:grpSpPr>
-          <a:xfrm>
-            <a:off x="5332609" y="5144457"/>
-            <a:ext cx="2992029" cy="276999"/>
-            <a:chOff x="1143732" y="1236222"/>
-            <a:chExt cx="1692522" cy="276999"/>
-          </a:xfrm>
-        </p:grpSpPr>
-        <p:cxnSp>
-          <p:nvCxnSpPr>
-            <p:cNvPr id="77" name="직선 화살표 연결선 76"/>
-            <p:cNvCxnSpPr/>
-            <p:nvPr/>
-          </p:nvCxnSpPr>
-          <p:spPr>
-            <a:xfrm>
-              <a:off x="1143732" y="1476112"/>
-              <a:ext cx="1692522" cy="1"/>
-            </a:xfrm>
-            <a:prstGeom prst="straightConnector1">
-              <a:avLst/>
-            </a:prstGeom>
-            <a:ln w="34925">
-              <a:solidFill>
-                <a:schemeClr val="tx1"/>
-              </a:solidFill>
-              <a:prstDash val="sysDash"/>
-              <a:headEnd w="lg" len="lg"/>
-              <a:tailEnd type="triangle"/>
-            </a:ln>
-          </p:spPr>
-          <p:style>
-            <a:lnRef idx="1">
-              <a:schemeClr val="accent1"/>
-            </a:lnRef>
-            <a:fillRef idx="0">
-              <a:schemeClr val="accent1"/>
-            </a:fillRef>
-            <a:effectRef idx="0">
-              <a:schemeClr val="accent1"/>
-            </a:effectRef>
-            <a:fontRef idx="minor">
-              <a:schemeClr val="tx1"/>
-            </a:fontRef>
-          </p:style>
-        </p:cxnSp>
-        <p:sp>
-          <p:nvSpPr>
-            <p:cNvPr id="78" name="TextBox 77"/>
-            <p:cNvSpPr txBox="1"/>
-            <p:nvPr/>
-          </p:nvSpPr>
-          <p:spPr>
-            <a:xfrm>
-              <a:off x="1221456" y="1236222"/>
-              <a:ext cx="1398084" cy="276999"/>
-            </a:xfrm>
-            <a:prstGeom prst="rect">
-              <a:avLst/>
-            </a:prstGeom>
-            <a:noFill/>
-          </p:spPr>
-          <p:txBody>
-            <a:bodyPr wrap="square" rtlCol="0">
-              <a:spAutoFit/>
-            </a:bodyPr>
-            <a:lstStyle/>
-            <a:p>
-              <a:r>
-                <a:rPr lang="en-US" altLang="ko-KR" sz="1200" b="1" dirty="0" smtClean="0"/>
-                <a:t>Find service and call service</a:t>
-              </a:r>
-              <a:endParaRPr lang="ko-KR" altLang="en-US" sz="1200" b="1" dirty="0"/>
-            </a:p>
-          </p:txBody>
-        </p:sp>
-      </p:grpSp>
-    </p:spTree>
-    <p:extLst>
-      <p:ext uri="{BB962C8B-B14F-4D97-AF65-F5344CB8AC3E}">
-        <p14:creationId xmlns:p14="http://schemas.microsoft.com/office/powerpoint/2010/main" val="3476305248"/>
-      </p:ext>
-    </p:extLst>
-  </p:cSld>
-  <p:clrMapOvr>
-    <a:masterClrMapping/>
-  </p:clrMapOvr>
-</p:sld>
-</file>
-
-<file path=ppt/slides/slide6.xml><?xml version="1.0" encoding="utf-8"?>
-<p:sld xmlns:a="http://schemas.openxmlformats.org/drawingml/2006/main" xmlns:r="http://schemas.openxmlformats.org/officeDocument/2006/relationships" xmlns:p="http://schemas.openxmlformats.org/presentationml/2006/main">
-  <p:cSld>
-    <p:spTree>
-      <p:nvGrpSpPr>
-        <p:cNvPr id="1" name=""/>
-        <p:cNvGrpSpPr/>
-        <p:nvPr/>
-      </p:nvGrpSpPr>
-      <p:grpSpPr>
-        <a:xfrm>
-          <a:off x="0" y="0"/>
-          <a:ext cx="0" cy="0"/>
-          <a:chOff x="0" y="0"/>
-          <a:chExt cx="0" cy="0"/>
-        </a:xfrm>
-      </p:grpSpPr>
-      <p:sp>
-        <p:nvSpPr>
-          <p:cNvPr id="2" name="제목 1"/>
-          <p:cNvSpPr>
-            <a:spLocks noGrp="1"/>
-          </p:cNvSpPr>
-          <p:nvPr>
-            <p:ph type="title"/>
-          </p:nvPr>
-        </p:nvSpPr>
-        <p:spPr>
-          <a:xfrm>
-            <a:off x="838200" y="365125"/>
-            <a:ext cx="10398211" cy="359805"/>
-          </a:xfrm>
-        </p:spPr>
-        <p:txBody>
-          <a:bodyPr>
-            <a:noAutofit/>
-          </a:bodyPr>
-          <a:lstStyle/>
-          <a:p>
-            <a:r>
-              <a:rPr lang="en-US" altLang="ko-KR" sz="2800" b="1" dirty="0" smtClean="0"/>
-              <a:t>5. </a:t>
-            </a:r>
-            <a:r>
-              <a:rPr lang="ko-KR" altLang="en-US" sz="2800" b="1" dirty="0" smtClean="0"/>
-              <a:t>환경</a:t>
-            </a:r>
-            <a:endParaRPr lang="ko-KR" altLang="en-US" sz="2800" b="1" dirty="0"/>
-          </a:p>
-        </p:txBody>
-      </p:sp>
-      <p:sp>
-        <p:nvSpPr>
-          <p:cNvPr id="3" name="TextBox 2"/>
-          <p:cNvSpPr txBox="1"/>
-          <p:nvPr/>
-        </p:nvSpPr>
-        <p:spPr>
-          <a:xfrm>
-            <a:off x="662473" y="989045"/>
-            <a:ext cx="10573938" cy="1015663"/>
-          </a:xfrm>
-          <a:prstGeom prst="rect">
-            <a:avLst/>
-          </a:prstGeom>
-          <a:noFill/>
-        </p:spPr>
-        <p:txBody>
-          <a:bodyPr wrap="square" rtlCol="0">
-            <a:spAutoFit/>
-          </a:bodyPr>
-          <a:lstStyle/>
-          <a:p>
-            <a:pPr marL="285750" indent="-285750">
-              <a:buFont typeface="Arial" panose="020B0604020202020204" pitchFamily="34" charset="0"/>
-              <a:buChar char="•"/>
-            </a:pPr>
-            <a:r>
-              <a:rPr lang="en-US" altLang="ko-KR" sz="1200" b="1" dirty="0" smtClean="0"/>
-              <a:t>JDK 11 </a:t>
-            </a:r>
-            <a:r>
-              <a:rPr lang="ko-KR" altLang="en-US" sz="1200" b="1" dirty="0" smtClean="0"/>
-              <a:t>버전</a:t>
-            </a:r>
-            <a:endParaRPr lang="en-US" altLang="ko-KR" sz="1200" b="1" dirty="0" smtClean="0"/>
-          </a:p>
-          <a:p>
-            <a:pPr marL="285750" indent="-285750">
-              <a:buFont typeface="Arial" panose="020B0604020202020204" pitchFamily="34" charset="0"/>
-              <a:buChar char="•"/>
-            </a:pPr>
-            <a:r>
-              <a:rPr lang="en-US" altLang="ko-KR" sz="1200" b="1" dirty="0" smtClean="0"/>
-              <a:t>Spring Boot 2.3.2 RELEASE</a:t>
-            </a:r>
-          </a:p>
-          <a:p>
-            <a:pPr marL="285750" indent="-285750">
-              <a:buFont typeface="Arial" panose="020B0604020202020204" pitchFamily="34" charset="0"/>
-              <a:buChar char="•"/>
-            </a:pPr>
-            <a:r>
-              <a:rPr lang="en-US" altLang="ko-KR" sz="1200" b="1" dirty="0" err="1" smtClean="0"/>
-              <a:t>Netty</a:t>
-            </a:r>
-            <a:r>
-              <a:rPr lang="en-US" altLang="ko-KR" sz="1200" b="1" dirty="0" smtClean="0"/>
-              <a:t> 4.2.30.Final</a:t>
-            </a:r>
-          </a:p>
-          <a:p>
-            <a:pPr marL="285750" indent="-285750">
-              <a:buFont typeface="Arial" panose="020B0604020202020204" pitchFamily="34" charset="0"/>
-              <a:buChar char="•"/>
-            </a:pPr>
-            <a:r>
-              <a:rPr lang="en-US" altLang="ko-KR" sz="1200" b="1" dirty="0" err="1" smtClean="0"/>
-              <a:t>Gson</a:t>
-            </a:r>
-            <a:r>
-              <a:rPr lang="en-US" altLang="ko-KR" sz="1200" b="1" dirty="0" smtClean="0"/>
-              <a:t> 2.8.6</a:t>
-            </a:r>
-          </a:p>
-          <a:p>
-            <a:pPr marL="285750" indent="-285750">
-              <a:buFont typeface="Arial" panose="020B0604020202020204" pitchFamily="34" charset="0"/>
-              <a:buChar char="•"/>
-            </a:pPr>
-            <a:r>
-              <a:rPr lang="en-US" altLang="ko-KR" sz="1200" b="1" dirty="0" err="1" smtClean="0"/>
-              <a:t>okHttp</a:t>
-            </a:r>
-            <a:r>
-              <a:rPr lang="en-US" altLang="ko-KR" sz="1200" b="1" smtClean="0"/>
-              <a:t> 4.7.2</a:t>
-            </a:r>
-          </a:p>
-        </p:txBody>
-      </p:sp>
-    </p:spTree>
-    <p:extLst>
-      <p:ext uri="{BB962C8B-B14F-4D97-AF65-F5344CB8AC3E}">
-        <p14:creationId xmlns:p14="http://schemas.microsoft.com/office/powerpoint/2010/main" val="3778153848"/>
-      </p:ext>
-    </p:extLst>
-  </p:cSld>
-  <p:clrMapOvr>
-    <a:masterClrMapping/>
-  </p:clrMapOvr>
+  <p:timing>
+    <p:tnLst>
+      <p:par>
+        <p:cTn id="1" dur="indefinite" restart="never" nodeType="tmRoot"/>
+      </p:par>
+    </p:tnLst>
+  </p:timing>
 </p:sld>
 </file>
 
